--- a/Formation - installation d'un pc-2.pptx
+++ b/Formation - installation d'un pc-2.pptx
@@ -5,15 +5,19 @@
     <p:sldMasterId id="2147483660" r:id="rId4"/>
   </p:sldMasterIdLst>
   <p:notesMasterIdLst>
-    <p:notesMasterId r:id="rId8"/>
+    <p:notesMasterId r:id="rId12"/>
   </p:notesMasterIdLst>
   <p:handoutMasterIdLst>
-    <p:handoutMasterId r:id="rId9"/>
+    <p:handoutMasterId r:id="rId13"/>
   </p:handoutMasterIdLst>
   <p:sldIdLst>
     <p:sldId id="257" r:id="rId5"/>
     <p:sldId id="268" r:id="rId6"/>
-    <p:sldId id="265" r:id="rId7"/>
+    <p:sldId id="259" r:id="rId7"/>
+    <p:sldId id="261" r:id="rId8"/>
+    <p:sldId id="315" r:id="rId9"/>
+    <p:sldId id="286" r:id="rId10"/>
+    <p:sldId id="265" r:id="rId11"/>
   </p:sldIdLst>
   <p:sldSz cx="12188825" cy="6858000"/>
   <p:notesSz cx="6858000" cy="9144000"/>
@@ -886,6 +890,350 @@
           <a:bodyPr/>
           <a:lstStyle/>
           <a:p>
+            <a:endParaRPr lang="fr-FR" dirty="0"/>
+          </a:p>
+        </p:txBody>
+      </p:sp>
+      <p:sp>
+        <p:nvSpPr>
+          <p:cNvPr id="4" name="Espace réservé du numéro de diapositive 3"/>
+          <p:cNvSpPr>
+            <a:spLocks noGrp="1"/>
+          </p:cNvSpPr>
+          <p:nvPr>
+            <p:ph type="sldNum" sz="quarter" idx="10"/>
+          </p:nvPr>
+        </p:nvSpPr>
+        <p:spPr/>
+        <p:txBody>
+          <a:bodyPr/>
+          <a:lstStyle/>
+          <a:p>
+            <a:pPr algn="r"/>
+            <a:fld id="{3EBA5BD7-F043-4D1B-AA17-CD412FC534DE}" type="slidenum">
+              <a:rPr lang="fr-FR" smtClean="0"/>
+              <a:pPr algn="r"/>
+              <a:t>3</a:t>
+            </a:fld>
+            <a:endParaRPr lang="fr-FR" dirty="0"/>
+          </a:p>
+        </p:txBody>
+      </p:sp>
+    </p:spTree>
+    <p:extLst>
+      <p:ext uri="{BB962C8B-B14F-4D97-AF65-F5344CB8AC3E}">
+        <p14:creationId xmlns:p14="http://schemas.microsoft.com/office/powerpoint/2010/main" val="2869341269"/>
+      </p:ext>
+    </p:extLst>
+  </p:cSld>
+  <p:clrMapOvr>
+    <a:masterClrMapping/>
+  </p:clrMapOvr>
+</p:notes>
+</file>
+
+<file path=ppt/notesSlides/notesSlide4.xml><?xml version="1.0" encoding="utf-8"?>
+<p:notes xmlns:a="http://schemas.openxmlformats.org/drawingml/2006/main" xmlns:r="http://schemas.openxmlformats.org/officeDocument/2006/relationships" xmlns:p="http://schemas.openxmlformats.org/presentationml/2006/main">
+  <p:cSld>
+    <p:spTree>
+      <p:nvGrpSpPr>
+        <p:cNvPr id="1" name=""/>
+        <p:cNvGrpSpPr/>
+        <p:nvPr/>
+      </p:nvGrpSpPr>
+      <p:grpSpPr>
+        <a:xfrm>
+          <a:off x="0" y="0"/>
+          <a:ext cx="0" cy="0"/>
+          <a:chOff x="0" y="0"/>
+          <a:chExt cx="0" cy="0"/>
+        </a:xfrm>
+      </p:grpSpPr>
+      <p:sp>
+        <p:nvSpPr>
+          <p:cNvPr id="2" name="Espace réservé de l'image des diapositives 1"/>
+          <p:cNvSpPr>
+            <a:spLocks noGrp="1" noRot="1" noChangeAspect="1"/>
+          </p:cNvSpPr>
+          <p:nvPr>
+            <p:ph type="sldImg"/>
+          </p:nvPr>
+        </p:nvSpPr>
+        <p:spPr/>
+      </p:sp>
+      <p:sp>
+        <p:nvSpPr>
+          <p:cNvPr id="3" name="Espace réservé des notes 2"/>
+          <p:cNvSpPr>
+            <a:spLocks noGrp="1"/>
+          </p:cNvSpPr>
+          <p:nvPr>
+            <p:ph type="body" idx="1"/>
+          </p:nvPr>
+        </p:nvSpPr>
+        <p:spPr/>
+        <p:txBody>
+          <a:bodyPr/>
+          <a:lstStyle/>
+          <a:p>
+            <a:endParaRPr lang="fr-FR" dirty="0"/>
+          </a:p>
+        </p:txBody>
+      </p:sp>
+      <p:sp>
+        <p:nvSpPr>
+          <p:cNvPr id="4" name="Espace réservé du numéro de diapositive 3"/>
+          <p:cNvSpPr>
+            <a:spLocks noGrp="1"/>
+          </p:cNvSpPr>
+          <p:nvPr>
+            <p:ph type="sldNum" sz="quarter" idx="10"/>
+          </p:nvPr>
+        </p:nvSpPr>
+        <p:spPr/>
+        <p:txBody>
+          <a:bodyPr/>
+          <a:lstStyle/>
+          <a:p>
+            <a:pPr algn="r"/>
+            <a:fld id="{3EBA5BD7-F043-4D1B-AA17-CD412FC534DE}" type="slidenum">
+              <a:rPr lang="fr-FR" smtClean="0"/>
+              <a:pPr algn="r"/>
+              <a:t>4</a:t>
+            </a:fld>
+            <a:endParaRPr lang="fr-FR" dirty="0"/>
+          </a:p>
+        </p:txBody>
+      </p:sp>
+    </p:spTree>
+    <p:extLst>
+      <p:ext uri="{BB962C8B-B14F-4D97-AF65-F5344CB8AC3E}">
+        <p14:creationId xmlns:p14="http://schemas.microsoft.com/office/powerpoint/2010/main" val="3636480520"/>
+      </p:ext>
+    </p:extLst>
+  </p:cSld>
+  <p:clrMapOvr>
+    <a:masterClrMapping/>
+  </p:clrMapOvr>
+</p:notes>
+</file>
+
+<file path=ppt/notesSlides/notesSlide5.xml><?xml version="1.0" encoding="utf-8"?>
+<p:notes xmlns:a="http://schemas.openxmlformats.org/drawingml/2006/main" xmlns:r="http://schemas.openxmlformats.org/officeDocument/2006/relationships" xmlns:p="http://schemas.openxmlformats.org/presentationml/2006/main">
+  <p:cSld>
+    <p:spTree>
+      <p:nvGrpSpPr>
+        <p:cNvPr id="1" name=""/>
+        <p:cNvGrpSpPr/>
+        <p:nvPr/>
+      </p:nvGrpSpPr>
+      <p:grpSpPr>
+        <a:xfrm>
+          <a:off x="0" y="0"/>
+          <a:ext cx="0" cy="0"/>
+          <a:chOff x="0" y="0"/>
+          <a:chExt cx="0" cy="0"/>
+        </a:xfrm>
+      </p:grpSpPr>
+      <p:sp>
+        <p:nvSpPr>
+          <p:cNvPr id="2" name="Espace réservé de l'image des diapositives 1"/>
+          <p:cNvSpPr>
+            <a:spLocks noGrp="1" noRot="1" noChangeAspect="1"/>
+          </p:cNvSpPr>
+          <p:nvPr>
+            <p:ph type="sldImg"/>
+          </p:nvPr>
+        </p:nvSpPr>
+        <p:spPr/>
+      </p:sp>
+      <p:sp>
+        <p:nvSpPr>
+          <p:cNvPr id="3" name="Espace réservé des notes 2"/>
+          <p:cNvSpPr>
+            <a:spLocks noGrp="1"/>
+          </p:cNvSpPr>
+          <p:nvPr>
+            <p:ph type="body" idx="1"/>
+          </p:nvPr>
+        </p:nvSpPr>
+        <p:spPr/>
+        <p:txBody>
+          <a:bodyPr/>
+          <a:lstStyle/>
+          <a:p>
+            <a:endParaRPr lang="fr-FR" dirty="0"/>
+          </a:p>
+        </p:txBody>
+      </p:sp>
+      <p:sp>
+        <p:nvSpPr>
+          <p:cNvPr id="4" name="Espace réservé du numéro de diapositive 3"/>
+          <p:cNvSpPr>
+            <a:spLocks noGrp="1"/>
+          </p:cNvSpPr>
+          <p:nvPr>
+            <p:ph type="sldNum" sz="quarter" idx="10"/>
+          </p:nvPr>
+        </p:nvSpPr>
+        <p:spPr/>
+        <p:txBody>
+          <a:bodyPr/>
+          <a:lstStyle/>
+          <a:p>
+            <a:pPr algn="r"/>
+            <a:fld id="{3EBA5BD7-F043-4D1B-AA17-CD412FC534DE}" type="slidenum">
+              <a:rPr lang="fr-FR" smtClean="0"/>
+              <a:pPr algn="r"/>
+              <a:t>5</a:t>
+            </a:fld>
+            <a:endParaRPr lang="fr-FR" dirty="0"/>
+          </a:p>
+        </p:txBody>
+      </p:sp>
+    </p:spTree>
+    <p:extLst>
+      <p:ext uri="{BB962C8B-B14F-4D97-AF65-F5344CB8AC3E}">
+        <p14:creationId xmlns:p14="http://schemas.microsoft.com/office/powerpoint/2010/main" val="1958090949"/>
+      </p:ext>
+    </p:extLst>
+  </p:cSld>
+  <p:clrMapOvr>
+    <a:masterClrMapping/>
+  </p:clrMapOvr>
+</p:notes>
+</file>
+
+<file path=ppt/notesSlides/notesSlide6.xml><?xml version="1.0" encoding="utf-8"?>
+<p:notes xmlns:a="http://schemas.openxmlformats.org/drawingml/2006/main" xmlns:r="http://schemas.openxmlformats.org/officeDocument/2006/relationships" xmlns:p="http://schemas.openxmlformats.org/presentationml/2006/main">
+  <p:cSld>
+    <p:spTree>
+      <p:nvGrpSpPr>
+        <p:cNvPr id="1" name=""/>
+        <p:cNvGrpSpPr/>
+        <p:nvPr/>
+      </p:nvGrpSpPr>
+      <p:grpSpPr>
+        <a:xfrm>
+          <a:off x="0" y="0"/>
+          <a:ext cx="0" cy="0"/>
+          <a:chOff x="0" y="0"/>
+          <a:chExt cx="0" cy="0"/>
+        </a:xfrm>
+      </p:grpSpPr>
+      <p:sp>
+        <p:nvSpPr>
+          <p:cNvPr id="2" name="Espace réservé de l'image des diapositives 1"/>
+          <p:cNvSpPr>
+            <a:spLocks noGrp="1" noRot="1" noChangeAspect="1"/>
+          </p:cNvSpPr>
+          <p:nvPr>
+            <p:ph type="sldImg"/>
+          </p:nvPr>
+        </p:nvSpPr>
+        <p:spPr/>
+      </p:sp>
+      <p:sp>
+        <p:nvSpPr>
+          <p:cNvPr id="3" name="Espace réservé des notes 2"/>
+          <p:cNvSpPr>
+            <a:spLocks noGrp="1"/>
+          </p:cNvSpPr>
+          <p:nvPr>
+            <p:ph type="body" idx="1"/>
+          </p:nvPr>
+        </p:nvSpPr>
+        <p:spPr/>
+        <p:txBody>
+          <a:bodyPr/>
+          <a:lstStyle/>
+          <a:p>
+            <a:endParaRPr lang="fr-FR" dirty="0"/>
+          </a:p>
+        </p:txBody>
+      </p:sp>
+      <p:sp>
+        <p:nvSpPr>
+          <p:cNvPr id="4" name="Espace réservé du numéro de diapositive 3"/>
+          <p:cNvSpPr>
+            <a:spLocks noGrp="1"/>
+          </p:cNvSpPr>
+          <p:nvPr>
+            <p:ph type="sldNum" sz="quarter" idx="10"/>
+          </p:nvPr>
+        </p:nvSpPr>
+        <p:spPr/>
+        <p:txBody>
+          <a:bodyPr/>
+          <a:lstStyle/>
+          <a:p>
+            <a:pPr algn="r"/>
+            <a:fld id="{3EBA5BD7-F043-4D1B-AA17-CD412FC534DE}" type="slidenum">
+              <a:rPr lang="fr-FR" smtClean="0"/>
+              <a:pPr algn="r"/>
+              <a:t>6</a:t>
+            </a:fld>
+            <a:endParaRPr lang="fr-FR" dirty="0"/>
+          </a:p>
+        </p:txBody>
+      </p:sp>
+    </p:spTree>
+    <p:extLst>
+      <p:ext uri="{BB962C8B-B14F-4D97-AF65-F5344CB8AC3E}">
+        <p14:creationId xmlns:p14="http://schemas.microsoft.com/office/powerpoint/2010/main" val="1632589795"/>
+      </p:ext>
+    </p:extLst>
+  </p:cSld>
+  <p:clrMapOvr>
+    <a:masterClrMapping/>
+  </p:clrMapOvr>
+</p:notes>
+</file>
+
+<file path=ppt/notesSlides/notesSlide7.xml><?xml version="1.0" encoding="utf-8"?>
+<p:notes xmlns:a="http://schemas.openxmlformats.org/drawingml/2006/main" xmlns:r="http://schemas.openxmlformats.org/officeDocument/2006/relationships" xmlns:p="http://schemas.openxmlformats.org/presentationml/2006/main">
+  <p:cSld>
+    <p:spTree>
+      <p:nvGrpSpPr>
+        <p:cNvPr id="1" name=""/>
+        <p:cNvGrpSpPr/>
+        <p:nvPr/>
+      </p:nvGrpSpPr>
+      <p:grpSpPr>
+        <a:xfrm>
+          <a:off x="0" y="0"/>
+          <a:ext cx="0" cy="0"/>
+          <a:chOff x="0" y="0"/>
+          <a:chExt cx="0" cy="0"/>
+        </a:xfrm>
+      </p:grpSpPr>
+      <p:sp>
+        <p:nvSpPr>
+          <p:cNvPr id="2" name="Espace réservé de l'image des diapositives 1"/>
+          <p:cNvSpPr>
+            <a:spLocks noGrp="1" noRot="1" noChangeAspect="1"/>
+          </p:cNvSpPr>
+          <p:nvPr>
+            <p:ph type="sldImg"/>
+          </p:nvPr>
+        </p:nvSpPr>
+        <p:spPr/>
+      </p:sp>
+      <p:sp>
+        <p:nvSpPr>
+          <p:cNvPr id="3" name="Espace réservé des notes 2"/>
+          <p:cNvSpPr>
+            <a:spLocks noGrp="1"/>
+          </p:cNvSpPr>
+          <p:nvPr>
+            <p:ph type="body" idx="1"/>
+          </p:nvPr>
+        </p:nvSpPr>
+        <p:spPr/>
+        <p:txBody>
+          <a:bodyPr/>
+          <a:lstStyle/>
+          <a:p>
             <a:endParaRPr lang="fr-FR"/>
           </a:p>
         </p:txBody>
@@ -909,7 +1257,7 @@
             <a:fld id="{3EBA5BD7-F043-4D1B-AA17-CD412FC534DE}" type="slidenum">
               <a:rPr lang="fr-FR" smtClean="0"/>
               <a:pPr algn="r"/>
-              <a:t>3</a:t>
+              <a:t>7</a:t>
             </a:fld>
             <a:endParaRPr lang="fr-FR" dirty="0"/>
           </a:p>
@@ -8654,6 +9002,5205 @@
       </p:grpSpPr>
       <p:sp>
         <p:nvSpPr>
+          <p:cNvPr id="4" name="Titre 3"/>
+          <p:cNvSpPr>
+            <a:spLocks noGrp="1"/>
+          </p:cNvSpPr>
+          <p:nvPr>
+            <p:ph type="title"/>
+          </p:nvPr>
+        </p:nvSpPr>
+        <p:spPr>
+          <a:xfrm>
+            <a:off x="1625176" y="2209801"/>
+            <a:ext cx="9498435" cy="2764335"/>
+          </a:xfrm>
+        </p:spPr>
+        <p:txBody>
+          <a:bodyPr rtlCol="0"/>
+          <a:lstStyle/>
+          <a:p>
+            <a:pPr rtl="0"/>
+            <a:r>
+              <a:rPr lang="fr-FR" dirty="0"/>
+              <a:t>Travaux pratiques</a:t>
+            </a:r>
+          </a:p>
+        </p:txBody>
+      </p:sp>
+      <p:sp>
+        <p:nvSpPr>
+          <p:cNvPr id="5" name="Espace réservé du texte 4"/>
+          <p:cNvSpPr>
+            <a:spLocks noGrp="1"/>
+          </p:cNvSpPr>
+          <p:nvPr>
+            <p:ph type="body" idx="1"/>
+          </p:nvPr>
+        </p:nvSpPr>
+        <p:spPr/>
+        <p:txBody>
+          <a:bodyPr rtlCol="0"/>
+          <a:lstStyle/>
+          <a:p>
+            <a:pPr rtl="0"/>
+            <a:endParaRPr lang="fr-FR" dirty="0"/>
+          </a:p>
+        </p:txBody>
+      </p:sp>
+    </p:spTree>
+    <p:extLst>
+      <p:ext uri="{BB962C8B-B14F-4D97-AF65-F5344CB8AC3E}">
+        <p14:creationId xmlns:p14="http://schemas.microsoft.com/office/powerpoint/2010/main" val="4264977537"/>
+      </p:ext>
+    </p:extLst>
+  </p:cSld>
+  <p:clrMapOvr>
+    <a:masterClrMapping/>
+  </p:clrMapOvr>
+  <p:transition spd="slow">
+    <p:wipe dir="r"/>
+  </p:transition>
+</p:sld>
+</file>
+
+<file path=ppt/slides/slide4.xml><?xml version="1.0" encoding="utf-8"?>
+<p:sld xmlns:a="http://schemas.openxmlformats.org/drawingml/2006/main" xmlns:r="http://schemas.openxmlformats.org/officeDocument/2006/relationships" xmlns:p="http://schemas.openxmlformats.org/presentationml/2006/main">
+  <p:cSld>
+    <p:spTree>
+      <p:nvGrpSpPr>
+        <p:cNvPr id="1" name=""/>
+        <p:cNvGrpSpPr/>
+        <p:nvPr/>
+      </p:nvGrpSpPr>
+      <p:grpSpPr>
+        <a:xfrm>
+          <a:off x="0" y="0"/>
+          <a:ext cx="0" cy="0"/>
+          <a:chOff x="0" y="0"/>
+          <a:chExt cx="0" cy="0"/>
+        </a:xfrm>
+      </p:grpSpPr>
+      <p:sp>
+        <p:nvSpPr>
+          <p:cNvPr id="7" name="Titre 6"/>
+          <p:cNvSpPr>
+            <a:spLocks noGrp="1"/>
+          </p:cNvSpPr>
+          <p:nvPr>
+            <p:ph type="title"/>
+          </p:nvPr>
+        </p:nvSpPr>
+        <p:spPr/>
+        <p:txBody>
+          <a:bodyPr rtlCol="0"/>
+          <a:lstStyle/>
+          <a:p>
+            <a:pPr rtl="0"/>
+            <a:r>
+              <a:rPr lang="fr-FR" dirty="0"/>
+              <a:t>Assemblage d’un </a:t>
+            </a:r>
+            <a:r>
+              <a:rPr lang="fr-FR" dirty="0" err="1"/>
+              <a:t>Personnal</a:t>
+            </a:r>
+            <a:r>
+              <a:rPr lang="fr-FR" dirty="0"/>
+              <a:t> Computer</a:t>
+            </a:r>
+          </a:p>
+        </p:txBody>
+      </p:sp>
+      <p:sp>
+        <p:nvSpPr>
+          <p:cNvPr id="10" name="Espace réservé du contenu 9"/>
+          <p:cNvSpPr>
+            <a:spLocks noGrp="1"/>
+          </p:cNvSpPr>
+          <p:nvPr>
+            <p:ph sz="half" idx="2"/>
+          </p:nvPr>
+        </p:nvSpPr>
+        <p:spPr>
+          <a:xfrm>
+            <a:off x="1125860" y="2060848"/>
+            <a:ext cx="10891300" cy="3454400"/>
+          </a:xfrm>
+        </p:spPr>
+        <p:txBody>
+          <a:bodyPr rtlCol="0"/>
+          <a:lstStyle/>
+          <a:p>
+            <a:r>
+              <a:rPr lang="fr-FR" dirty="0"/>
+              <a:t>Procurez-vous les composants d'un ordinateur (carte mère, processeur, RAM, disque dur, alimentation, etc.).</a:t>
+            </a:r>
+          </a:p>
+          <a:p>
+            <a:r>
+              <a:rPr lang="fr-FR" dirty="0"/>
+              <a:t>Assemblez-les pour construire un ordinateur fonctionnel.</a:t>
+            </a:r>
+          </a:p>
+          <a:p>
+            <a:r>
+              <a:rPr lang="fr-FR" dirty="0"/>
+              <a:t>Assurez-vous que tout est correctement connecté et testez le système.</a:t>
+            </a:r>
+          </a:p>
+          <a:p>
+            <a:pPr marL="0" indent="0" rtl="0">
+              <a:buNone/>
+            </a:pPr>
+            <a:endParaRPr lang="fr-FR" dirty="0"/>
+          </a:p>
+        </p:txBody>
+      </p:sp>
+    </p:spTree>
+    <p:extLst>
+      <p:ext uri="{BB962C8B-B14F-4D97-AF65-F5344CB8AC3E}">
+        <p14:creationId xmlns:p14="http://schemas.microsoft.com/office/powerpoint/2010/main" val="2672039197"/>
+      </p:ext>
+    </p:extLst>
+  </p:cSld>
+  <p:clrMapOvr>
+    <a:masterClrMapping/>
+  </p:clrMapOvr>
+  <p:transition spd="slow">
+    <p:wipe dir="r"/>
+  </p:transition>
+  <p:timing>
+    <p:tnLst>
+      <p:par>
+        <p:cTn id="1" dur="indefinite" restart="never" nodeType="tmRoot">
+          <p:childTnLst>
+            <p:seq concurrent="1" nextAc="seek">
+              <p:cTn id="2" dur="indefinite" nodeType="mainSeq">
+                <p:childTnLst>
+                  <p:par>
+                    <p:cTn id="3" fill="hold">
+                      <p:stCondLst>
+                        <p:cond delay="indefinite"/>
+                      </p:stCondLst>
+                      <p:childTnLst>
+                        <p:par>
+                          <p:cTn id="4" fill="hold">
+                            <p:stCondLst>
+                              <p:cond delay="0"/>
+                            </p:stCondLst>
+                            <p:childTnLst>
+                              <p:par>
+                                <p:cTn id="5" presetID="26" presetClass="entr" presetSubtype="0" fill="hold" grpId="0" nodeType="clickEffect">
+                                  <p:stCondLst>
+                                    <p:cond delay="0"/>
+                                  </p:stCondLst>
+                                  <p:childTnLst>
+                                    <p:set>
+                                      <p:cBhvr>
+                                        <p:cTn id="6" dur="1" fill="hold">
+                                          <p:stCondLst>
+                                            <p:cond delay="0"/>
+                                          </p:stCondLst>
+                                        </p:cTn>
+                                        <p:tgtEl>
+                                          <p:spTgt spid="10">
+                                            <p:txEl>
+                                              <p:pRg st="0" end="0"/>
+                                            </p:txEl>
+                                          </p:spTgt>
+                                        </p:tgtEl>
+                                        <p:attrNameLst>
+                                          <p:attrName>style.visibility</p:attrName>
+                                        </p:attrNameLst>
+                                      </p:cBhvr>
+                                      <p:to>
+                                        <p:strVal val="visible"/>
+                                      </p:to>
+                                    </p:set>
+                                    <p:animEffect transition="in" filter="wipe(down)">
+                                      <p:cBhvr>
+                                        <p:cTn id="7" dur="580">
+                                          <p:stCondLst>
+                                            <p:cond delay="0"/>
+                                          </p:stCondLst>
+                                        </p:cTn>
+                                        <p:tgtEl>
+                                          <p:spTgt spid="10">
+                                            <p:txEl>
+                                              <p:pRg st="0" end="0"/>
+                                            </p:txEl>
+                                          </p:spTgt>
+                                        </p:tgtEl>
+                                      </p:cBhvr>
+                                    </p:animEffect>
+                                    <p:anim calcmode="lin" valueType="num">
+                                      <p:cBhvr>
+                                        <p:cTn id="8" dur="1822" tmFilter="0,0; 0.14,0.36; 0.43,0.73; 0.71,0.91; 1.0,1.0">
+                                          <p:stCondLst>
+                                            <p:cond delay="0"/>
+                                          </p:stCondLst>
+                                        </p:cTn>
+                                        <p:tgtEl>
+                                          <p:spTgt spid="10">
+                                            <p:txEl>
+                                              <p:pRg st="0" end="0"/>
+                                            </p:txEl>
+                                          </p:spTgt>
+                                        </p:tgtEl>
+                                        <p:attrNameLst>
+                                          <p:attrName>ppt_x</p:attrName>
+                                        </p:attrNameLst>
+                                      </p:cBhvr>
+                                      <p:tavLst>
+                                        <p:tav tm="0">
+                                          <p:val>
+                                            <p:strVal val="#ppt_x-0.25"/>
+                                          </p:val>
+                                        </p:tav>
+                                        <p:tav tm="100000">
+                                          <p:val>
+                                            <p:strVal val="#ppt_x"/>
+                                          </p:val>
+                                        </p:tav>
+                                      </p:tavLst>
+                                    </p:anim>
+                                    <p:anim calcmode="lin" valueType="num">
+                                      <p:cBhvr>
+                                        <p:cTn id="9" dur="664" tmFilter="0.0,0.0; 0.25,0.07; 0.50,0.2; 0.75,0.467; 1.0,1.0">
+                                          <p:stCondLst>
+                                            <p:cond delay="0"/>
+                                          </p:stCondLst>
+                                        </p:cTn>
+                                        <p:tgtEl>
+                                          <p:spTgt spid="10">
+                                            <p:txEl>
+                                              <p:pRg st="0" end="0"/>
+                                            </p:txEl>
+                                          </p:spTgt>
+                                        </p:tgtEl>
+                                        <p:attrNameLst>
+                                          <p:attrName>ppt_y</p:attrName>
+                                        </p:attrNameLst>
+                                      </p:cBhvr>
+                                      <p:tavLst>
+                                        <p:tav tm="0" fmla="#ppt_y-sin(pi*$)/3">
+                                          <p:val>
+                                            <p:fltVal val="0.5"/>
+                                          </p:val>
+                                        </p:tav>
+                                        <p:tav tm="100000">
+                                          <p:val>
+                                            <p:fltVal val="1"/>
+                                          </p:val>
+                                        </p:tav>
+                                      </p:tavLst>
+                                    </p:anim>
+                                    <p:anim calcmode="lin" valueType="num">
+                                      <p:cBhvr>
+                                        <p:cTn id="10" dur="664" tmFilter="0, 0; 0.125,0.2665; 0.25,0.4; 0.375,0.465; 0.5,0.5;  0.625,0.535; 0.75,0.6; 0.875,0.7335; 1,1">
+                                          <p:stCondLst>
+                                            <p:cond delay="664"/>
+                                          </p:stCondLst>
+                                        </p:cTn>
+                                        <p:tgtEl>
+                                          <p:spTgt spid="10">
+                                            <p:txEl>
+                                              <p:pRg st="0" end="0"/>
+                                            </p:txEl>
+                                          </p:spTgt>
+                                        </p:tgtEl>
+                                        <p:attrNameLst>
+                                          <p:attrName>ppt_y</p:attrName>
+                                        </p:attrNameLst>
+                                      </p:cBhvr>
+                                      <p:tavLst>
+                                        <p:tav tm="0" fmla="#ppt_y-sin(pi*$)/9">
+                                          <p:val>
+                                            <p:fltVal val="0"/>
+                                          </p:val>
+                                        </p:tav>
+                                        <p:tav tm="100000">
+                                          <p:val>
+                                            <p:fltVal val="1"/>
+                                          </p:val>
+                                        </p:tav>
+                                      </p:tavLst>
+                                    </p:anim>
+                                    <p:anim calcmode="lin" valueType="num">
+                                      <p:cBhvr>
+                                        <p:cTn id="11" dur="332" tmFilter="0, 0; 0.125,0.2665; 0.25,0.4; 0.375,0.465; 0.5,0.5;  0.625,0.535; 0.75,0.6; 0.875,0.7335; 1,1">
+                                          <p:stCondLst>
+                                            <p:cond delay="1324"/>
+                                          </p:stCondLst>
+                                        </p:cTn>
+                                        <p:tgtEl>
+                                          <p:spTgt spid="10">
+                                            <p:txEl>
+                                              <p:pRg st="0" end="0"/>
+                                            </p:txEl>
+                                          </p:spTgt>
+                                        </p:tgtEl>
+                                        <p:attrNameLst>
+                                          <p:attrName>ppt_y</p:attrName>
+                                        </p:attrNameLst>
+                                      </p:cBhvr>
+                                      <p:tavLst>
+                                        <p:tav tm="0" fmla="#ppt_y-sin(pi*$)/27">
+                                          <p:val>
+                                            <p:fltVal val="0"/>
+                                          </p:val>
+                                        </p:tav>
+                                        <p:tav tm="100000">
+                                          <p:val>
+                                            <p:fltVal val="1"/>
+                                          </p:val>
+                                        </p:tav>
+                                      </p:tavLst>
+                                    </p:anim>
+                                    <p:anim calcmode="lin" valueType="num">
+                                      <p:cBhvr>
+                                        <p:cTn id="12" dur="164" tmFilter="0, 0; 0.125,0.2665; 0.25,0.4; 0.375,0.465; 0.5,0.5;  0.625,0.535; 0.75,0.6; 0.875,0.7335; 1,1">
+                                          <p:stCondLst>
+                                            <p:cond delay="1656"/>
+                                          </p:stCondLst>
+                                        </p:cTn>
+                                        <p:tgtEl>
+                                          <p:spTgt spid="10">
+                                            <p:txEl>
+                                              <p:pRg st="0" end="0"/>
+                                            </p:txEl>
+                                          </p:spTgt>
+                                        </p:tgtEl>
+                                        <p:attrNameLst>
+                                          <p:attrName>ppt_y</p:attrName>
+                                        </p:attrNameLst>
+                                      </p:cBhvr>
+                                      <p:tavLst>
+                                        <p:tav tm="0" fmla="#ppt_y-sin(pi*$)/81">
+                                          <p:val>
+                                            <p:fltVal val="0"/>
+                                          </p:val>
+                                        </p:tav>
+                                        <p:tav tm="100000">
+                                          <p:val>
+                                            <p:fltVal val="1"/>
+                                          </p:val>
+                                        </p:tav>
+                                      </p:tavLst>
+                                    </p:anim>
+                                    <p:animScale>
+                                      <p:cBhvr>
+                                        <p:cTn id="13" dur="26">
+                                          <p:stCondLst>
+                                            <p:cond delay="650"/>
+                                          </p:stCondLst>
+                                        </p:cTn>
+                                        <p:tgtEl>
+                                          <p:spTgt spid="10">
+                                            <p:txEl>
+                                              <p:pRg st="0" end="0"/>
+                                            </p:txEl>
+                                          </p:spTgt>
+                                        </p:tgtEl>
+                                      </p:cBhvr>
+                                      <p:to x="100000" y="60000"/>
+                                    </p:animScale>
+                                    <p:animScale>
+                                      <p:cBhvr>
+                                        <p:cTn id="14" dur="166" decel="50000">
+                                          <p:stCondLst>
+                                            <p:cond delay="676"/>
+                                          </p:stCondLst>
+                                        </p:cTn>
+                                        <p:tgtEl>
+                                          <p:spTgt spid="10">
+                                            <p:txEl>
+                                              <p:pRg st="0" end="0"/>
+                                            </p:txEl>
+                                          </p:spTgt>
+                                        </p:tgtEl>
+                                      </p:cBhvr>
+                                      <p:to x="100000" y="100000"/>
+                                    </p:animScale>
+                                    <p:animScale>
+                                      <p:cBhvr>
+                                        <p:cTn id="15" dur="26">
+                                          <p:stCondLst>
+                                            <p:cond delay="1312"/>
+                                          </p:stCondLst>
+                                        </p:cTn>
+                                        <p:tgtEl>
+                                          <p:spTgt spid="10">
+                                            <p:txEl>
+                                              <p:pRg st="0" end="0"/>
+                                            </p:txEl>
+                                          </p:spTgt>
+                                        </p:tgtEl>
+                                      </p:cBhvr>
+                                      <p:to x="100000" y="80000"/>
+                                    </p:animScale>
+                                    <p:animScale>
+                                      <p:cBhvr>
+                                        <p:cTn id="16" dur="166" decel="50000">
+                                          <p:stCondLst>
+                                            <p:cond delay="1338"/>
+                                          </p:stCondLst>
+                                        </p:cTn>
+                                        <p:tgtEl>
+                                          <p:spTgt spid="10">
+                                            <p:txEl>
+                                              <p:pRg st="0" end="0"/>
+                                            </p:txEl>
+                                          </p:spTgt>
+                                        </p:tgtEl>
+                                      </p:cBhvr>
+                                      <p:to x="100000" y="100000"/>
+                                    </p:animScale>
+                                    <p:animScale>
+                                      <p:cBhvr>
+                                        <p:cTn id="17" dur="26">
+                                          <p:stCondLst>
+                                            <p:cond delay="1642"/>
+                                          </p:stCondLst>
+                                        </p:cTn>
+                                        <p:tgtEl>
+                                          <p:spTgt spid="10">
+                                            <p:txEl>
+                                              <p:pRg st="0" end="0"/>
+                                            </p:txEl>
+                                          </p:spTgt>
+                                        </p:tgtEl>
+                                      </p:cBhvr>
+                                      <p:to x="100000" y="90000"/>
+                                    </p:animScale>
+                                    <p:animScale>
+                                      <p:cBhvr>
+                                        <p:cTn id="18" dur="166" decel="50000">
+                                          <p:stCondLst>
+                                            <p:cond delay="1668"/>
+                                          </p:stCondLst>
+                                        </p:cTn>
+                                        <p:tgtEl>
+                                          <p:spTgt spid="10">
+                                            <p:txEl>
+                                              <p:pRg st="0" end="0"/>
+                                            </p:txEl>
+                                          </p:spTgt>
+                                        </p:tgtEl>
+                                      </p:cBhvr>
+                                      <p:to x="100000" y="100000"/>
+                                    </p:animScale>
+                                    <p:animScale>
+                                      <p:cBhvr>
+                                        <p:cTn id="19" dur="26">
+                                          <p:stCondLst>
+                                            <p:cond delay="1808"/>
+                                          </p:stCondLst>
+                                        </p:cTn>
+                                        <p:tgtEl>
+                                          <p:spTgt spid="10">
+                                            <p:txEl>
+                                              <p:pRg st="0" end="0"/>
+                                            </p:txEl>
+                                          </p:spTgt>
+                                        </p:tgtEl>
+                                      </p:cBhvr>
+                                      <p:to x="100000" y="95000"/>
+                                    </p:animScale>
+                                    <p:animScale>
+                                      <p:cBhvr>
+                                        <p:cTn id="20" dur="166" decel="50000">
+                                          <p:stCondLst>
+                                            <p:cond delay="1834"/>
+                                          </p:stCondLst>
+                                        </p:cTn>
+                                        <p:tgtEl>
+                                          <p:spTgt spid="10">
+                                            <p:txEl>
+                                              <p:pRg st="0" end="0"/>
+                                            </p:txEl>
+                                          </p:spTgt>
+                                        </p:tgtEl>
+                                      </p:cBhvr>
+                                      <p:to x="100000" y="100000"/>
+                                    </p:animScale>
+                                  </p:childTnLst>
+                                </p:cTn>
+                              </p:par>
+                            </p:childTnLst>
+                          </p:cTn>
+                        </p:par>
+                      </p:childTnLst>
+                    </p:cTn>
+                  </p:par>
+                  <p:par>
+                    <p:cTn id="21" fill="hold">
+                      <p:stCondLst>
+                        <p:cond delay="indefinite"/>
+                      </p:stCondLst>
+                      <p:childTnLst>
+                        <p:par>
+                          <p:cTn id="22" fill="hold">
+                            <p:stCondLst>
+                              <p:cond delay="0"/>
+                            </p:stCondLst>
+                            <p:childTnLst>
+                              <p:par>
+                                <p:cTn id="23" presetID="26" presetClass="entr" presetSubtype="0" fill="hold" grpId="0" nodeType="clickEffect">
+                                  <p:stCondLst>
+                                    <p:cond delay="0"/>
+                                  </p:stCondLst>
+                                  <p:childTnLst>
+                                    <p:set>
+                                      <p:cBhvr>
+                                        <p:cTn id="24" dur="1" fill="hold">
+                                          <p:stCondLst>
+                                            <p:cond delay="0"/>
+                                          </p:stCondLst>
+                                        </p:cTn>
+                                        <p:tgtEl>
+                                          <p:spTgt spid="10">
+                                            <p:txEl>
+                                              <p:pRg st="1" end="1"/>
+                                            </p:txEl>
+                                          </p:spTgt>
+                                        </p:tgtEl>
+                                        <p:attrNameLst>
+                                          <p:attrName>style.visibility</p:attrName>
+                                        </p:attrNameLst>
+                                      </p:cBhvr>
+                                      <p:to>
+                                        <p:strVal val="visible"/>
+                                      </p:to>
+                                    </p:set>
+                                    <p:animEffect transition="in" filter="wipe(down)">
+                                      <p:cBhvr>
+                                        <p:cTn id="25" dur="580">
+                                          <p:stCondLst>
+                                            <p:cond delay="0"/>
+                                          </p:stCondLst>
+                                        </p:cTn>
+                                        <p:tgtEl>
+                                          <p:spTgt spid="10">
+                                            <p:txEl>
+                                              <p:pRg st="1" end="1"/>
+                                            </p:txEl>
+                                          </p:spTgt>
+                                        </p:tgtEl>
+                                      </p:cBhvr>
+                                    </p:animEffect>
+                                    <p:anim calcmode="lin" valueType="num">
+                                      <p:cBhvr>
+                                        <p:cTn id="26" dur="1822" tmFilter="0,0; 0.14,0.36; 0.43,0.73; 0.71,0.91; 1.0,1.0">
+                                          <p:stCondLst>
+                                            <p:cond delay="0"/>
+                                          </p:stCondLst>
+                                        </p:cTn>
+                                        <p:tgtEl>
+                                          <p:spTgt spid="10">
+                                            <p:txEl>
+                                              <p:pRg st="1" end="1"/>
+                                            </p:txEl>
+                                          </p:spTgt>
+                                        </p:tgtEl>
+                                        <p:attrNameLst>
+                                          <p:attrName>ppt_x</p:attrName>
+                                        </p:attrNameLst>
+                                      </p:cBhvr>
+                                      <p:tavLst>
+                                        <p:tav tm="0">
+                                          <p:val>
+                                            <p:strVal val="#ppt_x-0.25"/>
+                                          </p:val>
+                                        </p:tav>
+                                        <p:tav tm="100000">
+                                          <p:val>
+                                            <p:strVal val="#ppt_x"/>
+                                          </p:val>
+                                        </p:tav>
+                                      </p:tavLst>
+                                    </p:anim>
+                                    <p:anim calcmode="lin" valueType="num">
+                                      <p:cBhvr>
+                                        <p:cTn id="27" dur="664" tmFilter="0.0,0.0; 0.25,0.07; 0.50,0.2; 0.75,0.467; 1.0,1.0">
+                                          <p:stCondLst>
+                                            <p:cond delay="0"/>
+                                          </p:stCondLst>
+                                        </p:cTn>
+                                        <p:tgtEl>
+                                          <p:spTgt spid="10">
+                                            <p:txEl>
+                                              <p:pRg st="1" end="1"/>
+                                            </p:txEl>
+                                          </p:spTgt>
+                                        </p:tgtEl>
+                                        <p:attrNameLst>
+                                          <p:attrName>ppt_y</p:attrName>
+                                        </p:attrNameLst>
+                                      </p:cBhvr>
+                                      <p:tavLst>
+                                        <p:tav tm="0" fmla="#ppt_y-sin(pi*$)/3">
+                                          <p:val>
+                                            <p:fltVal val="0.5"/>
+                                          </p:val>
+                                        </p:tav>
+                                        <p:tav tm="100000">
+                                          <p:val>
+                                            <p:fltVal val="1"/>
+                                          </p:val>
+                                        </p:tav>
+                                      </p:tavLst>
+                                    </p:anim>
+                                    <p:anim calcmode="lin" valueType="num">
+                                      <p:cBhvr>
+                                        <p:cTn id="28" dur="664" tmFilter="0, 0; 0.125,0.2665; 0.25,0.4; 0.375,0.465; 0.5,0.5;  0.625,0.535; 0.75,0.6; 0.875,0.7335; 1,1">
+                                          <p:stCondLst>
+                                            <p:cond delay="664"/>
+                                          </p:stCondLst>
+                                        </p:cTn>
+                                        <p:tgtEl>
+                                          <p:spTgt spid="10">
+                                            <p:txEl>
+                                              <p:pRg st="1" end="1"/>
+                                            </p:txEl>
+                                          </p:spTgt>
+                                        </p:tgtEl>
+                                        <p:attrNameLst>
+                                          <p:attrName>ppt_y</p:attrName>
+                                        </p:attrNameLst>
+                                      </p:cBhvr>
+                                      <p:tavLst>
+                                        <p:tav tm="0" fmla="#ppt_y-sin(pi*$)/9">
+                                          <p:val>
+                                            <p:fltVal val="0"/>
+                                          </p:val>
+                                        </p:tav>
+                                        <p:tav tm="100000">
+                                          <p:val>
+                                            <p:fltVal val="1"/>
+                                          </p:val>
+                                        </p:tav>
+                                      </p:tavLst>
+                                    </p:anim>
+                                    <p:anim calcmode="lin" valueType="num">
+                                      <p:cBhvr>
+                                        <p:cTn id="29" dur="332" tmFilter="0, 0; 0.125,0.2665; 0.25,0.4; 0.375,0.465; 0.5,0.5;  0.625,0.535; 0.75,0.6; 0.875,0.7335; 1,1">
+                                          <p:stCondLst>
+                                            <p:cond delay="1324"/>
+                                          </p:stCondLst>
+                                        </p:cTn>
+                                        <p:tgtEl>
+                                          <p:spTgt spid="10">
+                                            <p:txEl>
+                                              <p:pRg st="1" end="1"/>
+                                            </p:txEl>
+                                          </p:spTgt>
+                                        </p:tgtEl>
+                                        <p:attrNameLst>
+                                          <p:attrName>ppt_y</p:attrName>
+                                        </p:attrNameLst>
+                                      </p:cBhvr>
+                                      <p:tavLst>
+                                        <p:tav tm="0" fmla="#ppt_y-sin(pi*$)/27">
+                                          <p:val>
+                                            <p:fltVal val="0"/>
+                                          </p:val>
+                                        </p:tav>
+                                        <p:tav tm="100000">
+                                          <p:val>
+                                            <p:fltVal val="1"/>
+                                          </p:val>
+                                        </p:tav>
+                                      </p:tavLst>
+                                    </p:anim>
+                                    <p:anim calcmode="lin" valueType="num">
+                                      <p:cBhvr>
+                                        <p:cTn id="30" dur="164" tmFilter="0, 0; 0.125,0.2665; 0.25,0.4; 0.375,0.465; 0.5,0.5;  0.625,0.535; 0.75,0.6; 0.875,0.7335; 1,1">
+                                          <p:stCondLst>
+                                            <p:cond delay="1656"/>
+                                          </p:stCondLst>
+                                        </p:cTn>
+                                        <p:tgtEl>
+                                          <p:spTgt spid="10">
+                                            <p:txEl>
+                                              <p:pRg st="1" end="1"/>
+                                            </p:txEl>
+                                          </p:spTgt>
+                                        </p:tgtEl>
+                                        <p:attrNameLst>
+                                          <p:attrName>ppt_y</p:attrName>
+                                        </p:attrNameLst>
+                                      </p:cBhvr>
+                                      <p:tavLst>
+                                        <p:tav tm="0" fmla="#ppt_y-sin(pi*$)/81">
+                                          <p:val>
+                                            <p:fltVal val="0"/>
+                                          </p:val>
+                                        </p:tav>
+                                        <p:tav tm="100000">
+                                          <p:val>
+                                            <p:fltVal val="1"/>
+                                          </p:val>
+                                        </p:tav>
+                                      </p:tavLst>
+                                    </p:anim>
+                                    <p:animScale>
+                                      <p:cBhvr>
+                                        <p:cTn id="31" dur="26">
+                                          <p:stCondLst>
+                                            <p:cond delay="650"/>
+                                          </p:stCondLst>
+                                        </p:cTn>
+                                        <p:tgtEl>
+                                          <p:spTgt spid="10">
+                                            <p:txEl>
+                                              <p:pRg st="1" end="1"/>
+                                            </p:txEl>
+                                          </p:spTgt>
+                                        </p:tgtEl>
+                                      </p:cBhvr>
+                                      <p:to x="100000" y="60000"/>
+                                    </p:animScale>
+                                    <p:animScale>
+                                      <p:cBhvr>
+                                        <p:cTn id="32" dur="166" decel="50000">
+                                          <p:stCondLst>
+                                            <p:cond delay="676"/>
+                                          </p:stCondLst>
+                                        </p:cTn>
+                                        <p:tgtEl>
+                                          <p:spTgt spid="10">
+                                            <p:txEl>
+                                              <p:pRg st="1" end="1"/>
+                                            </p:txEl>
+                                          </p:spTgt>
+                                        </p:tgtEl>
+                                      </p:cBhvr>
+                                      <p:to x="100000" y="100000"/>
+                                    </p:animScale>
+                                    <p:animScale>
+                                      <p:cBhvr>
+                                        <p:cTn id="33" dur="26">
+                                          <p:stCondLst>
+                                            <p:cond delay="1312"/>
+                                          </p:stCondLst>
+                                        </p:cTn>
+                                        <p:tgtEl>
+                                          <p:spTgt spid="10">
+                                            <p:txEl>
+                                              <p:pRg st="1" end="1"/>
+                                            </p:txEl>
+                                          </p:spTgt>
+                                        </p:tgtEl>
+                                      </p:cBhvr>
+                                      <p:to x="100000" y="80000"/>
+                                    </p:animScale>
+                                    <p:animScale>
+                                      <p:cBhvr>
+                                        <p:cTn id="34" dur="166" decel="50000">
+                                          <p:stCondLst>
+                                            <p:cond delay="1338"/>
+                                          </p:stCondLst>
+                                        </p:cTn>
+                                        <p:tgtEl>
+                                          <p:spTgt spid="10">
+                                            <p:txEl>
+                                              <p:pRg st="1" end="1"/>
+                                            </p:txEl>
+                                          </p:spTgt>
+                                        </p:tgtEl>
+                                      </p:cBhvr>
+                                      <p:to x="100000" y="100000"/>
+                                    </p:animScale>
+                                    <p:animScale>
+                                      <p:cBhvr>
+                                        <p:cTn id="35" dur="26">
+                                          <p:stCondLst>
+                                            <p:cond delay="1642"/>
+                                          </p:stCondLst>
+                                        </p:cTn>
+                                        <p:tgtEl>
+                                          <p:spTgt spid="10">
+                                            <p:txEl>
+                                              <p:pRg st="1" end="1"/>
+                                            </p:txEl>
+                                          </p:spTgt>
+                                        </p:tgtEl>
+                                      </p:cBhvr>
+                                      <p:to x="100000" y="90000"/>
+                                    </p:animScale>
+                                    <p:animScale>
+                                      <p:cBhvr>
+                                        <p:cTn id="36" dur="166" decel="50000">
+                                          <p:stCondLst>
+                                            <p:cond delay="1668"/>
+                                          </p:stCondLst>
+                                        </p:cTn>
+                                        <p:tgtEl>
+                                          <p:spTgt spid="10">
+                                            <p:txEl>
+                                              <p:pRg st="1" end="1"/>
+                                            </p:txEl>
+                                          </p:spTgt>
+                                        </p:tgtEl>
+                                      </p:cBhvr>
+                                      <p:to x="100000" y="100000"/>
+                                    </p:animScale>
+                                    <p:animScale>
+                                      <p:cBhvr>
+                                        <p:cTn id="37" dur="26">
+                                          <p:stCondLst>
+                                            <p:cond delay="1808"/>
+                                          </p:stCondLst>
+                                        </p:cTn>
+                                        <p:tgtEl>
+                                          <p:spTgt spid="10">
+                                            <p:txEl>
+                                              <p:pRg st="1" end="1"/>
+                                            </p:txEl>
+                                          </p:spTgt>
+                                        </p:tgtEl>
+                                      </p:cBhvr>
+                                      <p:to x="100000" y="95000"/>
+                                    </p:animScale>
+                                    <p:animScale>
+                                      <p:cBhvr>
+                                        <p:cTn id="38" dur="166" decel="50000">
+                                          <p:stCondLst>
+                                            <p:cond delay="1834"/>
+                                          </p:stCondLst>
+                                        </p:cTn>
+                                        <p:tgtEl>
+                                          <p:spTgt spid="10">
+                                            <p:txEl>
+                                              <p:pRg st="1" end="1"/>
+                                            </p:txEl>
+                                          </p:spTgt>
+                                        </p:tgtEl>
+                                      </p:cBhvr>
+                                      <p:to x="100000" y="100000"/>
+                                    </p:animScale>
+                                  </p:childTnLst>
+                                </p:cTn>
+                              </p:par>
+                            </p:childTnLst>
+                          </p:cTn>
+                        </p:par>
+                      </p:childTnLst>
+                    </p:cTn>
+                  </p:par>
+                  <p:par>
+                    <p:cTn id="39" fill="hold">
+                      <p:stCondLst>
+                        <p:cond delay="indefinite"/>
+                      </p:stCondLst>
+                      <p:childTnLst>
+                        <p:par>
+                          <p:cTn id="40" fill="hold">
+                            <p:stCondLst>
+                              <p:cond delay="0"/>
+                            </p:stCondLst>
+                            <p:childTnLst>
+                              <p:par>
+                                <p:cTn id="41" presetID="26" presetClass="entr" presetSubtype="0" fill="hold" grpId="0" nodeType="clickEffect">
+                                  <p:stCondLst>
+                                    <p:cond delay="0"/>
+                                  </p:stCondLst>
+                                  <p:childTnLst>
+                                    <p:set>
+                                      <p:cBhvr>
+                                        <p:cTn id="42" dur="1" fill="hold">
+                                          <p:stCondLst>
+                                            <p:cond delay="0"/>
+                                          </p:stCondLst>
+                                        </p:cTn>
+                                        <p:tgtEl>
+                                          <p:spTgt spid="10">
+                                            <p:txEl>
+                                              <p:pRg st="2" end="2"/>
+                                            </p:txEl>
+                                          </p:spTgt>
+                                        </p:tgtEl>
+                                        <p:attrNameLst>
+                                          <p:attrName>style.visibility</p:attrName>
+                                        </p:attrNameLst>
+                                      </p:cBhvr>
+                                      <p:to>
+                                        <p:strVal val="visible"/>
+                                      </p:to>
+                                    </p:set>
+                                    <p:animEffect transition="in" filter="wipe(down)">
+                                      <p:cBhvr>
+                                        <p:cTn id="43" dur="580">
+                                          <p:stCondLst>
+                                            <p:cond delay="0"/>
+                                          </p:stCondLst>
+                                        </p:cTn>
+                                        <p:tgtEl>
+                                          <p:spTgt spid="10">
+                                            <p:txEl>
+                                              <p:pRg st="2" end="2"/>
+                                            </p:txEl>
+                                          </p:spTgt>
+                                        </p:tgtEl>
+                                      </p:cBhvr>
+                                    </p:animEffect>
+                                    <p:anim calcmode="lin" valueType="num">
+                                      <p:cBhvr>
+                                        <p:cTn id="44" dur="1822" tmFilter="0,0; 0.14,0.36; 0.43,0.73; 0.71,0.91; 1.0,1.0">
+                                          <p:stCondLst>
+                                            <p:cond delay="0"/>
+                                          </p:stCondLst>
+                                        </p:cTn>
+                                        <p:tgtEl>
+                                          <p:spTgt spid="10">
+                                            <p:txEl>
+                                              <p:pRg st="2" end="2"/>
+                                            </p:txEl>
+                                          </p:spTgt>
+                                        </p:tgtEl>
+                                        <p:attrNameLst>
+                                          <p:attrName>ppt_x</p:attrName>
+                                        </p:attrNameLst>
+                                      </p:cBhvr>
+                                      <p:tavLst>
+                                        <p:tav tm="0">
+                                          <p:val>
+                                            <p:strVal val="#ppt_x-0.25"/>
+                                          </p:val>
+                                        </p:tav>
+                                        <p:tav tm="100000">
+                                          <p:val>
+                                            <p:strVal val="#ppt_x"/>
+                                          </p:val>
+                                        </p:tav>
+                                      </p:tavLst>
+                                    </p:anim>
+                                    <p:anim calcmode="lin" valueType="num">
+                                      <p:cBhvr>
+                                        <p:cTn id="45" dur="664" tmFilter="0.0,0.0; 0.25,0.07; 0.50,0.2; 0.75,0.467; 1.0,1.0">
+                                          <p:stCondLst>
+                                            <p:cond delay="0"/>
+                                          </p:stCondLst>
+                                        </p:cTn>
+                                        <p:tgtEl>
+                                          <p:spTgt spid="10">
+                                            <p:txEl>
+                                              <p:pRg st="2" end="2"/>
+                                            </p:txEl>
+                                          </p:spTgt>
+                                        </p:tgtEl>
+                                        <p:attrNameLst>
+                                          <p:attrName>ppt_y</p:attrName>
+                                        </p:attrNameLst>
+                                      </p:cBhvr>
+                                      <p:tavLst>
+                                        <p:tav tm="0" fmla="#ppt_y-sin(pi*$)/3">
+                                          <p:val>
+                                            <p:fltVal val="0.5"/>
+                                          </p:val>
+                                        </p:tav>
+                                        <p:tav tm="100000">
+                                          <p:val>
+                                            <p:fltVal val="1"/>
+                                          </p:val>
+                                        </p:tav>
+                                      </p:tavLst>
+                                    </p:anim>
+                                    <p:anim calcmode="lin" valueType="num">
+                                      <p:cBhvr>
+                                        <p:cTn id="46" dur="664" tmFilter="0, 0; 0.125,0.2665; 0.25,0.4; 0.375,0.465; 0.5,0.5;  0.625,0.535; 0.75,0.6; 0.875,0.7335; 1,1">
+                                          <p:stCondLst>
+                                            <p:cond delay="664"/>
+                                          </p:stCondLst>
+                                        </p:cTn>
+                                        <p:tgtEl>
+                                          <p:spTgt spid="10">
+                                            <p:txEl>
+                                              <p:pRg st="2" end="2"/>
+                                            </p:txEl>
+                                          </p:spTgt>
+                                        </p:tgtEl>
+                                        <p:attrNameLst>
+                                          <p:attrName>ppt_y</p:attrName>
+                                        </p:attrNameLst>
+                                      </p:cBhvr>
+                                      <p:tavLst>
+                                        <p:tav tm="0" fmla="#ppt_y-sin(pi*$)/9">
+                                          <p:val>
+                                            <p:fltVal val="0"/>
+                                          </p:val>
+                                        </p:tav>
+                                        <p:tav tm="100000">
+                                          <p:val>
+                                            <p:fltVal val="1"/>
+                                          </p:val>
+                                        </p:tav>
+                                      </p:tavLst>
+                                    </p:anim>
+                                    <p:anim calcmode="lin" valueType="num">
+                                      <p:cBhvr>
+                                        <p:cTn id="47" dur="332" tmFilter="0, 0; 0.125,0.2665; 0.25,0.4; 0.375,0.465; 0.5,0.5;  0.625,0.535; 0.75,0.6; 0.875,0.7335; 1,1">
+                                          <p:stCondLst>
+                                            <p:cond delay="1324"/>
+                                          </p:stCondLst>
+                                        </p:cTn>
+                                        <p:tgtEl>
+                                          <p:spTgt spid="10">
+                                            <p:txEl>
+                                              <p:pRg st="2" end="2"/>
+                                            </p:txEl>
+                                          </p:spTgt>
+                                        </p:tgtEl>
+                                        <p:attrNameLst>
+                                          <p:attrName>ppt_y</p:attrName>
+                                        </p:attrNameLst>
+                                      </p:cBhvr>
+                                      <p:tavLst>
+                                        <p:tav tm="0" fmla="#ppt_y-sin(pi*$)/27">
+                                          <p:val>
+                                            <p:fltVal val="0"/>
+                                          </p:val>
+                                        </p:tav>
+                                        <p:tav tm="100000">
+                                          <p:val>
+                                            <p:fltVal val="1"/>
+                                          </p:val>
+                                        </p:tav>
+                                      </p:tavLst>
+                                    </p:anim>
+                                    <p:anim calcmode="lin" valueType="num">
+                                      <p:cBhvr>
+                                        <p:cTn id="48" dur="164" tmFilter="0, 0; 0.125,0.2665; 0.25,0.4; 0.375,0.465; 0.5,0.5;  0.625,0.535; 0.75,0.6; 0.875,0.7335; 1,1">
+                                          <p:stCondLst>
+                                            <p:cond delay="1656"/>
+                                          </p:stCondLst>
+                                        </p:cTn>
+                                        <p:tgtEl>
+                                          <p:spTgt spid="10">
+                                            <p:txEl>
+                                              <p:pRg st="2" end="2"/>
+                                            </p:txEl>
+                                          </p:spTgt>
+                                        </p:tgtEl>
+                                        <p:attrNameLst>
+                                          <p:attrName>ppt_y</p:attrName>
+                                        </p:attrNameLst>
+                                      </p:cBhvr>
+                                      <p:tavLst>
+                                        <p:tav tm="0" fmla="#ppt_y-sin(pi*$)/81">
+                                          <p:val>
+                                            <p:fltVal val="0"/>
+                                          </p:val>
+                                        </p:tav>
+                                        <p:tav tm="100000">
+                                          <p:val>
+                                            <p:fltVal val="1"/>
+                                          </p:val>
+                                        </p:tav>
+                                      </p:tavLst>
+                                    </p:anim>
+                                    <p:animScale>
+                                      <p:cBhvr>
+                                        <p:cTn id="49" dur="26">
+                                          <p:stCondLst>
+                                            <p:cond delay="650"/>
+                                          </p:stCondLst>
+                                        </p:cTn>
+                                        <p:tgtEl>
+                                          <p:spTgt spid="10">
+                                            <p:txEl>
+                                              <p:pRg st="2" end="2"/>
+                                            </p:txEl>
+                                          </p:spTgt>
+                                        </p:tgtEl>
+                                      </p:cBhvr>
+                                      <p:to x="100000" y="60000"/>
+                                    </p:animScale>
+                                    <p:animScale>
+                                      <p:cBhvr>
+                                        <p:cTn id="50" dur="166" decel="50000">
+                                          <p:stCondLst>
+                                            <p:cond delay="676"/>
+                                          </p:stCondLst>
+                                        </p:cTn>
+                                        <p:tgtEl>
+                                          <p:spTgt spid="10">
+                                            <p:txEl>
+                                              <p:pRg st="2" end="2"/>
+                                            </p:txEl>
+                                          </p:spTgt>
+                                        </p:tgtEl>
+                                      </p:cBhvr>
+                                      <p:to x="100000" y="100000"/>
+                                    </p:animScale>
+                                    <p:animScale>
+                                      <p:cBhvr>
+                                        <p:cTn id="51" dur="26">
+                                          <p:stCondLst>
+                                            <p:cond delay="1312"/>
+                                          </p:stCondLst>
+                                        </p:cTn>
+                                        <p:tgtEl>
+                                          <p:spTgt spid="10">
+                                            <p:txEl>
+                                              <p:pRg st="2" end="2"/>
+                                            </p:txEl>
+                                          </p:spTgt>
+                                        </p:tgtEl>
+                                      </p:cBhvr>
+                                      <p:to x="100000" y="80000"/>
+                                    </p:animScale>
+                                    <p:animScale>
+                                      <p:cBhvr>
+                                        <p:cTn id="52" dur="166" decel="50000">
+                                          <p:stCondLst>
+                                            <p:cond delay="1338"/>
+                                          </p:stCondLst>
+                                        </p:cTn>
+                                        <p:tgtEl>
+                                          <p:spTgt spid="10">
+                                            <p:txEl>
+                                              <p:pRg st="2" end="2"/>
+                                            </p:txEl>
+                                          </p:spTgt>
+                                        </p:tgtEl>
+                                      </p:cBhvr>
+                                      <p:to x="100000" y="100000"/>
+                                    </p:animScale>
+                                    <p:animScale>
+                                      <p:cBhvr>
+                                        <p:cTn id="53" dur="26">
+                                          <p:stCondLst>
+                                            <p:cond delay="1642"/>
+                                          </p:stCondLst>
+                                        </p:cTn>
+                                        <p:tgtEl>
+                                          <p:spTgt spid="10">
+                                            <p:txEl>
+                                              <p:pRg st="2" end="2"/>
+                                            </p:txEl>
+                                          </p:spTgt>
+                                        </p:tgtEl>
+                                      </p:cBhvr>
+                                      <p:to x="100000" y="90000"/>
+                                    </p:animScale>
+                                    <p:animScale>
+                                      <p:cBhvr>
+                                        <p:cTn id="54" dur="166" decel="50000">
+                                          <p:stCondLst>
+                                            <p:cond delay="1668"/>
+                                          </p:stCondLst>
+                                        </p:cTn>
+                                        <p:tgtEl>
+                                          <p:spTgt spid="10">
+                                            <p:txEl>
+                                              <p:pRg st="2" end="2"/>
+                                            </p:txEl>
+                                          </p:spTgt>
+                                        </p:tgtEl>
+                                      </p:cBhvr>
+                                      <p:to x="100000" y="100000"/>
+                                    </p:animScale>
+                                    <p:animScale>
+                                      <p:cBhvr>
+                                        <p:cTn id="55" dur="26">
+                                          <p:stCondLst>
+                                            <p:cond delay="1808"/>
+                                          </p:stCondLst>
+                                        </p:cTn>
+                                        <p:tgtEl>
+                                          <p:spTgt spid="10">
+                                            <p:txEl>
+                                              <p:pRg st="2" end="2"/>
+                                            </p:txEl>
+                                          </p:spTgt>
+                                        </p:tgtEl>
+                                      </p:cBhvr>
+                                      <p:to x="100000" y="95000"/>
+                                    </p:animScale>
+                                    <p:animScale>
+                                      <p:cBhvr>
+                                        <p:cTn id="56" dur="166" decel="50000">
+                                          <p:stCondLst>
+                                            <p:cond delay="1834"/>
+                                          </p:stCondLst>
+                                        </p:cTn>
+                                        <p:tgtEl>
+                                          <p:spTgt spid="10">
+                                            <p:txEl>
+                                              <p:pRg st="2" end="2"/>
+                                            </p:txEl>
+                                          </p:spTgt>
+                                        </p:tgtEl>
+                                      </p:cBhvr>
+                                      <p:to x="100000" y="100000"/>
+                                    </p:animScale>
+                                  </p:childTnLst>
+                                </p:cTn>
+                              </p:par>
+                            </p:childTnLst>
+                          </p:cTn>
+                        </p:par>
+                      </p:childTnLst>
+                    </p:cTn>
+                  </p:par>
+                </p:childTnLst>
+              </p:cTn>
+              <p:prevCondLst>
+                <p:cond evt="onPrev" delay="0">
+                  <p:tgtEl>
+                    <p:sldTgt/>
+                  </p:tgtEl>
+                </p:cond>
+              </p:prevCondLst>
+              <p:nextCondLst>
+                <p:cond evt="onNext" delay="0">
+                  <p:tgtEl>
+                    <p:sldTgt/>
+                  </p:tgtEl>
+                </p:cond>
+              </p:nextCondLst>
+            </p:seq>
+          </p:childTnLst>
+        </p:cTn>
+      </p:par>
+    </p:tnLst>
+    <p:bldLst>
+      <p:bldP spid="10" grpId="0" build="p"/>
+    </p:bldLst>
+  </p:timing>
+</p:sld>
+</file>
+
+<file path=ppt/slides/slide5.xml><?xml version="1.0" encoding="utf-8"?>
+<p:sld xmlns:a="http://schemas.openxmlformats.org/drawingml/2006/main" xmlns:r="http://schemas.openxmlformats.org/officeDocument/2006/relationships" xmlns:p="http://schemas.openxmlformats.org/presentationml/2006/main">
+  <p:cSld>
+    <p:spTree>
+      <p:nvGrpSpPr>
+        <p:cNvPr id="1" name=""/>
+        <p:cNvGrpSpPr/>
+        <p:nvPr/>
+      </p:nvGrpSpPr>
+      <p:grpSpPr>
+        <a:xfrm>
+          <a:off x="0" y="0"/>
+          <a:ext cx="0" cy="0"/>
+          <a:chOff x="0" y="0"/>
+          <a:chExt cx="0" cy="0"/>
+        </a:xfrm>
+      </p:grpSpPr>
+      <p:sp>
+        <p:nvSpPr>
+          <p:cNvPr id="7" name="Titre 6"/>
+          <p:cNvSpPr>
+            <a:spLocks noGrp="1"/>
+          </p:cNvSpPr>
+          <p:nvPr>
+            <p:ph type="title"/>
+          </p:nvPr>
+        </p:nvSpPr>
+        <p:spPr/>
+        <p:txBody>
+          <a:bodyPr rtlCol="0"/>
+          <a:lstStyle/>
+          <a:p>
+            <a:pPr rtl="0"/>
+            <a:r>
+              <a:rPr lang="fr-FR" dirty="0"/>
+              <a:t>Assemblage d’un </a:t>
+            </a:r>
+            <a:r>
+              <a:rPr lang="fr-FR" dirty="0" err="1"/>
+              <a:t>Personnal</a:t>
+            </a:r>
+            <a:r>
+              <a:rPr lang="fr-FR" dirty="0"/>
+              <a:t> Computer</a:t>
+            </a:r>
+          </a:p>
+        </p:txBody>
+      </p:sp>
+      <p:sp>
+        <p:nvSpPr>
+          <p:cNvPr id="10" name="Espace réservé du contenu 9"/>
+          <p:cNvSpPr>
+            <a:spLocks noGrp="1"/>
+          </p:cNvSpPr>
+          <p:nvPr>
+            <p:ph sz="half" idx="2"/>
+          </p:nvPr>
+        </p:nvSpPr>
+        <p:spPr>
+          <a:xfrm>
+            <a:off x="1125860" y="2060848"/>
+            <a:ext cx="10891300" cy="3454400"/>
+          </a:xfrm>
+        </p:spPr>
+        <p:txBody>
+          <a:bodyPr rtlCol="0"/>
+          <a:lstStyle/>
+          <a:p>
+            <a:r>
+              <a:rPr lang="fr-FR" dirty="0"/>
+              <a:t>Procurez-vous les composants d'un ordinateur (carte mère, processeur, RAM, disque dur, alimentation, etc.).</a:t>
+            </a:r>
+          </a:p>
+          <a:p>
+            <a:r>
+              <a:rPr lang="fr-FR" dirty="0"/>
+              <a:t>Assemblez-les pour construire un ordinateur fonctionnel.</a:t>
+            </a:r>
+          </a:p>
+          <a:p>
+            <a:r>
+              <a:rPr lang="fr-FR" dirty="0"/>
+              <a:t>Assurez-vous que tout est correctement connecté et testez le système.</a:t>
+            </a:r>
+          </a:p>
+          <a:p>
+            <a:pPr marL="0" indent="0" rtl="0">
+              <a:buNone/>
+            </a:pPr>
+            <a:endParaRPr lang="fr-FR" dirty="0"/>
+          </a:p>
+        </p:txBody>
+      </p:sp>
+    </p:spTree>
+    <p:extLst>
+      <p:ext uri="{BB962C8B-B14F-4D97-AF65-F5344CB8AC3E}">
+        <p14:creationId xmlns:p14="http://schemas.microsoft.com/office/powerpoint/2010/main" val="3182196231"/>
+      </p:ext>
+    </p:extLst>
+  </p:cSld>
+  <p:clrMapOvr>
+    <a:masterClrMapping/>
+  </p:clrMapOvr>
+  <p:transition spd="slow">
+    <p:wipe dir="r"/>
+  </p:transition>
+  <p:timing>
+    <p:tnLst>
+      <p:par>
+        <p:cTn id="1" dur="indefinite" restart="never" nodeType="tmRoot">
+          <p:childTnLst>
+            <p:seq concurrent="1" nextAc="seek">
+              <p:cTn id="2" dur="indefinite" nodeType="mainSeq">
+                <p:childTnLst>
+                  <p:par>
+                    <p:cTn id="3" fill="hold">
+                      <p:stCondLst>
+                        <p:cond delay="indefinite"/>
+                      </p:stCondLst>
+                      <p:childTnLst>
+                        <p:par>
+                          <p:cTn id="4" fill="hold">
+                            <p:stCondLst>
+                              <p:cond delay="0"/>
+                            </p:stCondLst>
+                            <p:childTnLst>
+                              <p:par>
+                                <p:cTn id="5" presetID="26" presetClass="entr" presetSubtype="0" fill="hold" grpId="0" nodeType="clickEffect">
+                                  <p:stCondLst>
+                                    <p:cond delay="0"/>
+                                  </p:stCondLst>
+                                  <p:childTnLst>
+                                    <p:set>
+                                      <p:cBhvr>
+                                        <p:cTn id="6" dur="1" fill="hold">
+                                          <p:stCondLst>
+                                            <p:cond delay="0"/>
+                                          </p:stCondLst>
+                                        </p:cTn>
+                                        <p:tgtEl>
+                                          <p:spTgt spid="10">
+                                            <p:txEl>
+                                              <p:pRg st="0" end="0"/>
+                                            </p:txEl>
+                                          </p:spTgt>
+                                        </p:tgtEl>
+                                        <p:attrNameLst>
+                                          <p:attrName>style.visibility</p:attrName>
+                                        </p:attrNameLst>
+                                      </p:cBhvr>
+                                      <p:to>
+                                        <p:strVal val="visible"/>
+                                      </p:to>
+                                    </p:set>
+                                    <p:animEffect transition="in" filter="wipe(down)">
+                                      <p:cBhvr>
+                                        <p:cTn id="7" dur="580">
+                                          <p:stCondLst>
+                                            <p:cond delay="0"/>
+                                          </p:stCondLst>
+                                        </p:cTn>
+                                        <p:tgtEl>
+                                          <p:spTgt spid="10">
+                                            <p:txEl>
+                                              <p:pRg st="0" end="0"/>
+                                            </p:txEl>
+                                          </p:spTgt>
+                                        </p:tgtEl>
+                                      </p:cBhvr>
+                                    </p:animEffect>
+                                    <p:anim calcmode="lin" valueType="num">
+                                      <p:cBhvr>
+                                        <p:cTn id="8" dur="1822" tmFilter="0,0; 0.14,0.36; 0.43,0.73; 0.71,0.91; 1.0,1.0">
+                                          <p:stCondLst>
+                                            <p:cond delay="0"/>
+                                          </p:stCondLst>
+                                        </p:cTn>
+                                        <p:tgtEl>
+                                          <p:spTgt spid="10">
+                                            <p:txEl>
+                                              <p:pRg st="0" end="0"/>
+                                            </p:txEl>
+                                          </p:spTgt>
+                                        </p:tgtEl>
+                                        <p:attrNameLst>
+                                          <p:attrName>ppt_x</p:attrName>
+                                        </p:attrNameLst>
+                                      </p:cBhvr>
+                                      <p:tavLst>
+                                        <p:tav tm="0">
+                                          <p:val>
+                                            <p:strVal val="#ppt_x-0.25"/>
+                                          </p:val>
+                                        </p:tav>
+                                        <p:tav tm="100000">
+                                          <p:val>
+                                            <p:strVal val="#ppt_x"/>
+                                          </p:val>
+                                        </p:tav>
+                                      </p:tavLst>
+                                    </p:anim>
+                                    <p:anim calcmode="lin" valueType="num">
+                                      <p:cBhvr>
+                                        <p:cTn id="9" dur="664" tmFilter="0.0,0.0; 0.25,0.07; 0.50,0.2; 0.75,0.467; 1.0,1.0">
+                                          <p:stCondLst>
+                                            <p:cond delay="0"/>
+                                          </p:stCondLst>
+                                        </p:cTn>
+                                        <p:tgtEl>
+                                          <p:spTgt spid="10">
+                                            <p:txEl>
+                                              <p:pRg st="0" end="0"/>
+                                            </p:txEl>
+                                          </p:spTgt>
+                                        </p:tgtEl>
+                                        <p:attrNameLst>
+                                          <p:attrName>ppt_y</p:attrName>
+                                        </p:attrNameLst>
+                                      </p:cBhvr>
+                                      <p:tavLst>
+                                        <p:tav tm="0" fmla="#ppt_y-sin(pi*$)/3">
+                                          <p:val>
+                                            <p:fltVal val="0.5"/>
+                                          </p:val>
+                                        </p:tav>
+                                        <p:tav tm="100000">
+                                          <p:val>
+                                            <p:fltVal val="1"/>
+                                          </p:val>
+                                        </p:tav>
+                                      </p:tavLst>
+                                    </p:anim>
+                                    <p:anim calcmode="lin" valueType="num">
+                                      <p:cBhvr>
+                                        <p:cTn id="10" dur="664" tmFilter="0, 0; 0.125,0.2665; 0.25,0.4; 0.375,0.465; 0.5,0.5;  0.625,0.535; 0.75,0.6; 0.875,0.7335; 1,1">
+                                          <p:stCondLst>
+                                            <p:cond delay="664"/>
+                                          </p:stCondLst>
+                                        </p:cTn>
+                                        <p:tgtEl>
+                                          <p:spTgt spid="10">
+                                            <p:txEl>
+                                              <p:pRg st="0" end="0"/>
+                                            </p:txEl>
+                                          </p:spTgt>
+                                        </p:tgtEl>
+                                        <p:attrNameLst>
+                                          <p:attrName>ppt_y</p:attrName>
+                                        </p:attrNameLst>
+                                      </p:cBhvr>
+                                      <p:tavLst>
+                                        <p:tav tm="0" fmla="#ppt_y-sin(pi*$)/9">
+                                          <p:val>
+                                            <p:fltVal val="0"/>
+                                          </p:val>
+                                        </p:tav>
+                                        <p:tav tm="100000">
+                                          <p:val>
+                                            <p:fltVal val="1"/>
+                                          </p:val>
+                                        </p:tav>
+                                      </p:tavLst>
+                                    </p:anim>
+                                    <p:anim calcmode="lin" valueType="num">
+                                      <p:cBhvr>
+                                        <p:cTn id="11" dur="332" tmFilter="0, 0; 0.125,0.2665; 0.25,0.4; 0.375,0.465; 0.5,0.5;  0.625,0.535; 0.75,0.6; 0.875,0.7335; 1,1">
+                                          <p:stCondLst>
+                                            <p:cond delay="1324"/>
+                                          </p:stCondLst>
+                                        </p:cTn>
+                                        <p:tgtEl>
+                                          <p:spTgt spid="10">
+                                            <p:txEl>
+                                              <p:pRg st="0" end="0"/>
+                                            </p:txEl>
+                                          </p:spTgt>
+                                        </p:tgtEl>
+                                        <p:attrNameLst>
+                                          <p:attrName>ppt_y</p:attrName>
+                                        </p:attrNameLst>
+                                      </p:cBhvr>
+                                      <p:tavLst>
+                                        <p:tav tm="0" fmla="#ppt_y-sin(pi*$)/27">
+                                          <p:val>
+                                            <p:fltVal val="0"/>
+                                          </p:val>
+                                        </p:tav>
+                                        <p:tav tm="100000">
+                                          <p:val>
+                                            <p:fltVal val="1"/>
+                                          </p:val>
+                                        </p:tav>
+                                      </p:tavLst>
+                                    </p:anim>
+                                    <p:anim calcmode="lin" valueType="num">
+                                      <p:cBhvr>
+                                        <p:cTn id="12" dur="164" tmFilter="0, 0; 0.125,0.2665; 0.25,0.4; 0.375,0.465; 0.5,0.5;  0.625,0.535; 0.75,0.6; 0.875,0.7335; 1,1">
+                                          <p:stCondLst>
+                                            <p:cond delay="1656"/>
+                                          </p:stCondLst>
+                                        </p:cTn>
+                                        <p:tgtEl>
+                                          <p:spTgt spid="10">
+                                            <p:txEl>
+                                              <p:pRg st="0" end="0"/>
+                                            </p:txEl>
+                                          </p:spTgt>
+                                        </p:tgtEl>
+                                        <p:attrNameLst>
+                                          <p:attrName>ppt_y</p:attrName>
+                                        </p:attrNameLst>
+                                      </p:cBhvr>
+                                      <p:tavLst>
+                                        <p:tav tm="0" fmla="#ppt_y-sin(pi*$)/81">
+                                          <p:val>
+                                            <p:fltVal val="0"/>
+                                          </p:val>
+                                        </p:tav>
+                                        <p:tav tm="100000">
+                                          <p:val>
+                                            <p:fltVal val="1"/>
+                                          </p:val>
+                                        </p:tav>
+                                      </p:tavLst>
+                                    </p:anim>
+                                    <p:animScale>
+                                      <p:cBhvr>
+                                        <p:cTn id="13" dur="26">
+                                          <p:stCondLst>
+                                            <p:cond delay="650"/>
+                                          </p:stCondLst>
+                                        </p:cTn>
+                                        <p:tgtEl>
+                                          <p:spTgt spid="10">
+                                            <p:txEl>
+                                              <p:pRg st="0" end="0"/>
+                                            </p:txEl>
+                                          </p:spTgt>
+                                        </p:tgtEl>
+                                      </p:cBhvr>
+                                      <p:to x="100000" y="60000"/>
+                                    </p:animScale>
+                                    <p:animScale>
+                                      <p:cBhvr>
+                                        <p:cTn id="14" dur="166" decel="50000">
+                                          <p:stCondLst>
+                                            <p:cond delay="676"/>
+                                          </p:stCondLst>
+                                        </p:cTn>
+                                        <p:tgtEl>
+                                          <p:spTgt spid="10">
+                                            <p:txEl>
+                                              <p:pRg st="0" end="0"/>
+                                            </p:txEl>
+                                          </p:spTgt>
+                                        </p:tgtEl>
+                                      </p:cBhvr>
+                                      <p:to x="100000" y="100000"/>
+                                    </p:animScale>
+                                    <p:animScale>
+                                      <p:cBhvr>
+                                        <p:cTn id="15" dur="26">
+                                          <p:stCondLst>
+                                            <p:cond delay="1312"/>
+                                          </p:stCondLst>
+                                        </p:cTn>
+                                        <p:tgtEl>
+                                          <p:spTgt spid="10">
+                                            <p:txEl>
+                                              <p:pRg st="0" end="0"/>
+                                            </p:txEl>
+                                          </p:spTgt>
+                                        </p:tgtEl>
+                                      </p:cBhvr>
+                                      <p:to x="100000" y="80000"/>
+                                    </p:animScale>
+                                    <p:animScale>
+                                      <p:cBhvr>
+                                        <p:cTn id="16" dur="166" decel="50000">
+                                          <p:stCondLst>
+                                            <p:cond delay="1338"/>
+                                          </p:stCondLst>
+                                        </p:cTn>
+                                        <p:tgtEl>
+                                          <p:spTgt spid="10">
+                                            <p:txEl>
+                                              <p:pRg st="0" end="0"/>
+                                            </p:txEl>
+                                          </p:spTgt>
+                                        </p:tgtEl>
+                                      </p:cBhvr>
+                                      <p:to x="100000" y="100000"/>
+                                    </p:animScale>
+                                    <p:animScale>
+                                      <p:cBhvr>
+                                        <p:cTn id="17" dur="26">
+                                          <p:stCondLst>
+                                            <p:cond delay="1642"/>
+                                          </p:stCondLst>
+                                        </p:cTn>
+                                        <p:tgtEl>
+                                          <p:spTgt spid="10">
+                                            <p:txEl>
+                                              <p:pRg st="0" end="0"/>
+                                            </p:txEl>
+                                          </p:spTgt>
+                                        </p:tgtEl>
+                                      </p:cBhvr>
+                                      <p:to x="100000" y="90000"/>
+                                    </p:animScale>
+                                    <p:animScale>
+                                      <p:cBhvr>
+                                        <p:cTn id="18" dur="166" decel="50000">
+                                          <p:stCondLst>
+                                            <p:cond delay="1668"/>
+                                          </p:stCondLst>
+                                        </p:cTn>
+                                        <p:tgtEl>
+                                          <p:spTgt spid="10">
+                                            <p:txEl>
+                                              <p:pRg st="0" end="0"/>
+                                            </p:txEl>
+                                          </p:spTgt>
+                                        </p:tgtEl>
+                                      </p:cBhvr>
+                                      <p:to x="100000" y="100000"/>
+                                    </p:animScale>
+                                    <p:animScale>
+                                      <p:cBhvr>
+                                        <p:cTn id="19" dur="26">
+                                          <p:stCondLst>
+                                            <p:cond delay="1808"/>
+                                          </p:stCondLst>
+                                        </p:cTn>
+                                        <p:tgtEl>
+                                          <p:spTgt spid="10">
+                                            <p:txEl>
+                                              <p:pRg st="0" end="0"/>
+                                            </p:txEl>
+                                          </p:spTgt>
+                                        </p:tgtEl>
+                                      </p:cBhvr>
+                                      <p:to x="100000" y="95000"/>
+                                    </p:animScale>
+                                    <p:animScale>
+                                      <p:cBhvr>
+                                        <p:cTn id="20" dur="166" decel="50000">
+                                          <p:stCondLst>
+                                            <p:cond delay="1834"/>
+                                          </p:stCondLst>
+                                        </p:cTn>
+                                        <p:tgtEl>
+                                          <p:spTgt spid="10">
+                                            <p:txEl>
+                                              <p:pRg st="0" end="0"/>
+                                            </p:txEl>
+                                          </p:spTgt>
+                                        </p:tgtEl>
+                                      </p:cBhvr>
+                                      <p:to x="100000" y="100000"/>
+                                    </p:animScale>
+                                  </p:childTnLst>
+                                </p:cTn>
+                              </p:par>
+                            </p:childTnLst>
+                          </p:cTn>
+                        </p:par>
+                      </p:childTnLst>
+                    </p:cTn>
+                  </p:par>
+                  <p:par>
+                    <p:cTn id="21" fill="hold">
+                      <p:stCondLst>
+                        <p:cond delay="indefinite"/>
+                      </p:stCondLst>
+                      <p:childTnLst>
+                        <p:par>
+                          <p:cTn id="22" fill="hold">
+                            <p:stCondLst>
+                              <p:cond delay="0"/>
+                            </p:stCondLst>
+                            <p:childTnLst>
+                              <p:par>
+                                <p:cTn id="23" presetID="26" presetClass="entr" presetSubtype="0" fill="hold" grpId="0" nodeType="clickEffect">
+                                  <p:stCondLst>
+                                    <p:cond delay="0"/>
+                                  </p:stCondLst>
+                                  <p:childTnLst>
+                                    <p:set>
+                                      <p:cBhvr>
+                                        <p:cTn id="24" dur="1" fill="hold">
+                                          <p:stCondLst>
+                                            <p:cond delay="0"/>
+                                          </p:stCondLst>
+                                        </p:cTn>
+                                        <p:tgtEl>
+                                          <p:spTgt spid="10">
+                                            <p:txEl>
+                                              <p:pRg st="1" end="1"/>
+                                            </p:txEl>
+                                          </p:spTgt>
+                                        </p:tgtEl>
+                                        <p:attrNameLst>
+                                          <p:attrName>style.visibility</p:attrName>
+                                        </p:attrNameLst>
+                                      </p:cBhvr>
+                                      <p:to>
+                                        <p:strVal val="visible"/>
+                                      </p:to>
+                                    </p:set>
+                                    <p:animEffect transition="in" filter="wipe(down)">
+                                      <p:cBhvr>
+                                        <p:cTn id="25" dur="580">
+                                          <p:stCondLst>
+                                            <p:cond delay="0"/>
+                                          </p:stCondLst>
+                                        </p:cTn>
+                                        <p:tgtEl>
+                                          <p:spTgt spid="10">
+                                            <p:txEl>
+                                              <p:pRg st="1" end="1"/>
+                                            </p:txEl>
+                                          </p:spTgt>
+                                        </p:tgtEl>
+                                      </p:cBhvr>
+                                    </p:animEffect>
+                                    <p:anim calcmode="lin" valueType="num">
+                                      <p:cBhvr>
+                                        <p:cTn id="26" dur="1822" tmFilter="0,0; 0.14,0.36; 0.43,0.73; 0.71,0.91; 1.0,1.0">
+                                          <p:stCondLst>
+                                            <p:cond delay="0"/>
+                                          </p:stCondLst>
+                                        </p:cTn>
+                                        <p:tgtEl>
+                                          <p:spTgt spid="10">
+                                            <p:txEl>
+                                              <p:pRg st="1" end="1"/>
+                                            </p:txEl>
+                                          </p:spTgt>
+                                        </p:tgtEl>
+                                        <p:attrNameLst>
+                                          <p:attrName>ppt_x</p:attrName>
+                                        </p:attrNameLst>
+                                      </p:cBhvr>
+                                      <p:tavLst>
+                                        <p:tav tm="0">
+                                          <p:val>
+                                            <p:strVal val="#ppt_x-0.25"/>
+                                          </p:val>
+                                        </p:tav>
+                                        <p:tav tm="100000">
+                                          <p:val>
+                                            <p:strVal val="#ppt_x"/>
+                                          </p:val>
+                                        </p:tav>
+                                      </p:tavLst>
+                                    </p:anim>
+                                    <p:anim calcmode="lin" valueType="num">
+                                      <p:cBhvr>
+                                        <p:cTn id="27" dur="664" tmFilter="0.0,0.0; 0.25,0.07; 0.50,0.2; 0.75,0.467; 1.0,1.0">
+                                          <p:stCondLst>
+                                            <p:cond delay="0"/>
+                                          </p:stCondLst>
+                                        </p:cTn>
+                                        <p:tgtEl>
+                                          <p:spTgt spid="10">
+                                            <p:txEl>
+                                              <p:pRg st="1" end="1"/>
+                                            </p:txEl>
+                                          </p:spTgt>
+                                        </p:tgtEl>
+                                        <p:attrNameLst>
+                                          <p:attrName>ppt_y</p:attrName>
+                                        </p:attrNameLst>
+                                      </p:cBhvr>
+                                      <p:tavLst>
+                                        <p:tav tm="0" fmla="#ppt_y-sin(pi*$)/3">
+                                          <p:val>
+                                            <p:fltVal val="0.5"/>
+                                          </p:val>
+                                        </p:tav>
+                                        <p:tav tm="100000">
+                                          <p:val>
+                                            <p:fltVal val="1"/>
+                                          </p:val>
+                                        </p:tav>
+                                      </p:tavLst>
+                                    </p:anim>
+                                    <p:anim calcmode="lin" valueType="num">
+                                      <p:cBhvr>
+                                        <p:cTn id="28" dur="664" tmFilter="0, 0; 0.125,0.2665; 0.25,0.4; 0.375,0.465; 0.5,0.5;  0.625,0.535; 0.75,0.6; 0.875,0.7335; 1,1">
+                                          <p:stCondLst>
+                                            <p:cond delay="664"/>
+                                          </p:stCondLst>
+                                        </p:cTn>
+                                        <p:tgtEl>
+                                          <p:spTgt spid="10">
+                                            <p:txEl>
+                                              <p:pRg st="1" end="1"/>
+                                            </p:txEl>
+                                          </p:spTgt>
+                                        </p:tgtEl>
+                                        <p:attrNameLst>
+                                          <p:attrName>ppt_y</p:attrName>
+                                        </p:attrNameLst>
+                                      </p:cBhvr>
+                                      <p:tavLst>
+                                        <p:tav tm="0" fmla="#ppt_y-sin(pi*$)/9">
+                                          <p:val>
+                                            <p:fltVal val="0"/>
+                                          </p:val>
+                                        </p:tav>
+                                        <p:tav tm="100000">
+                                          <p:val>
+                                            <p:fltVal val="1"/>
+                                          </p:val>
+                                        </p:tav>
+                                      </p:tavLst>
+                                    </p:anim>
+                                    <p:anim calcmode="lin" valueType="num">
+                                      <p:cBhvr>
+                                        <p:cTn id="29" dur="332" tmFilter="0, 0; 0.125,0.2665; 0.25,0.4; 0.375,0.465; 0.5,0.5;  0.625,0.535; 0.75,0.6; 0.875,0.7335; 1,1">
+                                          <p:stCondLst>
+                                            <p:cond delay="1324"/>
+                                          </p:stCondLst>
+                                        </p:cTn>
+                                        <p:tgtEl>
+                                          <p:spTgt spid="10">
+                                            <p:txEl>
+                                              <p:pRg st="1" end="1"/>
+                                            </p:txEl>
+                                          </p:spTgt>
+                                        </p:tgtEl>
+                                        <p:attrNameLst>
+                                          <p:attrName>ppt_y</p:attrName>
+                                        </p:attrNameLst>
+                                      </p:cBhvr>
+                                      <p:tavLst>
+                                        <p:tav tm="0" fmla="#ppt_y-sin(pi*$)/27">
+                                          <p:val>
+                                            <p:fltVal val="0"/>
+                                          </p:val>
+                                        </p:tav>
+                                        <p:tav tm="100000">
+                                          <p:val>
+                                            <p:fltVal val="1"/>
+                                          </p:val>
+                                        </p:tav>
+                                      </p:tavLst>
+                                    </p:anim>
+                                    <p:anim calcmode="lin" valueType="num">
+                                      <p:cBhvr>
+                                        <p:cTn id="30" dur="164" tmFilter="0, 0; 0.125,0.2665; 0.25,0.4; 0.375,0.465; 0.5,0.5;  0.625,0.535; 0.75,0.6; 0.875,0.7335; 1,1">
+                                          <p:stCondLst>
+                                            <p:cond delay="1656"/>
+                                          </p:stCondLst>
+                                        </p:cTn>
+                                        <p:tgtEl>
+                                          <p:spTgt spid="10">
+                                            <p:txEl>
+                                              <p:pRg st="1" end="1"/>
+                                            </p:txEl>
+                                          </p:spTgt>
+                                        </p:tgtEl>
+                                        <p:attrNameLst>
+                                          <p:attrName>ppt_y</p:attrName>
+                                        </p:attrNameLst>
+                                      </p:cBhvr>
+                                      <p:tavLst>
+                                        <p:tav tm="0" fmla="#ppt_y-sin(pi*$)/81">
+                                          <p:val>
+                                            <p:fltVal val="0"/>
+                                          </p:val>
+                                        </p:tav>
+                                        <p:tav tm="100000">
+                                          <p:val>
+                                            <p:fltVal val="1"/>
+                                          </p:val>
+                                        </p:tav>
+                                      </p:tavLst>
+                                    </p:anim>
+                                    <p:animScale>
+                                      <p:cBhvr>
+                                        <p:cTn id="31" dur="26">
+                                          <p:stCondLst>
+                                            <p:cond delay="650"/>
+                                          </p:stCondLst>
+                                        </p:cTn>
+                                        <p:tgtEl>
+                                          <p:spTgt spid="10">
+                                            <p:txEl>
+                                              <p:pRg st="1" end="1"/>
+                                            </p:txEl>
+                                          </p:spTgt>
+                                        </p:tgtEl>
+                                      </p:cBhvr>
+                                      <p:to x="100000" y="60000"/>
+                                    </p:animScale>
+                                    <p:animScale>
+                                      <p:cBhvr>
+                                        <p:cTn id="32" dur="166" decel="50000">
+                                          <p:stCondLst>
+                                            <p:cond delay="676"/>
+                                          </p:stCondLst>
+                                        </p:cTn>
+                                        <p:tgtEl>
+                                          <p:spTgt spid="10">
+                                            <p:txEl>
+                                              <p:pRg st="1" end="1"/>
+                                            </p:txEl>
+                                          </p:spTgt>
+                                        </p:tgtEl>
+                                      </p:cBhvr>
+                                      <p:to x="100000" y="100000"/>
+                                    </p:animScale>
+                                    <p:animScale>
+                                      <p:cBhvr>
+                                        <p:cTn id="33" dur="26">
+                                          <p:stCondLst>
+                                            <p:cond delay="1312"/>
+                                          </p:stCondLst>
+                                        </p:cTn>
+                                        <p:tgtEl>
+                                          <p:spTgt spid="10">
+                                            <p:txEl>
+                                              <p:pRg st="1" end="1"/>
+                                            </p:txEl>
+                                          </p:spTgt>
+                                        </p:tgtEl>
+                                      </p:cBhvr>
+                                      <p:to x="100000" y="80000"/>
+                                    </p:animScale>
+                                    <p:animScale>
+                                      <p:cBhvr>
+                                        <p:cTn id="34" dur="166" decel="50000">
+                                          <p:stCondLst>
+                                            <p:cond delay="1338"/>
+                                          </p:stCondLst>
+                                        </p:cTn>
+                                        <p:tgtEl>
+                                          <p:spTgt spid="10">
+                                            <p:txEl>
+                                              <p:pRg st="1" end="1"/>
+                                            </p:txEl>
+                                          </p:spTgt>
+                                        </p:tgtEl>
+                                      </p:cBhvr>
+                                      <p:to x="100000" y="100000"/>
+                                    </p:animScale>
+                                    <p:animScale>
+                                      <p:cBhvr>
+                                        <p:cTn id="35" dur="26">
+                                          <p:stCondLst>
+                                            <p:cond delay="1642"/>
+                                          </p:stCondLst>
+                                        </p:cTn>
+                                        <p:tgtEl>
+                                          <p:spTgt spid="10">
+                                            <p:txEl>
+                                              <p:pRg st="1" end="1"/>
+                                            </p:txEl>
+                                          </p:spTgt>
+                                        </p:tgtEl>
+                                      </p:cBhvr>
+                                      <p:to x="100000" y="90000"/>
+                                    </p:animScale>
+                                    <p:animScale>
+                                      <p:cBhvr>
+                                        <p:cTn id="36" dur="166" decel="50000">
+                                          <p:stCondLst>
+                                            <p:cond delay="1668"/>
+                                          </p:stCondLst>
+                                        </p:cTn>
+                                        <p:tgtEl>
+                                          <p:spTgt spid="10">
+                                            <p:txEl>
+                                              <p:pRg st="1" end="1"/>
+                                            </p:txEl>
+                                          </p:spTgt>
+                                        </p:tgtEl>
+                                      </p:cBhvr>
+                                      <p:to x="100000" y="100000"/>
+                                    </p:animScale>
+                                    <p:animScale>
+                                      <p:cBhvr>
+                                        <p:cTn id="37" dur="26">
+                                          <p:stCondLst>
+                                            <p:cond delay="1808"/>
+                                          </p:stCondLst>
+                                        </p:cTn>
+                                        <p:tgtEl>
+                                          <p:spTgt spid="10">
+                                            <p:txEl>
+                                              <p:pRg st="1" end="1"/>
+                                            </p:txEl>
+                                          </p:spTgt>
+                                        </p:tgtEl>
+                                      </p:cBhvr>
+                                      <p:to x="100000" y="95000"/>
+                                    </p:animScale>
+                                    <p:animScale>
+                                      <p:cBhvr>
+                                        <p:cTn id="38" dur="166" decel="50000">
+                                          <p:stCondLst>
+                                            <p:cond delay="1834"/>
+                                          </p:stCondLst>
+                                        </p:cTn>
+                                        <p:tgtEl>
+                                          <p:spTgt spid="10">
+                                            <p:txEl>
+                                              <p:pRg st="1" end="1"/>
+                                            </p:txEl>
+                                          </p:spTgt>
+                                        </p:tgtEl>
+                                      </p:cBhvr>
+                                      <p:to x="100000" y="100000"/>
+                                    </p:animScale>
+                                  </p:childTnLst>
+                                </p:cTn>
+                              </p:par>
+                            </p:childTnLst>
+                          </p:cTn>
+                        </p:par>
+                      </p:childTnLst>
+                    </p:cTn>
+                  </p:par>
+                  <p:par>
+                    <p:cTn id="39" fill="hold">
+                      <p:stCondLst>
+                        <p:cond delay="indefinite"/>
+                      </p:stCondLst>
+                      <p:childTnLst>
+                        <p:par>
+                          <p:cTn id="40" fill="hold">
+                            <p:stCondLst>
+                              <p:cond delay="0"/>
+                            </p:stCondLst>
+                            <p:childTnLst>
+                              <p:par>
+                                <p:cTn id="41" presetID="26" presetClass="entr" presetSubtype="0" fill="hold" grpId="0" nodeType="clickEffect">
+                                  <p:stCondLst>
+                                    <p:cond delay="0"/>
+                                  </p:stCondLst>
+                                  <p:childTnLst>
+                                    <p:set>
+                                      <p:cBhvr>
+                                        <p:cTn id="42" dur="1" fill="hold">
+                                          <p:stCondLst>
+                                            <p:cond delay="0"/>
+                                          </p:stCondLst>
+                                        </p:cTn>
+                                        <p:tgtEl>
+                                          <p:spTgt spid="10">
+                                            <p:txEl>
+                                              <p:pRg st="2" end="2"/>
+                                            </p:txEl>
+                                          </p:spTgt>
+                                        </p:tgtEl>
+                                        <p:attrNameLst>
+                                          <p:attrName>style.visibility</p:attrName>
+                                        </p:attrNameLst>
+                                      </p:cBhvr>
+                                      <p:to>
+                                        <p:strVal val="visible"/>
+                                      </p:to>
+                                    </p:set>
+                                    <p:animEffect transition="in" filter="wipe(down)">
+                                      <p:cBhvr>
+                                        <p:cTn id="43" dur="580">
+                                          <p:stCondLst>
+                                            <p:cond delay="0"/>
+                                          </p:stCondLst>
+                                        </p:cTn>
+                                        <p:tgtEl>
+                                          <p:spTgt spid="10">
+                                            <p:txEl>
+                                              <p:pRg st="2" end="2"/>
+                                            </p:txEl>
+                                          </p:spTgt>
+                                        </p:tgtEl>
+                                      </p:cBhvr>
+                                    </p:animEffect>
+                                    <p:anim calcmode="lin" valueType="num">
+                                      <p:cBhvr>
+                                        <p:cTn id="44" dur="1822" tmFilter="0,0; 0.14,0.36; 0.43,0.73; 0.71,0.91; 1.0,1.0">
+                                          <p:stCondLst>
+                                            <p:cond delay="0"/>
+                                          </p:stCondLst>
+                                        </p:cTn>
+                                        <p:tgtEl>
+                                          <p:spTgt spid="10">
+                                            <p:txEl>
+                                              <p:pRg st="2" end="2"/>
+                                            </p:txEl>
+                                          </p:spTgt>
+                                        </p:tgtEl>
+                                        <p:attrNameLst>
+                                          <p:attrName>ppt_x</p:attrName>
+                                        </p:attrNameLst>
+                                      </p:cBhvr>
+                                      <p:tavLst>
+                                        <p:tav tm="0">
+                                          <p:val>
+                                            <p:strVal val="#ppt_x-0.25"/>
+                                          </p:val>
+                                        </p:tav>
+                                        <p:tav tm="100000">
+                                          <p:val>
+                                            <p:strVal val="#ppt_x"/>
+                                          </p:val>
+                                        </p:tav>
+                                      </p:tavLst>
+                                    </p:anim>
+                                    <p:anim calcmode="lin" valueType="num">
+                                      <p:cBhvr>
+                                        <p:cTn id="45" dur="664" tmFilter="0.0,0.0; 0.25,0.07; 0.50,0.2; 0.75,0.467; 1.0,1.0">
+                                          <p:stCondLst>
+                                            <p:cond delay="0"/>
+                                          </p:stCondLst>
+                                        </p:cTn>
+                                        <p:tgtEl>
+                                          <p:spTgt spid="10">
+                                            <p:txEl>
+                                              <p:pRg st="2" end="2"/>
+                                            </p:txEl>
+                                          </p:spTgt>
+                                        </p:tgtEl>
+                                        <p:attrNameLst>
+                                          <p:attrName>ppt_y</p:attrName>
+                                        </p:attrNameLst>
+                                      </p:cBhvr>
+                                      <p:tavLst>
+                                        <p:tav tm="0" fmla="#ppt_y-sin(pi*$)/3">
+                                          <p:val>
+                                            <p:fltVal val="0.5"/>
+                                          </p:val>
+                                        </p:tav>
+                                        <p:tav tm="100000">
+                                          <p:val>
+                                            <p:fltVal val="1"/>
+                                          </p:val>
+                                        </p:tav>
+                                      </p:tavLst>
+                                    </p:anim>
+                                    <p:anim calcmode="lin" valueType="num">
+                                      <p:cBhvr>
+                                        <p:cTn id="46" dur="664" tmFilter="0, 0; 0.125,0.2665; 0.25,0.4; 0.375,0.465; 0.5,0.5;  0.625,0.535; 0.75,0.6; 0.875,0.7335; 1,1">
+                                          <p:stCondLst>
+                                            <p:cond delay="664"/>
+                                          </p:stCondLst>
+                                        </p:cTn>
+                                        <p:tgtEl>
+                                          <p:spTgt spid="10">
+                                            <p:txEl>
+                                              <p:pRg st="2" end="2"/>
+                                            </p:txEl>
+                                          </p:spTgt>
+                                        </p:tgtEl>
+                                        <p:attrNameLst>
+                                          <p:attrName>ppt_y</p:attrName>
+                                        </p:attrNameLst>
+                                      </p:cBhvr>
+                                      <p:tavLst>
+                                        <p:tav tm="0" fmla="#ppt_y-sin(pi*$)/9">
+                                          <p:val>
+                                            <p:fltVal val="0"/>
+                                          </p:val>
+                                        </p:tav>
+                                        <p:tav tm="100000">
+                                          <p:val>
+                                            <p:fltVal val="1"/>
+                                          </p:val>
+                                        </p:tav>
+                                      </p:tavLst>
+                                    </p:anim>
+                                    <p:anim calcmode="lin" valueType="num">
+                                      <p:cBhvr>
+                                        <p:cTn id="47" dur="332" tmFilter="0, 0; 0.125,0.2665; 0.25,0.4; 0.375,0.465; 0.5,0.5;  0.625,0.535; 0.75,0.6; 0.875,0.7335; 1,1">
+                                          <p:stCondLst>
+                                            <p:cond delay="1324"/>
+                                          </p:stCondLst>
+                                        </p:cTn>
+                                        <p:tgtEl>
+                                          <p:spTgt spid="10">
+                                            <p:txEl>
+                                              <p:pRg st="2" end="2"/>
+                                            </p:txEl>
+                                          </p:spTgt>
+                                        </p:tgtEl>
+                                        <p:attrNameLst>
+                                          <p:attrName>ppt_y</p:attrName>
+                                        </p:attrNameLst>
+                                      </p:cBhvr>
+                                      <p:tavLst>
+                                        <p:tav tm="0" fmla="#ppt_y-sin(pi*$)/27">
+                                          <p:val>
+                                            <p:fltVal val="0"/>
+                                          </p:val>
+                                        </p:tav>
+                                        <p:tav tm="100000">
+                                          <p:val>
+                                            <p:fltVal val="1"/>
+                                          </p:val>
+                                        </p:tav>
+                                      </p:tavLst>
+                                    </p:anim>
+                                    <p:anim calcmode="lin" valueType="num">
+                                      <p:cBhvr>
+                                        <p:cTn id="48" dur="164" tmFilter="0, 0; 0.125,0.2665; 0.25,0.4; 0.375,0.465; 0.5,0.5;  0.625,0.535; 0.75,0.6; 0.875,0.7335; 1,1">
+                                          <p:stCondLst>
+                                            <p:cond delay="1656"/>
+                                          </p:stCondLst>
+                                        </p:cTn>
+                                        <p:tgtEl>
+                                          <p:spTgt spid="10">
+                                            <p:txEl>
+                                              <p:pRg st="2" end="2"/>
+                                            </p:txEl>
+                                          </p:spTgt>
+                                        </p:tgtEl>
+                                        <p:attrNameLst>
+                                          <p:attrName>ppt_y</p:attrName>
+                                        </p:attrNameLst>
+                                      </p:cBhvr>
+                                      <p:tavLst>
+                                        <p:tav tm="0" fmla="#ppt_y-sin(pi*$)/81">
+                                          <p:val>
+                                            <p:fltVal val="0"/>
+                                          </p:val>
+                                        </p:tav>
+                                        <p:tav tm="100000">
+                                          <p:val>
+                                            <p:fltVal val="1"/>
+                                          </p:val>
+                                        </p:tav>
+                                      </p:tavLst>
+                                    </p:anim>
+                                    <p:animScale>
+                                      <p:cBhvr>
+                                        <p:cTn id="49" dur="26">
+                                          <p:stCondLst>
+                                            <p:cond delay="650"/>
+                                          </p:stCondLst>
+                                        </p:cTn>
+                                        <p:tgtEl>
+                                          <p:spTgt spid="10">
+                                            <p:txEl>
+                                              <p:pRg st="2" end="2"/>
+                                            </p:txEl>
+                                          </p:spTgt>
+                                        </p:tgtEl>
+                                      </p:cBhvr>
+                                      <p:to x="100000" y="60000"/>
+                                    </p:animScale>
+                                    <p:animScale>
+                                      <p:cBhvr>
+                                        <p:cTn id="50" dur="166" decel="50000">
+                                          <p:stCondLst>
+                                            <p:cond delay="676"/>
+                                          </p:stCondLst>
+                                        </p:cTn>
+                                        <p:tgtEl>
+                                          <p:spTgt spid="10">
+                                            <p:txEl>
+                                              <p:pRg st="2" end="2"/>
+                                            </p:txEl>
+                                          </p:spTgt>
+                                        </p:tgtEl>
+                                      </p:cBhvr>
+                                      <p:to x="100000" y="100000"/>
+                                    </p:animScale>
+                                    <p:animScale>
+                                      <p:cBhvr>
+                                        <p:cTn id="51" dur="26">
+                                          <p:stCondLst>
+                                            <p:cond delay="1312"/>
+                                          </p:stCondLst>
+                                        </p:cTn>
+                                        <p:tgtEl>
+                                          <p:spTgt spid="10">
+                                            <p:txEl>
+                                              <p:pRg st="2" end="2"/>
+                                            </p:txEl>
+                                          </p:spTgt>
+                                        </p:tgtEl>
+                                      </p:cBhvr>
+                                      <p:to x="100000" y="80000"/>
+                                    </p:animScale>
+                                    <p:animScale>
+                                      <p:cBhvr>
+                                        <p:cTn id="52" dur="166" decel="50000">
+                                          <p:stCondLst>
+                                            <p:cond delay="1338"/>
+                                          </p:stCondLst>
+                                        </p:cTn>
+                                        <p:tgtEl>
+                                          <p:spTgt spid="10">
+                                            <p:txEl>
+                                              <p:pRg st="2" end="2"/>
+                                            </p:txEl>
+                                          </p:spTgt>
+                                        </p:tgtEl>
+                                      </p:cBhvr>
+                                      <p:to x="100000" y="100000"/>
+                                    </p:animScale>
+                                    <p:animScale>
+                                      <p:cBhvr>
+                                        <p:cTn id="53" dur="26">
+                                          <p:stCondLst>
+                                            <p:cond delay="1642"/>
+                                          </p:stCondLst>
+                                        </p:cTn>
+                                        <p:tgtEl>
+                                          <p:spTgt spid="10">
+                                            <p:txEl>
+                                              <p:pRg st="2" end="2"/>
+                                            </p:txEl>
+                                          </p:spTgt>
+                                        </p:tgtEl>
+                                      </p:cBhvr>
+                                      <p:to x="100000" y="90000"/>
+                                    </p:animScale>
+                                    <p:animScale>
+                                      <p:cBhvr>
+                                        <p:cTn id="54" dur="166" decel="50000">
+                                          <p:stCondLst>
+                                            <p:cond delay="1668"/>
+                                          </p:stCondLst>
+                                        </p:cTn>
+                                        <p:tgtEl>
+                                          <p:spTgt spid="10">
+                                            <p:txEl>
+                                              <p:pRg st="2" end="2"/>
+                                            </p:txEl>
+                                          </p:spTgt>
+                                        </p:tgtEl>
+                                      </p:cBhvr>
+                                      <p:to x="100000" y="100000"/>
+                                    </p:animScale>
+                                    <p:animScale>
+                                      <p:cBhvr>
+                                        <p:cTn id="55" dur="26">
+                                          <p:stCondLst>
+                                            <p:cond delay="1808"/>
+                                          </p:stCondLst>
+                                        </p:cTn>
+                                        <p:tgtEl>
+                                          <p:spTgt spid="10">
+                                            <p:txEl>
+                                              <p:pRg st="2" end="2"/>
+                                            </p:txEl>
+                                          </p:spTgt>
+                                        </p:tgtEl>
+                                      </p:cBhvr>
+                                      <p:to x="100000" y="95000"/>
+                                    </p:animScale>
+                                    <p:animScale>
+                                      <p:cBhvr>
+                                        <p:cTn id="56" dur="166" decel="50000">
+                                          <p:stCondLst>
+                                            <p:cond delay="1834"/>
+                                          </p:stCondLst>
+                                        </p:cTn>
+                                        <p:tgtEl>
+                                          <p:spTgt spid="10">
+                                            <p:txEl>
+                                              <p:pRg st="2" end="2"/>
+                                            </p:txEl>
+                                          </p:spTgt>
+                                        </p:tgtEl>
+                                      </p:cBhvr>
+                                      <p:to x="100000" y="100000"/>
+                                    </p:animScale>
+                                  </p:childTnLst>
+                                </p:cTn>
+                              </p:par>
+                            </p:childTnLst>
+                          </p:cTn>
+                        </p:par>
+                      </p:childTnLst>
+                    </p:cTn>
+                  </p:par>
+                </p:childTnLst>
+              </p:cTn>
+              <p:prevCondLst>
+                <p:cond evt="onPrev" delay="0">
+                  <p:tgtEl>
+                    <p:sldTgt/>
+                  </p:tgtEl>
+                </p:cond>
+              </p:prevCondLst>
+              <p:nextCondLst>
+                <p:cond evt="onNext" delay="0">
+                  <p:tgtEl>
+                    <p:sldTgt/>
+                  </p:tgtEl>
+                </p:cond>
+              </p:nextCondLst>
+            </p:seq>
+          </p:childTnLst>
+        </p:cTn>
+      </p:par>
+    </p:tnLst>
+    <p:bldLst>
+      <p:bldP spid="10" grpId="0" build="p"/>
+    </p:bldLst>
+  </p:timing>
+</p:sld>
+</file>
+
+<file path=ppt/slides/slide6.xml><?xml version="1.0" encoding="utf-8"?>
+<p:sld xmlns:a="http://schemas.openxmlformats.org/drawingml/2006/main" xmlns:r="http://schemas.openxmlformats.org/officeDocument/2006/relationships" xmlns:p="http://schemas.openxmlformats.org/presentationml/2006/main">
+  <p:cSld>
+    <p:spTree>
+      <p:nvGrpSpPr>
+        <p:cNvPr id="1" name=""/>
+        <p:cNvGrpSpPr/>
+        <p:nvPr/>
+      </p:nvGrpSpPr>
+      <p:grpSpPr>
+        <a:xfrm>
+          <a:off x="0" y="0"/>
+          <a:ext cx="0" cy="0"/>
+          <a:chOff x="0" y="0"/>
+          <a:chExt cx="0" cy="0"/>
+        </a:xfrm>
+      </p:grpSpPr>
+      <p:sp>
+        <p:nvSpPr>
+          <p:cNvPr id="7" name="Titre 6"/>
+          <p:cNvSpPr>
+            <a:spLocks noGrp="1"/>
+          </p:cNvSpPr>
+          <p:nvPr>
+            <p:ph type="title"/>
+          </p:nvPr>
+        </p:nvSpPr>
+        <p:spPr>
+          <a:xfrm>
+            <a:off x="981844" y="116632"/>
+            <a:ext cx="10360501" cy="1223963"/>
+          </a:xfrm>
+        </p:spPr>
+        <p:txBody>
+          <a:bodyPr rtlCol="0"/>
+          <a:lstStyle/>
+          <a:p>
+            <a:pPr rtl="0"/>
+            <a:r>
+              <a:rPr lang="fr-FR" dirty="0"/>
+              <a:t>Cas pratique sur l’installation et configuration de Windows</a:t>
+            </a:r>
+          </a:p>
+        </p:txBody>
+      </p:sp>
+      <p:sp>
+        <p:nvSpPr>
+          <p:cNvPr id="10" name="Espace réservé du contenu 9"/>
+          <p:cNvSpPr>
+            <a:spLocks noGrp="1"/>
+          </p:cNvSpPr>
+          <p:nvPr>
+            <p:ph sz="half" idx="2"/>
+          </p:nvPr>
+        </p:nvSpPr>
+        <p:spPr>
+          <a:xfrm>
+            <a:off x="1197868" y="1326188"/>
+            <a:ext cx="7222228" cy="4882728"/>
+          </a:xfrm>
+        </p:spPr>
+        <p:txBody>
+          <a:bodyPr rtlCol="0"/>
+          <a:lstStyle/>
+          <a:p>
+            <a:pPr marL="0" indent="0" rtl="0">
+              <a:buNone/>
+            </a:pPr>
+            <a:r>
+              <a:rPr lang="fr-FR" dirty="0"/>
+              <a:t>- Création d’une clé USB d’installation de Windows,</a:t>
+            </a:r>
+          </a:p>
+          <a:p>
+            <a:pPr marL="0" indent="0" rtl="0">
+              <a:buNone/>
+            </a:pPr>
+            <a:r>
+              <a:rPr lang="fr-FR" dirty="0"/>
+              <a:t>- Configuration de Windows,</a:t>
+            </a:r>
+          </a:p>
+          <a:p>
+            <a:pPr marL="0" indent="0" rtl="0">
+              <a:buNone/>
+            </a:pPr>
+            <a:r>
+              <a:rPr lang="fr-FR" dirty="0"/>
+              <a:t>- Mises à jour de Windows,</a:t>
+            </a:r>
+          </a:p>
+          <a:p>
+            <a:pPr marL="0" indent="0" rtl="0">
+              <a:buNone/>
+            </a:pPr>
+            <a:r>
+              <a:rPr lang="fr-FR" dirty="0"/>
+              <a:t>- Installation d’ADWCLEANER et de </a:t>
+            </a:r>
+            <a:r>
+              <a:rPr lang="fr-FR" dirty="0" err="1"/>
+              <a:t>Crytsal</a:t>
+            </a:r>
+            <a:r>
+              <a:rPr lang="fr-FR" dirty="0"/>
+              <a:t> </a:t>
+            </a:r>
+            <a:r>
+              <a:rPr lang="fr-FR" dirty="0" err="1"/>
+              <a:t>disk</a:t>
+            </a:r>
+            <a:r>
+              <a:rPr lang="fr-FR" dirty="0"/>
+              <a:t> info,</a:t>
+            </a:r>
+          </a:p>
+          <a:p>
+            <a:pPr marL="0" indent="0" rtl="0">
+              <a:buNone/>
+            </a:pPr>
+            <a:r>
+              <a:rPr lang="fr-FR" dirty="0"/>
+              <a:t>- Autoriser certaines applications dans le pare-feu,</a:t>
+            </a:r>
+          </a:p>
+          <a:p>
+            <a:pPr marL="0" indent="0" rtl="0">
+              <a:buNone/>
+            </a:pPr>
+            <a:r>
+              <a:rPr lang="fr-FR" dirty="0"/>
+              <a:t>- Installer/désinstaller des applications sur le store et en .iso,</a:t>
+            </a:r>
+          </a:p>
+          <a:p>
+            <a:pPr marL="0" indent="0" rtl="0">
+              <a:buNone/>
+            </a:pPr>
+            <a:r>
+              <a:rPr lang="fr-FR" dirty="0"/>
+              <a:t>-Situation d’une panne et de sa résolution,</a:t>
+            </a:r>
+          </a:p>
+          <a:p>
+            <a:pPr marL="0" indent="0" rtl="0">
+              <a:buNone/>
+            </a:pPr>
+            <a:endParaRPr lang="fr-FR" dirty="0"/>
+          </a:p>
+          <a:p>
+            <a:pPr marL="0" indent="0" rtl="0">
+              <a:buNone/>
+            </a:pPr>
+            <a:endParaRPr lang="fr-FR" dirty="0"/>
+          </a:p>
+        </p:txBody>
+      </p:sp>
+    </p:spTree>
+    <p:extLst>
+      <p:ext uri="{BB962C8B-B14F-4D97-AF65-F5344CB8AC3E}">
+        <p14:creationId xmlns:p14="http://schemas.microsoft.com/office/powerpoint/2010/main" val="2905677088"/>
+      </p:ext>
+    </p:extLst>
+  </p:cSld>
+  <p:clrMapOvr>
+    <a:masterClrMapping/>
+  </p:clrMapOvr>
+  <p:transition spd="slow">
+    <p:wipe dir="r"/>
+  </p:transition>
+  <p:timing>
+    <p:tnLst>
+      <p:par>
+        <p:cTn id="1" dur="indefinite" restart="never" nodeType="tmRoot">
+          <p:childTnLst>
+            <p:seq concurrent="1" nextAc="seek">
+              <p:cTn id="2" dur="indefinite" nodeType="mainSeq">
+                <p:childTnLst>
+                  <p:par>
+                    <p:cTn id="3" fill="hold">
+                      <p:stCondLst>
+                        <p:cond delay="indefinite"/>
+                      </p:stCondLst>
+                      <p:childTnLst>
+                        <p:par>
+                          <p:cTn id="4" fill="hold">
+                            <p:stCondLst>
+                              <p:cond delay="0"/>
+                            </p:stCondLst>
+                            <p:childTnLst>
+                              <p:par>
+                                <p:cTn id="5" presetID="26" presetClass="entr" presetSubtype="0" fill="hold" grpId="0" nodeType="clickEffect">
+                                  <p:stCondLst>
+                                    <p:cond delay="0"/>
+                                  </p:stCondLst>
+                                  <p:childTnLst>
+                                    <p:set>
+                                      <p:cBhvr>
+                                        <p:cTn id="6" dur="1" fill="hold">
+                                          <p:stCondLst>
+                                            <p:cond delay="0"/>
+                                          </p:stCondLst>
+                                        </p:cTn>
+                                        <p:tgtEl>
+                                          <p:spTgt spid="10">
+                                            <p:txEl>
+                                              <p:pRg st="0" end="0"/>
+                                            </p:txEl>
+                                          </p:spTgt>
+                                        </p:tgtEl>
+                                        <p:attrNameLst>
+                                          <p:attrName>style.visibility</p:attrName>
+                                        </p:attrNameLst>
+                                      </p:cBhvr>
+                                      <p:to>
+                                        <p:strVal val="visible"/>
+                                      </p:to>
+                                    </p:set>
+                                    <p:animEffect transition="in" filter="wipe(down)">
+                                      <p:cBhvr>
+                                        <p:cTn id="7" dur="580">
+                                          <p:stCondLst>
+                                            <p:cond delay="0"/>
+                                          </p:stCondLst>
+                                        </p:cTn>
+                                        <p:tgtEl>
+                                          <p:spTgt spid="10">
+                                            <p:txEl>
+                                              <p:pRg st="0" end="0"/>
+                                            </p:txEl>
+                                          </p:spTgt>
+                                        </p:tgtEl>
+                                      </p:cBhvr>
+                                    </p:animEffect>
+                                    <p:anim calcmode="lin" valueType="num">
+                                      <p:cBhvr>
+                                        <p:cTn id="8" dur="1822" tmFilter="0,0; 0.14,0.36; 0.43,0.73; 0.71,0.91; 1.0,1.0">
+                                          <p:stCondLst>
+                                            <p:cond delay="0"/>
+                                          </p:stCondLst>
+                                        </p:cTn>
+                                        <p:tgtEl>
+                                          <p:spTgt spid="10">
+                                            <p:txEl>
+                                              <p:pRg st="0" end="0"/>
+                                            </p:txEl>
+                                          </p:spTgt>
+                                        </p:tgtEl>
+                                        <p:attrNameLst>
+                                          <p:attrName>ppt_x</p:attrName>
+                                        </p:attrNameLst>
+                                      </p:cBhvr>
+                                      <p:tavLst>
+                                        <p:tav tm="0">
+                                          <p:val>
+                                            <p:strVal val="#ppt_x-0.25"/>
+                                          </p:val>
+                                        </p:tav>
+                                        <p:tav tm="100000">
+                                          <p:val>
+                                            <p:strVal val="#ppt_x"/>
+                                          </p:val>
+                                        </p:tav>
+                                      </p:tavLst>
+                                    </p:anim>
+                                    <p:anim calcmode="lin" valueType="num">
+                                      <p:cBhvr>
+                                        <p:cTn id="9" dur="664" tmFilter="0.0,0.0; 0.25,0.07; 0.50,0.2; 0.75,0.467; 1.0,1.0">
+                                          <p:stCondLst>
+                                            <p:cond delay="0"/>
+                                          </p:stCondLst>
+                                        </p:cTn>
+                                        <p:tgtEl>
+                                          <p:spTgt spid="10">
+                                            <p:txEl>
+                                              <p:pRg st="0" end="0"/>
+                                            </p:txEl>
+                                          </p:spTgt>
+                                        </p:tgtEl>
+                                        <p:attrNameLst>
+                                          <p:attrName>ppt_y</p:attrName>
+                                        </p:attrNameLst>
+                                      </p:cBhvr>
+                                      <p:tavLst>
+                                        <p:tav tm="0" fmla="#ppt_y-sin(pi*$)/3">
+                                          <p:val>
+                                            <p:fltVal val="0.5"/>
+                                          </p:val>
+                                        </p:tav>
+                                        <p:tav tm="100000">
+                                          <p:val>
+                                            <p:fltVal val="1"/>
+                                          </p:val>
+                                        </p:tav>
+                                      </p:tavLst>
+                                    </p:anim>
+                                    <p:anim calcmode="lin" valueType="num">
+                                      <p:cBhvr>
+                                        <p:cTn id="10" dur="664" tmFilter="0, 0; 0.125,0.2665; 0.25,0.4; 0.375,0.465; 0.5,0.5;  0.625,0.535; 0.75,0.6; 0.875,0.7335; 1,1">
+                                          <p:stCondLst>
+                                            <p:cond delay="664"/>
+                                          </p:stCondLst>
+                                        </p:cTn>
+                                        <p:tgtEl>
+                                          <p:spTgt spid="10">
+                                            <p:txEl>
+                                              <p:pRg st="0" end="0"/>
+                                            </p:txEl>
+                                          </p:spTgt>
+                                        </p:tgtEl>
+                                        <p:attrNameLst>
+                                          <p:attrName>ppt_y</p:attrName>
+                                        </p:attrNameLst>
+                                      </p:cBhvr>
+                                      <p:tavLst>
+                                        <p:tav tm="0" fmla="#ppt_y-sin(pi*$)/9">
+                                          <p:val>
+                                            <p:fltVal val="0"/>
+                                          </p:val>
+                                        </p:tav>
+                                        <p:tav tm="100000">
+                                          <p:val>
+                                            <p:fltVal val="1"/>
+                                          </p:val>
+                                        </p:tav>
+                                      </p:tavLst>
+                                    </p:anim>
+                                    <p:anim calcmode="lin" valueType="num">
+                                      <p:cBhvr>
+                                        <p:cTn id="11" dur="332" tmFilter="0, 0; 0.125,0.2665; 0.25,0.4; 0.375,0.465; 0.5,0.5;  0.625,0.535; 0.75,0.6; 0.875,0.7335; 1,1">
+                                          <p:stCondLst>
+                                            <p:cond delay="1324"/>
+                                          </p:stCondLst>
+                                        </p:cTn>
+                                        <p:tgtEl>
+                                          <p:spTgt spid="10">
+                                            <p:txEl>
+                                              <p:pRg st="0" end="0"/>
+                                            </p:txEl>
+                                          </p:spTgt>
+                                        </p:tgtEl>
+                                        <p:attrNameLst>
+                                          <p:attrName>ppt_y</p:attrName>
+                                        </p:attrNameLst>
+                                      </p:cBhvr>
+                                      <p:tavLst>
+                                        <p:tav tm="0" fmla="#ppt_y-sin(pi*$)/27">
+                                          <p:val>
+                                            <p:fltVal val="0"/>
+                                          </p:val>
+                                        </p:tav>
+                                        <p:tav tm="100000">
+                                          <p:val>
+                                            <p:fltVal val="1"/>
+                                          </p:val>
+                                        </p:tav>
+                                      </p:tavLst>
+                                    </p:anim>
+                                    <p:anim calcmode="lin" valueType="num">
+                                      <p:cBhvr>
+                                        <p:cTn id="12" dur="164" tmFilter="0, 0; 0.125,0.2665; 0.25,0.4; 0.375,0.465; 0.5,0.5;  0.625,0.535; 0.75,0.6; 0.875,0.7335; 1,1">
+                                          <p:stCondLst>
+                                            <p:cond delay="1656"/>
+                                          </p:stCondLst>
+                                        </p:cTn>
+                                        <p:tgtEl>
+                                          <p:spTgt spid="10">
+                                            <p:txEl>
+                                              <p:pRg st="0" end="0"/>
+                                            </p:txEl>
+                                          </p:spTgt>
+                                        </p:tgtEl>
+                                        <p:attrNameLst>
+                                          <p:attrName>ppt_y</p:attrName>
+                                        </p:attrNameLst>
+                                      </p:cBhvr>
+                                      <p:tavLst>
+                                        <p:tav tm="0" fmla="#ppt_y-sin(pi*$)/81">
+                                          <p:val>
+                                            <p:fltVal val="0"/>
+                                          </p:val>
+                                        </p:tav>
+                                        <p:tav tm="100000">
+                                          <p:val>
+                                            <p:fltVal val="1"/>
+                                          </p:val>
+                                        </p:tav>
+                                      </p:tavLst>
+                                    </p:anim>
+                                    <p:animScale>
+                                      <p:cBhvr>
+                                        <p:cTn id="13" dur="26">
+                                          <p:stCondLst>
+                                            <p:cond delay="650"/>
+                                          </p:stCondLst>
+                                        </p:cTn>
+                                        <p:tgtEl>
+                                          <p:spTgt spid="10">
+                                            <p:txEl>
+                                              <p:pRg st="0" end="0"/>
+                                            </p:txEl>
+                                          </p:spTgt>
+                                        </p:tgtEl>
+                                      </p:cBhvr>
+                                      <p:to x="100000" y="60000"/>
+                                    </p:animScale>
+                                    <p:animScale>
+                                      <p:cBhvr>
+                                        <p:cTn id="14" dur="166" decel="50000">
+                                          <p:stCondLst>
+                                            <p:cond delay="676"/>
+                                          </p:stCondLst>
+                                        </p:cTn>
+                                        <p:tgtEl>
+                                          <p:spTgt spid="10">
+                                            <p:txEl>
+                                              <p:pRg st="0" end="0"/>
+                                            </p:txEl>
+                                          </p:spTgt>
+                                        </p:tgtEl>
+                                      </p:cBhvr>
+                                      <p:to x="100000" y="100000"/>
+                                    </p:animScale>
+                                    <p:animScale>
+                                      <p:cBhvr>
+                                        <p:cTn id="15" dur="26">
+                                          <p:stCondLst>
+                                            <p:cond delay="1312"/>
+                                          </p:stCondLst>
+                                        </p:cTn>
+                                        <p:tgtEl>
+                                          <p:spTgt spid="10">
+                                            <p:txEl>
+                                              <p:pRg st="0" end="0"/>
+                                            </p:txEl>
+                                          </p:spTgt>
+                                        </p:tgtEl>
+                                      </p:cBhvr>
+                                      <p:to x="100000" y="80000"/>
+                                    </p:animScale>
+                                    <p:animScale>
+                                      <p:cBhvr>
+                                        <p:cTn id="16" dur="166" decel="50000">
+                                          <p:stCondLst>
+                                            <p:cond delay="1338"/>
+                                          </p:stCondLst>
+                                        </p:cTn>
+                                        <p:tgtEl>
+                                          <p:spTgt spid="10">
+                                            <p:txEl>
+                                              <p:pRg st="0" end="0"/>
+                                            </p:txEl>
+                                          </p:spTgt>
+                                        </p:tgtEl>
+                                      </p:cBhvr>
+                                      <p:to x="100000" y="100000"/>
+                                    </p:animScale>
+                                    <p:animScale>
+                                      <p:cBhvr>
+                                        <p:cTn id="17" dur="26">
+                                          <p:stCondLst>
+                                            <p:cond delay="1642"/>
+                                          </p:stCondLst>
+                                        </p:cTn>
+                                        <p:tgtEl>
+                                          <p:spTgt spid="10">
+                                            <p:txEl>
+                                              <p:pRg st="0" end="0"/>
+                                            </p:txEl>
+                                          </p:spTgt>
+                                        </p:tgtEl>
+                                      </p:cBhvr>
+                                      <p:to x="100000" y="90000"/>
+                                    </p:animScale>
+                                    <p:animScale>
+                                      <p:cBhvr>
+                                        <p:cTn id="18" dur="166" decel="50000">
+                                          <p:stCondLst>
+                                            <p:cond delay="1668"/>
+                                          </p:stCondLst>
+                                        </p:cTn>
+                                        <p:tgtEl>
+                                          <p:spTgt spid="10">
+                                            <p:txEl>
+                                              <p:pRg st="0" end="0"/>
+                                            </p:txEl>
+                                          </p:spTgt>
+                                        </p:tgtEl>
+                                      </p:cBhvr>
+                                      <p:to x="100000" y="100000"/>
+                                    </p:animScale>
+                                    <p:animScale>
+                                      <p:cBhvr>
+                                        <p:cTn id="19" dur="26">
+                                          <p:stCondLst>
+                                            <p:cond delay="1808"/>
+                                          </p:stCondLst>
+                                        </p:cTn>
+                                        <p:tgtEl>
+                                          <p:spTgt spid="10">
+                                            <p:txEl>
+                                              <p:pRg st="0" end="0"/>
+                                            </p:txEl>
+                                          </p:spTgt>
+                                        </p:tgtEl>
+                                      </p:cBhvr>
+                                      <p:to x="100000" y="95000"/>
+                                    </p:animScale>
+                                    <p:animScale>
+                                      <p:cBhvr>
+                                        <p:cTn id="20" dur="166" decel="50000">
+                                          <p:stCondLst>
+                                            <p:cond delay="1834"/>
+                                          </p:stCondLst>
+                                        </p:cTn>
+                                        <p:tgtEl>
+                                          <p:spTgt spid="10">
+                                            <p:txEl>
+                                              <p:pRg st="0" end="0"/>
+                                            </p:txEl>
+                                          </p:spTgt>
+                                        </p:tgtEl>
+                                      </p:cBhvr>
+                                      <p:to x="100000" y="100000"/>
+                                    </p:animScale>
+                                  </p:childTnLst>
+                                </p:cTn>
+                              </p:par>
+                            </p:childTnLst>
+                          </p:cTn>
+                        </p:par>
+                      </p:childTnLst>
+                    </p:cTn>
+                  </p:par>
+                  <p:par>
+                    <p:cTn id="21" fill="hold">
+                      <p:stCondLst>
+                        <p:cond delay="indefinite"/>
+                      </p:stCondLst>
+                      <p:childTnLst>
+                        <p:par>
+                          <p:cTn id="22" fill="hold">
+                            <p:stCondLst>
+                              <p:cond delay="0"/>
+                            </p:stCondLst>
+                            <p:childTnLst>
+                              <p:par>
+                                <p:cTn id="23" presetID="26" presetClass="entr" presetSubtype="0" fill="hold" grpId="0" nodeType="clickEffect">
+                                  <p:stCondLst>
+                                    <p:cond delay="0"/>
+                                  </p:stCondLst>
+                                  <p:childTnLst>
+                                    <p:set>
+                                      <p:cBhvr>
+                                        <p:cTn id="24" dur="1" fill="hold">
+                                          <p:stCondLst>
+                                            <p:cond delay="0"/>
+                                          </p:stCondLst>
+                                        </p:cTn>
+                                        <p:tgtEl>
+                                          <p:spTgt spid="10">
+                                            <p:txEl>
+                                              <p:pRg st="1" end="1"/>
+                                            </p:txEl>
+                                          </p:spTgt>
+                                        </p:tgtEl>
+                                        <p:attrNameLst>
+                                          <p:attrName>style.visibility</p:attrName>
+                                        </p:attrNameLst>
+                                      </p:cBhvr>
+                                      <p:to>
+                                        <p:strVal val="visible"/>
+                                      </p:to>
+                                    </p:set>
+                                    <p:animEffect transition="in" filter="wipe(down)">
+                                      <p:cBhvr>
+                                        <p:cTn id="25" dur="580">
+                                          <p:stCondLst>
+                                            <p:cond delay="0"/>
+                                          </p:stCondLst>
+                                        </p:cTn>
+                                        <p:tgtEl>
+                                          <p:spTgt spid="10">
+                                            <p:txEl>
+                                              <p:pRg st="1" end="1"/>
+                                            </p:txEl>
+                                          </p:spTgt>
+                                        </p:tgtEl>
+                                      </p:cBhvr>
+                                    </p:animEffect>
+                                    <p:anim calcmode="lin" valueType="num">
+                                      <p:cBhvr>
+                                        <p:cTn id="26" dur="1822" tmFilter="0,0; 0.14,0.36; 0.43,0.73; 0.71,0.91; 1.0,1.0">
+                                          <p:stCondLst>
+                                            <p:cond delay="0"/>
+                                          </p:stCondLst>
+                                        </p:cTn>
+                                        <p:tgtEl>
+                                          <p:spTgt spid="10">
+                                            <p:txEl>
+                                              <p:pRg st="1" end="1"/>
+                                            </p:txEl>
+                                          </p:spTgt>
+                                        </p:tgtEl>
+                                        <p:attrNameLst>
+                                          <p:attrName>ppt_x</p:attrName>
+                                        </p:attrNameLst>
+                                      </p:cBhvr>
+                                      <p:tavLst>
+                                        <p:tav tm="0">
+                                          <p:val>
+                                            <p:strVal val="#ppt_x-0.25"/>
+                                          </p:val>
+                                        </p:tav>
+                                        <p:tav tm="100000">
+                                          <p:val>
+                                            <p:strVal val="#ppt_x"/>
+                                          </p:val>
+                                        </p:tav>
+                                      </p:tavLst>
+                                    </p:anim>
+                                    <p:anim calcmode="lin" valueType="num">
+                                      <p:cBhvr>
+                                        <p:cTn id="27" dur="664" tmFilter="0.0,0.0; 0.25,0.07; 0.50,0.2; 0.75,0.467; 1.0,1.0">
+                                          <p:stCondLst>
+                                            <p:cond delay="0"/>
+                                          </p:stCondLst>
+                                        </p:cTn>
+                                        <p:tgtEl>
+                                          <p:spTgt spid="10">
+                                            <p:txEl>
+                                              <p:pRg st="1" end="1"/>
+                                            </p:txEl>
+                                          </p:spTgt>
+                                        </p:tgtEl>
+                                        <p:attrNameLst>
+                                          <p:attrName>ppt_y</p:attrName>
+                                        </p:attrNameLst>
+                                      </p:cBhvr>
+                                      <p:tavLst>
+                                        <p:tav tm="0" fmla="#ppt_y-sin(pi*$)/3">
+                                          <p:val>
+                                            <p:fltVal val="0.5"/>
+                                          </p:val>
+                                        </p:tav>
+                                        <p:tav tm="100000">
+                                          <p:val>
+                                            <p:fltVal val="1"/>
+                                          </p:val>
+                                        </p:tav>
+                                      </p:tavLst>
+                                    </p:anim>
+                                    <p:anim calcmode="lin" valueType="num">
+                                      <p:cBhvr>
+                                        <p:cTn id="28" dur="664" tmFilter="0, 0; 0.125,0.2665; 0.25,0.4; 0.375,0.465; 0.5,0.5;  0.625,0.535; 0.75,0.6; 0.875,0.7335; 1,1">
+                                          <p:stCondLst>
+                                            <p:cond delay="664"/>
+                                          </p:stCondLst>
+                                        </p:cTn>
+                                        <p:tgtEl>
+                                          <p:spTgt spid="10">
+                                            <p:txEl>
+                                              <p:pRg st="1" end="1"/>
+                                            </p:txEl>
+                                          </p:spTgt>
+                                        </p:tgtEl>
+                                        <p:attrNameLst>
+                                          <p:attrName>ppt_y</p:attrName>
+                                        </p:attrNameLst>
+                                      </p:cBhvr>
+                                      <p:tavLst>
+                                        <p:tav tm="0" fmla="#ppt_y-sin(pi*$)/9">
+                                          <p:val>
+                                            <p:fltVal val="0"/>
+                                          </p:val>
+                                        </p:tav>
+                                        <p:tav tm="100000">
+                                          <p:val>
+                                            <p:fltVal val="1"/>
+                                          </p:val>
+                                        </p:tav>
+                                      </p:tavLst>
+                                    </p:anim>
+                                    <p:anim calcmode="lin" valueType="num">
+                                      <p:cBhvr>
+                                        <p:cTn id="29" dur="332" tmFilter="0, 0; 0.125,0.2665; 0.25,0.4; 0.375,0.465; 0.5,0.5;  0.625,0.535; 0.75,0.6; 0.875,0.7335; 1,1">
+                                          <p:stCondLst>
+                                            <p:cond delay="1324"/>
+                                          </p:stCondLst>
+                                        </p:cTn>
+                                        <p:tgtEl>
+                                          <p:spTgt spid="10">
+                                            <p:txEl>
+                                              <p:pRg st="1" end="1"/>
+                                            </p:txEl>
+                                          </p:spTgt>
+                                        </p:tgtEl>
+                                        <p:attrNameLst>
+                                          <p:attrName>ppt_y</p:attrName>
+                                        </p:attrNameLst>
+                                      </p:cBhvr>
+                                      <p:tavLst>
+                                        <p:tav tm="0" fmla="#ppt_y-sin(pi*$)/27">
+                                          <p:val>
+                                            <p:fltVal val="0"/>
+                                          </p:val>
+                                        </p:tav>
+                                        <p:tav tm="100000">
+                                          <p:val>
+                                            <p:fltVal val="1"/>
+                                          </p:val>
+                                        </p:tav>
+                                      </p:tavLst>
+                                    </p:anim>
+                                    <p:anim calcmode="lin" valueType="num">
+                                      <p:cBhvr>
+                                        <p:cTn id="30" dur="164" tmFilter="0, 0; 0.125,0.2665; 0.25,0.4; 0.375,0.465; 0.5,0.5;  0.625,0.535; 0.75,0.6; 0.875,0.7335; 1,1">
+                                          <p:stCondLst>
+                                            <p:cond delay="1656"/>
+                                          </p:stCondLst>
+                                        </p:cTn>
+                                        <p:tgtEl>
+                                          <p:spTgt spid="10">
+                                            <p:txEl>
+                                              <p:pRg st="1" end="1"/>
+                                            </p:txEl>
+                                          </p:spTgt>
+                                        </p:tgtEl>
+                                        <p:attrNameLst>
+                                          <p:attrName>ppt_y</p:attrName>
+                                        </p:attrNameLst>
+                                      </p:cBhvr>
+                                      <p:tavLst>
+                                        <p:tav tm="0" fmla="#ppt_y-sin(pi*$)/81">
+                                          <p:val>
+                                            <p:fltVal val="0"/>
+                                          </p:val>
+                                        </p:tav>
+                                        <p:tav tm="100000">
+                                          <p:val>
+                                            <p:fltVal val="1"/>
+                                          </p:val>
+                                        </p:tav>
+                                      </p:tavLst>
+                                    </p:anim>
+                                    <p:animScale>
+                                      <p:cBhvr>
+                                        <p:cTn id="31" dur="26">
+                                          <p:stCondLst>
+                                            <p:cond delay="650"/>
+                                          </p:stCondLst>
+                                        </p:cTn>
+                                        <p:tgtEl>
+                                          <p:spTgt spid="10">
+                                            <p:txEl>
+                                              <p:pRg st="1" end="1"/>
+                                            </p:txEl>
+                                          </p:spTgt>
+                                        </p:tgtEl>
+                                      </p:cBhvr>
+                                      <p:to x="100000" y="60000"/>
+                                    </p:animScale>
+                                    <p:animScale>
+                                      <p:cBhvr>
+                                        <p:cTn id="32" dur="166" decel="50000">
+                                          <p:stCondLst>
+                                            <p:cond delay="676"/>
+                                          </p:stCondLst>
+                                        </p:cTn>
+                                        <p:tgtEl>
+                                          <p:spTgt spid="10">
+                                            <p:txEl>
+                                              <p:pRg st="1" end="1"/>
+                                            </p:txEl>
+                                          </p:spTgt>
+                                        </p:tgtEl>
+                                      </p:cBhvr>
+                                      <p:to x="100000" y="100000"/>
+                                    </p:animScale>
+                                    <p:animScale>
+                                      <p:cBhvr>
+                                        <p:cTn id="33" dur="26">
+                                          <p:stCondLst>
+                                            <p:cond delay="1312"/>
+                                          </p:stCondLst>
+                                        </p:cTn>
+                                        <p:tgtEl>
+                                          <p:spTgt spid="10">
+                                            <p:txEl>
+                                              <p:pRg st="1" end="1"/>
+                                            </p:txEl>
+                                          </p:spTgt>
+                                        </p:tgtEl>
+                                      </p:cBhvr>
+                                      <p:to x="100000" y="80000"/>
+                                    </p:animScale>
+                                    <p:animScale>
+                                      <p:cBhvr>
+                                        <p:cTn id="34" dur="166" decel="50000">
+                                          <p:stCondLst>
+                                            <p:cond delay="1338"/>
+                                          </p:stCondLst>
+                                        </p:cTn>
+                                        <p:tgtEl>
+                                          <p:spTgt spid="10">
+                                            <p:txEl>
+                                              <p:pRg st="1" end="1"/>
+                                            </p:txEl>
+                                          </p:spTgt>
+                                        </p:tgtEl>
+                                      </p:cBhvr>
+                                      <p:to x="100000" y="100000"/>
+                                    </p:animScale>
+                                    <p:animScale>
+                                      <p:cBhvr>
+                                        <p:cTn id="35" dur="26">
+                                          <p:stCondLst>
+                                            <p:cond delay="1642"/>
+                                          </p:stCondLst>
+                                        </p:cTn>
+                                        <p:tgtEl>
+                                          <p:spTgt spid="10">
+                                            <p:txEl>
+                                              <p:pRg st="1" end="1"/>
+                                            </p:txEl>
+                                          </p:spTgt>
+                                        </p:tgtEl>
+                                      </p:cBhvr>
+                                      <p:to x="100000" y="90000"/>
+                                    </p:animScale>
+                                    <p:animScale>
+                                      <p:cBhvr>
+                                        <p:cTn id="36" dur="166" decel="50000">
+                                          <p:stCondLst>
+                                            <p:cond delay="1668"/>
+                                          </p:stCondLst>
+                                        </p:cTn>
+                                        <p:tgtEl>
+                                          <p:spTgt spid="10">
+                                            <p:txEl>
+                                              <p:pRg st="1" end="1"/>
+                                            </p:txEl>
+                                          </p:spTgt>
+                                        </p:tgtEl>
+                                      </p:cBhvr>
+                                      <p:to x="100000" y="100000"/>
+                                    </p:animScale>
+                                    <p:animScale>
+                                      <p:cBhvr>
+                                        <p:cTn id="37" dur="26">
+                                          <p:stCondLst>
+                                            <p:cond delay="1808"/>
+                                          </p:stCondLst>
+                                        </p:cTn>
+                                        <p:tgtEl>
+                                          <p:spTgt spid="10">
+                                            <p:txEl>
+                                              <p:pRg st="1" end="1"/>
+                                            </p:txEl>
+                                          </p:spTgt>
+                                        </p:tgtEl>
+                                      </p:cBhvr>
+                                      <p:to x="100000" y="95000"/>
+                                    </p:animScale>
+                                    <p:animScale>
+                                      <p:cBhvr>
+                                        <p:cTn id="38" dur="166" decel="50000">
+                                          <p:stCondLst>
+                                            <p:cond delay="1834"/>
+                                          </p:stCondLst>
+                                        </p:cTn>
+                                        <p:tgtEl>
+                                          <p:spTgt spid="10">
+                                            <p:txEl>
+                                              <p:pRg st="1" end="1"/>
+                                            </p:txEl>
+                                          </p:spTgt>
+                                        </p:tgtEl>
+                                      </p:cBhvr>
+                                      <p:to x="100000" y="100000"/>
+                                    </p:animScale>
+                                  </p:childTnLst>
+                                </p:cTn>
+                              </p:par>
+                            </p:childTnLst>
+                          </p:cTn>
+                        </p:par>
+                      </p:childTnLst>
+                    </p:cTn>
+                  </p:par>
+                  <p:par>
+                    <p:cTn id="39" fill="hold">
+                      <p:stCondLst>
+                        <p:cond delay="indefinite"/>
+                      </p:stCondLst>
+                      <p:childTnLst>
+                        <p:par>
+                          <p:cTn id="40" fill="hold">
+                            <p:stCondLst>
+                              <p:cond delay="0"/>
+                            </p:stCondLst>
+                            <p:childTnLst>
+                              <p:par>
+                                <p:cTn id="41" presetID="26" presetClass="entr" presetSubtype="0" fill="hold" grpId="0" nodeType="clickEffect">
+                                  <p:stCondLst>
+                                    <p:cond delay="0"/>
+                                  </p:stCondLst>
+                                  <p:childTnLst>
+                                    <p:set>
+                                      <p:cBhvr>
+                                        <p:cTn id="42" dur="1" fill="hold">
+                                          <p:stCondLst>
+                                            <p:cond delay="0"/>
+                                          </p:stCondLst>
+                                        </p:cTn>
+                                        <p:tgtEl>
+                                          <p:spTgt spid="10">
+                                            <p:txEl>
+                                              <p:pRg st="2" end="2"/>
+                                            </p:txEl>
+                                          </p:spTgt>
+                                        </p:tgtEl>
+                                        <p:attrNameLst>
+                                          <p:attrName>style.visibility</p:attrName>
+                                        </p:attrNameLst>
+                                      </p:cBhvr>
+                                      <p:to>
+                                        <p:strVal val="visible"/>
+                                      </p:to>
+                                    </p:set>
+                                    <p:animEffect transition="in" filter="wipe(down)">
+                                      <p:cBhvr>
+                                        <p:cTn id="43" dur="580">
+                                          <p:stCondLst>
+                                            <p:cond delay="0"/>
+                                          </p:stCondLst>
+                                        </p:cTn>
+                                        <p:tgtEl>
+                                          <p:spTgt spid="10">
+                                            <p:txEl>
+                                              <p:pRg st="2" end="2"/>
+                                            </p:txEl>
+                                          </p:spTgt>
+                                        </p:tgtEl>
+                                      </p:cBhvr>
+                                    </p:animEffect>
+                                    <p:anim calcmode="lin" valueType="num">
+                                      <p:cBhvr>
+                                        <p:cTn id="44" dur="1822" tmFilter="0,0; 0.14,0.36; 0.43,0.73; 0.71,0.91; 1.0,1.0">
+                                          <p:stCondLst>
+                                            <p:cond delay="0"/>
+                                          </p:stCondLst>
+                                        </p:cTn>
+                                        <p:tgtEl>
+                                          <p:spTgt spid="10">
+                                            <p:txEl>
+                                              <p:pRg st="2" end="2"/>
+                                            </p:txEl>
+                                          </p:spTgt>
+                                        </p:tgtEl>
+                                        <p:attrNameLst>
+                                          <p:attrName>ppt_x</p:attrName>
+                                        </p:attrNameLst>
+                                      </p:cBhvr>
+                                      <p:tavLst>
+                                        <p:tav tm="0">
+                                          <p:val>
+                                            <p:strVal val="#ppt_x-0.25"/>
+                                          </p:val>
+                                        </p:tav>
+                                        <p:tav tm="100000">
+                                          <p:val>
+                                            <p:strVal val="#ppt_x"/>
+                                          </p:val>
+                                        </p:tav>
+                                      </p:tavLst>
+                                    </p:anim>
+                                    <p:anim calcmode="lin" valueType="num">
+                                      <p:cBhvr>
+                                        <p:cTn id="45" dur="664" tmFilter="0.0,0.0; 0.25,0.07; 0.50,0.2; 0.75,0.467; 1.0,1.0">
+                                          <p:stCondLst>
+                                            <p:cond delay="0"/>
+                                          </p:stCondLst>
+                                        </p:cTn>
+                                        <p:tgtEl>
+                                          <p:spTgt spid="10">
+                                            <p:txEl>
+                                              <p:pRg st="2" end="2"/>
+                                            </p:txEl>
+                                          </p:spTgt>
+                                        </p:tgtEl>
+                                        <p:attrNameLst>
+                                          <p:attrName>ppt_y</p:attrName>
+                                        </p:attrNameLst>
+                                      </p:cBhvr>
+                                      <p:tavLst>
+                                        <p:tav tm="0" fmla="#ppt_y-sin(pi*$)/3">
+                                          <p:val>
+                                            <p:fltVal val="0.5"/>
+                                          </p:val>
+                                        </p:tav>
+                                        <p:tav tm="100000">
+                                          <p:val>
+                                            <p:fltVal val="1"/>
+                                          </p:val>
+                                        </p:tav>
+                                      </p:tavLst>
+                                    </p:anim>
+                                    <p:anim calcmode="lin" valueType="num">
+                                      <p:cBhvr>
+                                        <p:cTn id="46" dur="664" tmFilter="0, 0; 0.125,0.2665; 0.25,0.4; 0.375,0.465; 0.5,0.5;  0.625,0.535; 0.75,0.6; 0.875,0.7335; 1,1">
+                                          <p:stCondLst>
+                                            <p:cond delay="664"/>
+                                          </p:stCondLst>
+                                        </p:cTn>
+                                        <p:tgtEl>
+                                          <p:spTgt spid="10">
+                                            <p:txEl>
+                                              <p:pRg st="2" end="2"/>
+                                            </p:txEl>
+                                          </p:spTgt>
+                                        </p:tgtEl>
+                                        <p:attrNameLst>
+                                          <p:attrName>ppt_y</p:attrName>
+                                        </p:attrNameLst>
+                                      </p:cBhvr>
+                                      <p:tavLst>
+                                        <p:tav tm="0" fmla="#ppt_y-sin(pi*$)/9">
+                                          <p:val>
+                                            <p:fltVal val="0"/>
+                                          </p:val>
+                                        </p:tav>
+                                        <p:tav tm="100000">
+                                          <p:val>
+                                            <p:fltVal val="1"/>
+                                          </p:val>
+                                        </p:tav>
+                                      </p:tavLst>
+                                    </p:anim>
+                                    <p:anim calcmode="lin" valueType="num">
+                                      <p:cBhvr>
+                                        <p:cTn id="47" dur="332" tmFilter="0, 0; 0.125,0.2665; 0.25,0.4; 0.375,0.465; 0.5,0.5;  0.625,0.535; 0.75,0.6; 0.875,0.7335; 1,1">
+                                          <p:stCondLst>
+                                            <p:cond delay="1324"/>
+                                          </p:stCondLst>
+                                        </p:cTn>
+                                        <p:tgtEl>
+                                          <p:spTgt spid="10">
+                                            <p:txEl>
+                                              <p:pRg st="2" end="2"/>
+                                            </p:txEl>
+                                          </p:spTgt>
+                                        </p:tgtEl>
+                                        <p:attrNameLst>
+                                          <p:attrName>ppt_y</p:attrName>
+                                        </p:attrNameLst>
+                                      </p:cBhvr>
+                                      <p:tavLst>
+                                        <p:tav tm="0" fmla="#ppt_y-sin(pi*$)/27">
+                                          <p:val>
+                                            <p:fltVal val="0"/>
+                                          </p:val>
+                                        </p:tav>
+                                        <p:tav tm="100000">
+                                          <p:val>
+                                            <p:fltVal val="1"/>
+                                          </p:val>
+                                        </p:tav>
+                                      </p:tavLst>
+                                    </p:anim>
+                                    <p:anim calcmode="lin" valueType="num">
+                                      <p:cBhvr>
+                                        <p:cTn id="48" dur="164" tmFilter="0, 0; 0.125,0.2665; 0.25,0.4; 0.375,0.465; 0.5,0.5;  0.625,0.535; 0.75,0.6; 0.875,0.7335; 1,1">
+                                          <p:stCondLst>
+                                            <p:cond delay="1656"/>
+                                          </p:stCondLst>
+                                        </p:cTn>
+                                        <p:tgtEl>
+                                          <p:spTgt spid="10">
+                                            <p:txEl>
+                                              <p:pRg st="2" end="2"/>
+                                            </p:txEl>
+                                          </p:spTgt>
+                                        </p:tgtEl>
+                                        <p:attrNameLst>
+                                          <p:attrName>ppt_y</p:attrName>
+                                        </p:attrNameLst>
+                                      </p:cBhvr>
+                                      <p:tavLst>
+                                        <p:tav tm="0" fmla="#ppt_y-sin(pi*$)/81">
+                                          <p:val>
+                                            <p:fltVal val="0"/>
+                                          </p:val>
+                                        </p:tav>
+                                        <p:tav tm="100000">
+                                          <p:val>
+                                            <p:fltVal val="1"/>
+                                          </p:val>
+                                        </p:tav>
+                                      </p:tavLst>
+                                    </p:anim>
+                                    <p:animScale>
+                                      <p:cBhvr>
+                                        <p:cTn id="49" dur="26">
+                                          <p:stCondLst>
+                                            <p:cond delay="650"/>
+                                          </p:stCondLst>
+                                        </p:cTn>
+                                        <p:tgtEl>
+                                          <p:spTgt spid="10">
+                                            <p:txEl>
+                                              <p:pRg st="2" end="2"/>
+                                            </p:txEl>
+                                          </p:spTgt>
+                                        </p:tgtEl>
+                                      </p:cBhvr>
+                                      <p:to x="100000" y="60000"/>
+                                    </p:animScale>
+                                    <p:animScale>
+                                      <p:cBhvr>
+                                        <p:cTn id="50" dur="166" decel="50000">
+                                          <p:stCondLst>
+                                            <p:cond delay="676"/>
+                                          </p:stCondLst>
+                                        </p:cTn>
+                                        <p:tgtEl>
+                                          <p:spTgt spid="10">
+                                            <p:txEl>
+                                              <p:pRg st="2" end="2"/>
+                                            </p:txEl>
+                                          </p:spTgt>
+                                        </p:tgtEl>
+                                      </p:cBhvr>
+                                      <p:to x="100000" y="100000"/>
+                                    </p:animScale>
+                                    <p:animScale>
+                                      <p:cBhvr>
+                                        <p:cTn id="51" dur="26">
+                                          <p:stCondLst>
+                                            <p:cond delay="1312"/>
+                                          </p:stCondLst>
+                                        </p:cTn>
+                                        <p:tgtEl>
+                                          <p:spTgt spid="10">
+                                            <p:txEl>
+                                              <p:pRg st="2" end="2"/>
+                                            </p:txEl>
+                                          </p:spTgt>
+                                        </p:tgtEl>
+                                      </p:cBhvr>
+                                      <p:to x="100000" y="80000"/>
+                                    </p:animScale>
+                                    <p:animScale>
+                                      <p:cBhvr>
+                                        <p:cTn id="52" dur="166" decel="50000">
+                                          <p:stCondLst>
+                                            <p:cond delay="1338"/>
+                                          </p:stCondLst>
+                                        </p:cTn>
+                                        <p:tgtEl>
+                                          <p:spTgt spid="10">
+                                            <p:txEl>
+                                              <p:pRg st="2" end="2"/>
+                                            </p:txEl>
+                                          </p:spTgt>
+                                        </p:tgtEl>
+                                      </p:cBhvr>
+                                      <p:to x="100000" y="100000"/>
+                                    </p:animScale>
+                                    <p:animScale>
+                                      <p:cBhvr>
+                                        <p:cTn id="53" dur="26">
+                                          <p:stCondLst>
+                                            <p:cond delay="1642"/>
+                                          </p:stCondLst>
+                                        </p:cTn>
+                                        <p:tgtEl>
+                                          <p:spTgt spid="10">
+                                            <p:txEl>
+                                              <p:pRg st="2" end="2"/>
+                                            </p:txEl>
+                                          </p:spTgt>
+                                        </p:tgtEl>
+                                      </p:cBhvr>
+                                      <p:to x="100000" y="90000"/>
+                                    </p:animScale>
+                                    <p:animScale>
+                                      <p:cBhvr>
+                                        <p:cTn id="54" dur="166" decel="50000">
+                                          <p:stCondLst>
+                                            <p:cond delay="1668"/>
+                                          </p:stCondLst>
+                                        </p:cTn>
+                                        <p:tgtEl>
+                                          <p:spTgt spid="10">
+                                            <p:txEl>
+                                              <p:pRg st="2" end="2"/>
+                                            </p:txEl>
+                                          </p:spTgt>
+                                        </p:tgtEl>
+                                      </p:cBhvr>
+                                      <p:to x="100000" y="100000"/>
+                                    </p:animScale>
+                                    <p:animScale>
+                                      <p:cBhvr>
+                                        <p:cTn id="55" dur="26">
+                                          <p:stCondLst>
+                                            <p:cond delay="1808"/>
+                                          </p:stCondLst>
+                                        </p:cTn>
+                                        <p:tgtEl>
+                                          <p:spTgt spid="10">
+                                            <p:txEl>
+                                              <p:pRg st="2" end="2"/>
+                                            </p:txEl>
+                                          </p:spTgt>
+                                        </p:tgtEl>
+                                      </p:cBhvr>
+                                      <p:to x="100000" y="95000"/>
+                                    </p:animScale>
+                                    <p:animScale>
+                                      <p:cBhvr>
+                                        <p:cTn id="56" dur="166" decel="50000">
+                                          <p:stCondLst>
+                                            <p:cond delay="1834"/>
+                                          </p:stCondLst>
+                                        </p:cTn>
+                                        <p:tgtEl>
+                                          <p:spTgt spid="10">
+                                            <p:txEl>
+                                              <p:pRg st="2" end="2"/>
+                                            </p:txEl>
+                                          </p:spTgt>
+                                        </p:tgtEl>
+                                      </p:cBhvr>
+                                      <p:to x="100000" y="100000"/>
+                                    </p:animScale>
+                                  </p:childTnLst>
+                                </p:cTn>
+                              </p:par>
+                            </p:childTnLst>
+                          </p:cTn>
+                        </p:par>
+                      </p:childTnLst>
+                    </p:cTn>
+                  </p:par>
+                  <p:par>
+                    <p:cTn id="57" fill="hold">
+                      <p:stCondLst>
+                        <p:cond delay="indefinite"/>
+                      </p:stCondLst>
+                      <p:childTnLst>
+                        <p:par>
+                          <p:cTn id="58" fill="hold">
+                            <p:stCondLst>
+                              <p:cond delay="0"/>
+                            </p:stCondLst>
+                            <p:childTnLst>
+                              <p:par>
+                                <p:cTn id="59" presetID="26" presetClass="entr" presetSubtype="0" fill="hold" grpId="0" nodeType="clickEffect">
+                                  <p:stCondLst>
+                                    <p:cond delay="0"/>
+                                  </p:stCondLst>
+                                  <p:childTnLst>
+                                    <p:set>
+                                      <p:cBhvr>
+                                        <p:cTn id="60" dur="1" fill="hold">
+                                          <p:stCondLst>
+                                            <p:cond delay="0"/>
+                                          </p:stCondLst>
+                                        </p:cTn>
+                                        <p:tgtEl>
+                                          <p:spTgt spid="10">
+                                            <p:txEl>
+                                              <p:pRg st="3" end="3"/>
+                                            </p:txEl>
+                                          </p:spTgt>
+                                        </p:tgtEl>
+                                        <p:attrNameLst>
+                                          <p:attrName>style.visibility</p:attrName>
+                                        </p:attrNameLst>
+                                      </p:cBhvr>
+                                      <p:to>
+                                        <p:strVal val="visible"/>
+                                      </p:to>
+                                    </p:set>
+                                    <p:animEffect transition="in" filter="wipe(down)">
+                                      <p:cBhvr>
+                                        <p:cTn id="61" dur="580">
+                                          <p:stCondLst>
+                                            <p:cond delay="0"/>
+                                          </p:stCondLst>
+                                        </p:cTn>
+                                        <p:tgtEl>
+                                          <p:spTgt spid="10">
+                                            <p:txEl>
+                                              <p:pRg st="3" end="3"/>
+                                            </p:txEl>
+                                          </p:spTgt>
+                                        </p:tgtEl>
+                                      </p:cBhvr>
+                                    </p:animEffect>
+                                    <p:anim calcmode="lin" valueType="num">
+                                      <p:cBhvr>
+                                        <p:cTn id="62" dur="1822" tmFilter="0,0; 0.14,0.36; 0.43,0.73; 0.71,0.91; 1.0,1.0">
+                                          <p:stCondLst>
+                                            <p:cond delay="0"/>
+                                          </p:stCondLst>
+                                        </p:cTn>
+                                        <p:tgtEl>
+                                          <p:spTgt spid="10">
+                                            <p:txEl>
+                                              <p:pRg st="3" end="3"/>
+                                            </p:txEl>
+                                          </p:spTgt>
+                                        </p:tgtEl>
+                                        <p:attrNameLst>
+                                          <p:attrName>ppt_x</p:attrName>
+                                        </p:attrNameLst>
+                                      </p:cBhvr>
+                                      <p:tavLst>
+                                        <p:tav tm="0">
+                                          <p:val>
+                                            <p:strVal val="#ppt_x-0.25"/>
+                                          </p:val>
+                                        </p:tav>
+                                        <p:tav tm="100000">
+                                          <p:val>
+                                            <p:strVal val="#ppt_x"/>
+                                          </p:val>
+                                        </p:tav>
+                                      </p:tavLst>
+                                    </p:anim>
+                                    <p:anim calcmode="lin" valueType="num">
+                                      <p:cBhvr>
+                                        <p:cTn id="63" dur="664" tmFilter="0.0,0.0; 0.25,0.07; 0.50,0.2; 0.75,0.467; 1.0,1.0">
+                                          <p:stCondLst>
+                                            <p:cond delay="0"/>
+                                          </p:stCondLst>
+                                        </p:cTn>
+                                        <p:tgtEl>
+                                          <p:spTgt spid="10">
+                                            <p:txEl>
+                                              <p:pRg st="3" end="3"/>
+                                            </p:txEl>
+                                          </p:spTgt>
+                                        </p:tgtEl>
+                                        <p:attrNameLst>
+                                          <p:attrName>ppt_y</p:attrName>
+                                        </p:attrNameLst>
+                                      </p:cBhvr>
+                                      <p:tavLst>
+                                        <p:tav tm="0" fmla="#ppt_y-sin(pi*$)/3">
+                                          <p:val>
+                                            <p:fltVal val="0.5"/>
+                                          </p:val>
+                                        </p:tav>
+                                        <p:tav tm="100000">
+                                          <p:val>
+                                            <p:fltVal val="1"/>
+                                          </p:val>
+                                        </p:tav>
+                                      </p:tavLst>
+                                    </p:anim>
+                                    <p:anim calcmode="lin" valueType="num">
+                                      <p:cBhvr>
+                                        <p:cTn id="64" dur="664" tmFilter="0, 0; 0.125,0.2665; 0.25,0.4; 0.375,0.465; 0.5,0.5;  0.625,0.535; 0.75,0.6; 0.875,0.7335; 1,1">
+                                          <p:stCondLst>
+                                            <p:cond delay="664"/>
+                                          </p:stCondLst>
+                                        </p:cTn>
+                                        <p:tgtEl>
+                                          <p:spTgt spid="10">
+                                            <p:txEl>
+                                              <p:pRg st="3" end="3"/>
+                                            </p:txEl>
+                                          </p:spTgt>
+                                        </p:tgtEl>
+                                        <p:attrNameLst>
+                                          <p:attrName>ppt_y</p:attrName>
+                                        </p:attrNameLst>
+                                      </p:cBhvr>
+                                      <p:tavLst>
+                                        <p:tav tm="0" fmla="#ppt_y-sin(pi*$)/9">
+                                          <p:val>
+                                            <p:fltVal val="0"/>
+                                          </p:val>
+                                        </p:tav>
+                                        <p:tav tm="100000">
+                                          <p:val>
+                                            <p:fltVal val="1"/>
+                                          </p:val>
+                                        </p:tav>
+                                      </p:tavLst>
+                                    </p:anim>
+                                    <p:anim calcmode="lin" valueType="num">
+                                      <p:cBhvr>
+                                        <p:cTn id="65" dur="332" tmFilter="0, 0; 0.125,0.2665; 0.25,0.4; 0.375,0.465; 0.5,0.5;  0.625,0.535; 0.75,0.6; 0.875,0.7335; 1,1">
+                                          <p:stCondLst>
+                                            <p:cond delay="1324"/>
+                                          </p:stCondLst>
+                                        </p:cTn>
+                                        <p:tgtEl>
+                                          <p:spTgt spid="10">
+                                            <p:txEl>
+                                              <p:pRg st="3" end="3"/>
+                                            </p:txEl>
+                                          </p:spTgt>
+                                        </p:tgtEl>
+                                        <p:attrNameLst>
+                                          <p:attrName>ppt_y</p:attrName>
+                                        </p:attrNameLst>
+                                      </p:cBhvr>
+                                      <p:tavLst>
+                                        <p:tav tm="0" fmla="#ppt_y-sin(pi*$)/27">
+                                          <p:val>
+                                            <p:fltVal val="0"/>
+                                          </p:val>
+                                        </p:tav>
+                                        <p:tav tm="100000">
+                                          <p:val>
+                                            <p:fltVal val="1"/>
+                                          </p:val>
+                                        </p:tav>
+                                      </p:tavLst>
+                                    </p:anim>
+                                    <p:anim calcmode="lin" valueType="num">
+                                      <p:cBhvr>
+                                        <p:cTn id="66" dur="164" tmFilter="0, 0; 0.125,0.2665; 0.25,0.4; 0.375,0.465; 0.5,0.5;  0.625,0.535; 0.75,0.6; 0.875,0.7335; 1,1">
+                                          <p:stCondLst>
+                                            <p:cond delay="1656"/>
+                                          </p:stCondLst>
+                                        </p:cTn>
+                                        <p:tgtEl>
+                                          <p:spTgt spid="10">
+                                            <p:txEl>
+                                              <p:pRg st="3" end="3"/>
+                                            </p:txEl>
+                                          </p:spTgt>
+                                        </p:tgtEl>
+                                        <p:attrNameLst>
+                                          <p:attrName>ppt_y</p:attrName>
+                                        </p:attrNameLst>
+                                      </p:cBhvr>
+                                      <p:tavLst>
+                                        <p:tav tm="0" fmla="#ppt_y-sin(pi*$)/81">
+                                          <p:val>
+                                            <p:fltVal val="0"/>
+                                          </p:val>
+                                        </p:tav>
+                                        <p:tav tm="100000">
+                                          <p:val>
+                                            <p:fltVal val="1"/>
+                                          </p:val>
+                                        </p:tav>
+                                      </p:tavLst>
+                                    </p:anim>
+                                    <p:animScale>
+                                      <p:cBhvr>
+                                        <p:cTn id="67" dur="26">
+                                          <p:stCondLst>
+                                            <p:cond delay="650"/>
+                                          </p:stCondLst>
+                                        </p:cTn>
+                                        <p:tgtEl>
+                                          <p:spTgt spid="10">
+                                            <p:txEl>
+                                              <p:pRg st="3" end="3"/>
+                                            </p:txEl>
+                                          </p:spTgt>
+                                        </p:tgtEl>
+                                      </p:cBhvr>
+                                      <p:to x="100000" y="60000"/>
+                                    </p:animScale>
+                                    <p:animScale>
+                                      <p:cBhvr>
+                                        <p:cTn id="68" dur="166" decel="50000">
+                                          <p:stCondLst>
+                                            <p:cond delay="676"/>
+                                          </p:stCondLst>
+                                        </p:cTn>
+                                        <p:tgtEl>
+                                          <p:spTgt spid="10">
+                                            <p:txEl>
+                                              <p:pRg st="3" end="3"/>
+                                            </p:txEl>
+                                          </p:spTgt>
+                                        </p:tgtEl>
+                                      </p:cBhvr>
+                                      <p:to x="100000" y="100000"/>
+                                    </p:animScale>
+                                    <p:animScale>
+                                      <p:cBhvr>
+                                        <p:cTn id="69" dur="26">
+                                          <p:stCondLst>
+                                            <p:cond delay="1312"/>
+                                          </p:stCondLst>
+                                        </p:cTn>
+                                        <p:tgtEl>
+                                          <p:spTgt spid="10">
+                                            <p:txEl>
+                                              <p:pRg st="3" end="3"/>
+                                            </p:txEl>
+                                          </p:spTgt>
+                                        </p:tgtEl>
+                                      </p:cBhvr>
+                                      <p:to x="100000" y="80000"/>
+                                    </p:animScale>
+                                    <p:animScale>
+                                      <p:cBhvr>
+                                        <p:cTn id="70" dur="166" decel="50000">
+                                          <p:stCondLst>
+                                            <p:cond delay="1338"/>
+                                          </p:stCondLst>
+                                        </p:cTn>
+                                        <p:tgtEl>
+                                          <p:spTgt spid="10">
+                                            <p:txEl>
+                                              <p:pRg st="3" end="3"/>
+                                            </p:txEl>
+                                          </p:spTgt>
+                                        </p:tgtEl>
+                                      </p:cBhvr>
+                                      <p:to x="100000" y="100000"/>
+                                    </p:animScale>
+                                    <p:animScale>
+                                      <p:cBhvr>
+                                        <p:cTn id="71" dur="26">
+                                          <p:stCondLst>
+                                            <p:cond delay="1642"/>
+                                          </p:stCondLst>
+                                        </p:cTn>
+                                        <p:tgtEl>
+                                          <p:spTgt spid="10">
+                                            <p:txEl>
+                                              <p:pRg st="3" end="3"/>
+                                            </p:txEl>
+                                          </p:spTgt>
+                                        </p:tgtEl>
+                                      </p:cBhvr>
+                                      <p:to x="100000" y="90000"/>
+                                    </p:animScale>
+                                    <p:animScale>
+                                      <p:cBhvr>
+                                        <p:cTn id="72" dur="166" decel="50000">
+                                          <p:stCondLst>
+                                            <p:cond delay="1668"/>
+                                          </p:stCondLst>
+                                        </p:cTn>
+                                        <p:tgtEl>
+                                          <p:spTgt spid="10">
+                                            <p:txEl>
+                                              <p:pRg st="3" end="3"/>
+                                            </p:txEl>
+                                          </p:spTgt>
+                                        </p:tgtEl>
+                                      </p:cBhvr>
+                                      <p:to x="100000" y="100000"/>
+                                    </p:animScale>
+                                    <p:animScale>
+                                      <p:cBhvr>
+                                        <p:cTn id="73" dur="26">
+                                          <p:stCondLst>
+                                            <p:cond delay="1808"/>
+                                          </p:stCondLst>
+                                        </p:cTn>
+                                        <p:tgtEl>
+                                          <p:spTgt spid="10">
+                                            <p:txEl>
+                                              <p:pRg st="3" end="3"/>
+                                            </p:txEl>
+                                          </p:spTgt>
+                                        </p:tgtEl>
+                                      </p:cBhvr>
+                                      <p:to x="100000" y="95000"/>
+                                    </p:animScale>
+                                    <p:animScale>
+                                      <p:cBhvr>
+                                        <p:cTn id="74" dur="166" decel="50000">
+                                          <p:stCondLst>
+                                            <p:cond delay="1834"/>
+                                          </p:stCondLst>
+                                        </p:cTn>
+                                        <p:tgtEl>
+                                          <p:spTgt spid="10">
+                                            <p:txEl>
+                                              <p:pRg st="3" end="3"/>
+                                            </p:txEl>
+                                          </p:spTgt>
+                                        </p:tgtEl>
+                                      </p:cBhvr>
+                                      <p:to x="100000" y="100000"/>
+                                    </p:animScale>
+                                  </p:childTnLst>
+                                </p:cTn>
+                              </p:par>
+                            </p:childTnLst>
+                          </p:cTn>
+                        </p:par>
+                      </p:childTnLst>
+                    </p:cTn>
+                  </p:par>
+                  <p:par>
+                    <p:cTn id="75" fill="hold">
+                      <p:stCondLst>
+                        <p:cond delay="indefinite"/>
+                      </p:stCondLst>
+                      <p:childTnLst>
+                        <p:par>
+                          <p:cTn id="76" fill="hold">
+                            <p:stCondLst>
+                              <p:cond delay="0"/>
+                            </p:stCondLst>
+                            <p:childTnLst>
+                              <p:par>
+                                <p:cTn id="77" presetID="26" presetClass="entr" presetSubtype="0" fill="hold" grpId="0" nodeType="clickEffect">
+                                  <p:stCondLst>
+                                    <p:cond delay="0"/>
+                                  </p:stCondLst>
+                                  <p:childTnLst>
+                                    <p:set>
+                                      <p:cBhvr>
+                                        <p:cTn id="78" dur="1" fill="hold">
+                                          <p:stCondLst>
+                                            <p:cond delay="0"/>
+                                          </p:stCondLst>
+                                        </p:cTn>
+                                        <p:tgtEl>
+                                          <p:spTgt spid="10">
+                                            <p:txEl>
+                                              <p:pRg st="4" end="4"/>
+                                            </p:txEl>
+                                          </p:spTgt>
+                                        </p:tgtEl>
+                                        <p:attrNameLst>
+                                          <p:attrName>style.visibility</p:attrName>
+                                        </p:attrNameLst>
+                                      </p:cBhvr>
+                                      <p:to>
+                                        <p:strVal val="visible"/>
+                                      </p:to>
+                                    </p:set>
+                                    <p:animEffect transition="in" filter="wipe(down)">
+                                      <p:cBhvr>
+                                        <p:cTn id="79" dur="580">
+                                          <p:stCondLst>
+                                            <p:cond delay="0"/>
+                                          </p:stCondLst>
+                                        </p:cTn>
+                                        <p:tgtEl>
+                                          <p:spTgt spid="10">
+                                            <p:txEl>
+                                              <p:pRg st="4" end="4"/>
+                                            </p:txEl>
+                                          </p:spTgt>
+                                        </p:tgtEl>
+                                      </p:cBhvr>
+                                    </p:animEffect>
+                                    <p:anim calcmode="lin" valueType="num">
+                                      <p:cBhvr>
+                                        <p:cTn id="80" dur="1822" tmFilter="0,0; 0.14,0.36; 0.43,0.73; 0.71,0.91; 1.0,1.0">
+                                          <p:stCondLst>
+                                            <p:cond delay="0"/>
+                                          </p:stCondLst>
+                                        </p:cTn>
+                                        <p:tgtEl>
+                                          <p:spTgt spid="10">
+                                            <p:txEl>
+                                              <p:pRg st="4" end="4"/>
+                                            </p:txEl>
+                                          </p:spTgt>
+                                        </p:tgtEl>
+                                        <p:attrNameLst>
+                                          <p:attrName>ppt_x</p:attrName>
+                                        </p:attrNameLst>
+                                      </p:cBhvr>
+                                      <p:tavLst>
+                                        <p:tav tm="0">
+                                          <p:val>
+                                            <p:strVal val="#ppt_x-0.25"/>
+                                          </p:val>
+                                        </p:tav>
+                                        <p:tav tm="100000">
+                                          <p:val>
+                                            <p:strVal val="#ppt_x"/>
+                                          </p:val>
+                                        </p:tav>
+                                      </p:tavLst>
+                                    </p:anim>
+                                    <p:anim calcmode="lin" valueType="num">
+                                      <p:cBhvr>
+                                        <p:cTn id="81" dur="664" tmFilter="0.0,0.0; 0.25,0.07; 0.50,0.2; 0.75,0.467; 1.0,1.0">
+                                          <p:stCondLst>
+                                            <p:cond delay="0"/>
+                                          </p:stCondLst>
+                                        </p:cTn>
+                                        <p:tgtEl>
+                                          <p:spTgt spid="10">
+                                            <p:txEl>
+                                              <p:pRg st="4" end="4"/>
+                                            </p:txEl>
+                                          </p:spTgt>
+                                        </p:tgtEl>
+                                        <p:attrNameLst>
+                                          <p:attrName>ppt_y</p:attrName>
+                                        </p:attrNameLst>
+                                      </p:cBhvr>
+                                      <p:tavLst>
+                                        <p:tav tm="0" fmla="#ppt_y-sin(pi*$)/3">
+                                          <p:val>
+                                            <p:fltVal val="0.5"/>
+                                          </p:val>
+                                        </p:tav>
+                                        <p:tav tm="100000">
+                                          <p:val>
+                                            <p:fltVal val="1"/>
+                                          </p:val>
+                                        </p:tav>
+                                      </p:tavLst>
+                                    </p:anim>
+                                    <p:anim calcmode="lin" valueType="num">
+                                      <p:cBhvr>
+                                        <p:cTn id="82" dur="664" tmFilter="0, 0; 0.125,0.2665; 0.25,0.4; 0.375,0.465; 0.5,0.5;  0.625,0.535; 0.75,0.6; 0.875,0.7335; 1,1">
+                                          <p:stCondLst>
+                                            <p:cond delay="664"/>
+                                          </p:stCondLst>
+                                        </p:cTn>
+                                        <p:tgtEl>
+                                          <p:spTgt spid="10">
+                                            <p:txEl>
+                                              <p:pRg st="4" end="4"/>
+                                            </p:txEl>
+                                          </p:spTgt>
+                                        </p:tgtEl>
+                                        <p:attrNameLst>
+                                          <p:attrName>ppt_y</p:attrName>
+                                        </p:attrNameLst>
+                                      </p:cBhvr>
+                                      <p:tavLst>
+                                        <p:tav tm="0" fmla="#ppt_y-sin(pi*$)/9">
+                                          <p:val>
+                                            <p:fltVal val="0"/>
+                                          </p:val>
+                                        </p:tav>
+                                        <p:tav tm="100000">
+                                          <p:val>
+                                            <p:fltVal val="1"/>
+                                          </p:val>
+                                        </p:tav>
+                                      </p:tavLst>
+                                    </p:anim>
+                                    <p:anim calcmode="lin" valueType="num">
+                                      <p:cBhvr>
+                                        <p:cTn id="83" dur="332" tmFilter="0, 0; 0.125,0.2665; 0.25,0.4; 0.375,0.465; 0.5,0.5;  0.625,0.535; 0.75,0.6; 0.875,0.7335; 1,1">
+                                          <p:stCondLst>
+                                            <p:cond delay="1324"/>
+                                          </p:stCondLst>
+                                        </p:cTn>
+                                        <p:tgtEl>
+                                          <p:spTgt spid="10">
+                                            <p:txEl>
+                                              <p:pRg st="4" end="4"/>
+                                            </p:txEl>
+                                          </p:spTgt>
+                                        </p:tgtEl>
+                                        <p:attrNameLst>
+                                          <p:attrName>ppt_y</p:attrName>
+                                        </p:attrNameLst>
+                                      </p:cBhvr>
+                                      <p:tavLst>
+                                        <p:tav tm="0" fmla="#ppt_y-sin(pi*$)/27">
+                                          <p:val>
+                                            <p:fltVal val="0"/>
+                                          </p:val>
+                                        </p:tav>
+                                        <p:tav tm="100000">
+                                          <p:val>
+                                            <p:fltVal val="1"/>
+                                          </p:val>
+                                        </p:tav>
+                                      </p:tavLst>
+                                    </p:anim>
+                                    <p:anim calcmode="lin" valueType="num">
+                                      <p:cBhvr>
+                                        <p:cTn id="84" dur="164" tmFilter="0, 0; 0.125,0.2665; 0.25,0.4; 0.375,0.465; 0.5,0.5;  0.625,0.535; 0.75,0.6; 0.875,0.7335; 1,1">
+                                          <p:stCondLst>
+                                            <p:cond delay="1656"/>
+                                          </p:stCondLst>
+                                        </p:cTn>
+                                        <p:tgtEl>
+                                          <p:spTgt spid="10">
+                                            <p:txEl>
+                                              <p:pRg st="4" end="4"/>
+                                            </p:txEl>
+                                          </p:spTgt>
+                                        </p:tgtEl>
+                                        <p:attrNameLst>
+                                          <p:attrName>ppt_y</p:attrName>
+                                        </p:attrNameLst>
+                                      </p:cBhvr>
+                                      <p:tavLst>
+                                        <p:tav tm="0" fmla="#ppt_y-sin(pi*$)/81">
+                                          <p:val>
+                                            <p:fltVal val="0"/>
+                                          </p:val>
+                                        </p:tav>
+                                        <p:tav tm="100000">
+                                          <p:val>
+                                            <p:fltVal val="1"/>
+                                          </p:val>
+                                        </p:tav>
+                                      </p:tavLst>
+                                    </p:anim>
+                                    <p:animScale>
+                                      <p:cBhvr>
+                                        <p:cTn id="85" dur="26">
+                                          <p:stCondLst>
+                                            <p:cond delay="650"/>
+                                          </p:stCondLst>
+                                        </p:cTn>
+                                        <p:tgtEl>
+                                          <p:spTgt spid="10">
+                                            <p:txEl>
+                                              <p:pRg st="4" end="4"/>
+                                            </p:txEl>
+                                          </p:spTgt>
+                                        </p:tgtEl>
+                                      </p:cBhvr>
+                                      <p:to x="100000" y="60000"/>
+                                    </p:animScale>
+                                    <p:animScale>
+                                      <p:cBhvr>
+                                        <p:cTn id="86" dur="166" decel="50000">
+                                          <p:stCondLst>
+                                            <p:cond delay="676"/>
+                                          </p:stCondLst>
+                                        </p:cTn>
+                                        <p:tgtEl>
+                                          <p:spTgt spid="10">
+                                            <p:txEl>
+                                              <p:pRg st="4" end="4"/>
+                                            </p:txEl>
+                                          </p:spTgt>
+                                        </p:tgtEl>
+                                      </p:cBhvr>
+                                      <p:to x="100000" y="100000"/>
+                                    </p:animScale>
+                                    <p:animScale>
+                                      <p:cBhvr>
+                                        <p:cTn id="87" dur="26">
+                                          <p:stCondLst>
+                                            <p:cond delay="1312"/>
+                                          </p:stCondLst>
+                                        </p:cTn>
+                                        <p:tgtEl>
+                                          <p:spTgt spid="10">
+                                            <p:txEl>
+                                              <p:pRg st="4" end="4"/>
+                                            </p:txEl>
+                                          </p:spTgt>
+                                        </p:tgtEl>
+                                      </p:cBhvr>
+                                      <p:to x="100000" y="80000"/>
+                                    </p:animScale>
+                                    <p:animScale>
+                                      <p:cBhvr>
+                                        <p:cTn id="88" dur="166" decel="50000">
+                                          <p:stCondLst>
+                                            <p:cond delay="1338"/>
+                                          </p:stCondLst>
+                                        </p:cTn>
+                                        <p:tgtEl>
+                                          <p:spTgt spid="10">
+                                            <p:txEl>
+                                              <p:pRg st="4" end="4"/>
+                                            </p:txEl>
+                                          </p:spTgt>
+                                        </p:tgtEl>
+                                      </p:cBhvr>
+                                      <p:to x="100000" y="100000"/>
+                                    </p:animScale>
+                                    <p:animScale>
+                                      <p:cBhvr>
+                                        <p:cTn id="89" dur="26">
+                                          <p:stCondLst>
+                                            <p:cond delay="1642"/>
+                                          </p:stCondLst>
+                                        </p:cTn>
+                                        <p:tgtEl>
+                                          <p:spTgt spid="10">
+                                            <p:txEl>
+                                              <p:pRg st="4" end="4"/>
+                                            </p:txEl>
+                                          </p:spTgt>
+                                        </p:tgtEl>
+                                      </p:cBhvr>
+                                      <p:to x="100000" y="90000"/>
+                                    </p:animScale>
+                                    <p:animScale>
+                                      <p:cBhvr>
+                                        <p:cTn id="90" dur="166" decel="50000">
+                                          <p:stCondLst>
+                                            <p:cond delay="1668"/>
+                                          </p:stCondLst>
+                                        </p:cTn>
+                                        <p:tgtEl>
+                                          <p:spTgt spid="10">
+                                            <p:txEl>
+                                              <p:pRg st="4" end="4"/>
+                                            </p:txEl>
+                                          </p:spTgt>
+                                        </p:tgtEl>
+                                      </p:cBhvr>
+                                      <p:to x="100000" y="100000"/>
+                                    </p:animScale>
+                                    <p:animScale>
+                                      <p:cBhvr>
+                                        <p:cTn id="91" dur="26">
+                                          <p:stCondLst>
+                                            <p:cond delay="1808"/>
+                                          </p:stCondLst>
+                                        </p:cTn>
+                                        <p:tgtEl>
+                                          <p:spTgt spid="10">
+                                            <p:txEl>
+                                              <p:pRg st="4" end="4"/>
+                                            </p:txEl>
+                                          </p:spTgt>
+                                        </p:tgtEl>
+                                      </p:cBhvr>
+                                      <p:to x="100000" y="95000"/>
+                                    </p:animScale>
+                                    <p:animScale>
+                                      <p:cBhvr>
+                                        <p:cTn id="92" dur="166" decel="50000">
+                                          <p:stCondLst>
+                                            <p:cond delay="1834"/>
+                                          </p:stCondLst>
+                                        </p:cTn>
+                                        <p:tgtEl>
+                                          <p:spTgt spid="10">
+                                            <p:txEl>
+                                              <p:pRg st="4" end="4"/>
+                                            </p:txEl>
+                                          </p:spTgt>
+                                        </p:tgtEl>
+                                      </p:cBhvr>
+                                      <p:to x="100000" y="100000"/>
+                                    </p:animScale>
+                                  </p:childTnLst>
+                                </p:cTn>
+                              </p:par>
+                            </p:childTnLst>
+                          </p:cTn>
+                        </p:par>
+                      </p:childTnLst>
+                    </p:cTn>
+                  </p:par>
+                  <p:par>
+                    <p:cTn id="93" fill="hold">
+                      <p:stCondLst>
+                        <p:cond delay="indefinite"/>
+                      </p:stCondLst>
+                      <p:childTnLst>
+                        <p:par>
+                          <p:cTn id="94" fill="hold">
+                            <p:stCondLst>
+                              <p:cond delay="0"/>
+                            </p:stCondLst>
+                            <p:childTnLst>
+                              <p:par>
+                                <p:cTn id="95" presetID="26" presetClass="entr" presetSubtype="0" fill="hold" grpId="0" nodeType="clickEffect">
+                                  <p:stCondLst>
+                                    <p:cond delay="0"/>
+                                  </p:stCondLst>
+                                  <p:childTnLst>
+                                    <p:set>
+                                      <p:cBhvr>
+                                        <p:cTn id="96" dur="1" fill="hold">
+                                          <p:stCondLst>
+                                            <p:cond delay="0"/>
+                                          </p:stCondLst>
+                                        </p:cTn>
+                                        <p:tgtEl>
+                                          <p:spTgt spid="10">
+                                            <p:txEl>
+                                              <p:pRg st="5" end="5"/>
+                                            </p:txEl>
+                                          </p:spTgt>
+                                        </p:tgtEl>
+                                        <p:attrNameLst>
+                                          <p:attrName>style.visibility</p:attrName>
+                                        </p:attrNameLst>
+                                      </p:cBhvr>
+                                      <p:to>
+                                        <p:strVal val="visible"/>
+                                      </p:to>
+                                    </p:set>
+                                    <p:animEffect transition="in" filter="wipe(down)">
+                                      <p:cBhvr>
+                                        <p:cTn id="97" dur="580">
+                                          <p:stCondLst>
+                                            <p:cond delay="0"/>
+                                          </p:stCondLst>
+                                        </p:cTn>
+                                        <p:tgtEl>
+                                          <p:spTgt spid="10">
+                                            <p:txEl>
+                                              <p:pRg st="5" end="5"/>
+                                            </p:txEl>
+                                          </p:spTgt>
+                                        </p:tgtEl>
+                                      </p:cBhvr>
+                                    </p:animEffect>
+                                    <p:anim calcmode="lin" valueType="num">
+                                      <p:cBhvr>
+                                        <p:cTn id="98" dur="1822" tmFilter="0,0; 0.14,0.36; 0.43,0.73; 0.71,0.91; 1.0,1.0">
+                                          <p:stCondLst>
+                                            <p:cond delay="0"/>
+                                          </p:stCondLst>
+                                        </p:cTn>
+                                        <p:tgtEl>
+                                          <p:spTgt spid="10">
+                                            <p:txEl>
+                                              <p:pRg st="5" end="5"/>
+                                            </p:txEl>
+                                          </p:spTgt>
+                                        </p:tgtEl>
+                                        <p:attrNameLst>
+                                          <p:attrName>ppt_x</p:attrName>
+                                        </p:attrNameLst>
+                                      </p:cBhvr>
+                                      <p:tavLst>
+                                        <p:tav tm="0">
+                                          <p:val>
+                                            <p:strVal val="#ppt_x-0.25"/>
+                                          </p:val>
+                                        </p:tav>
+                                        <p:tav tm="100000">
+                                          <p:val>
+                                            <p:strVal val="#ppt_x"/>
+                                          </p:val>
+                                        </p:tav>
+                                      </p:tavLst>
+                                    </p:anim>
+                                    <p:anim calcmode="lin" valueType="num">
+                                      <p:cBhvr>
+                                        <p:cTn id="99" dur="664" tmFilter="0.0,0.0; 0.25,0.07; 0.50,0.2; 0.75,0.467; 1.0,1.0">
+                                          <p:stCondLst>
+                                            <p:cond delay="0"/>
+                                          </p:stCondLst>
+                                        </p:cTn>
+                                        <p:tgtEl>
+                                          <p:spTgt spid="10">
+                                            <p:txEl>
+                                              <p:pRg st="5" end="5"/>
+                                            </p:txEl>
+                                          </p:spTgt>
+                                        </p:tgtEl>
+                                        <p:attrNameLst>
+                                          <p:attrName>ppt_y</p:attrName>
+                                        </p:attrNameLst>
+                                      </p:cBhvr>
+                                      <p:tavLst>
+                                        <p:tav tm="0" fmla="#ppt_y-sin(pi*$)/3">
+                                          <p:val>
+                                            <p:fltVal val="0.5"/>
+                                          </p:val>
+                                        </p:tav>
+                                        <p:tav tm="100000">
+                                          <p:val>
+                                            <p:fltVal val="1"/>
+                                          </p:val>
+                                        </p:tav>
+                                      </p:tavLst>
+                                    </p:anim>
+                                    <p:anim calcmode="lin" valueType="num">
+                                      <p:cBhvr>
+                                        <p:cTn id="100" dur="664" tmFilter="0, 0; 0.125,0.2665; 0.25,0.4; 0.375,0.465; 0.5,0.5;  0.625,0.535; 0.75,0.6; 0.875,0.7335; 1,1">
+                                          <p:stCondLst>
+                                            <p:cond delay="664"/>
+                                          </p:stCondLst>
+                                        </p:cTn>
+                                        <p:tgtEl>
+                                          <p:spTgt spid="10">
+                                            <p:txEl>
+                                              <p:pRg st="5" end="5"/>
+                                            </p:txEl>
+                                          </p:spTgt>
+                                        </p:tgtEl>
+                                        <p:attrNameLst>
+                                          <p:attrName>ppt_y</p:attrName>
+                                        </p:attrNameLst>
+                                      </p:cBhvr>
+                                      <p:tavLst>
+                                        <p:tav tm="0" fmla="#ppt_y-sin(pi*$)/9">
+                                          <p:val>
+                                            <p:fltVal val="0"/>
+                                          </p:val>
+                                        </p:tav>
+                                        <p:tav tm="100000">
+                                          <p:val>
+                                            <p:fltVal val="1"/>
+                                          </p:val>
+                                        </p:tav>
+                                      </p:tavLst>
+                                    </p:anim>
+                                    <p:anim calcmode="lin" valueType="num">
+                                      <p:cBhvr>
+                                        <p:cTn id="101" dur="332" tmFilter="0, 0; 0.125,0.2665; 0.25,0.4; 0.375,0.465; 0.5,0.5;  0.625,0.535; 0.75,0.6; 0.875,0.7335; 1,1">
+                                          <p:stCondLst>
+                                            <p:cond delay="1324"/>
+                                          </p:stCondLst>
+                                        </p:cTn>
+                                        <p:tgtEl>
+                                          <p:spTgt spid="10">
+                                            <p:txEl>
+                                              <p:pRg st="5" end="5"/>
+                                            </p:txEl>
+                                          </p:spTgt>
+                                        </p:tgtEl>
+                                        <p:attrNameLst>
+                                          <p:attrName>ppt_y</p:attrName>
+                                        </p:attrNameLst>
+                                      </p:cBhvr>
+                                      <p:tavLst>
+                                        <p:tav tm="0" fmla="#ppt_y-sin(pi*$)/27">
+                                          <p:val>
+                                            <p:fltVal val="0"/>
+                                          </p:val>
+                                        </p:tav>
+                                        <p:tav tm="100000">
+                                          <p:val>
+                                            <p:fltVal val="1"/>
+                                          </p:val>
+                                        </p:tav>
+                                      </p:tavLst>
+                                    </p:anim>
+                                    <p:anim calcmode="lin" valueType="num">
+                                      <p:cBhvr>
+                                        <p:cTn id="102" dur="164" tmFilter="0, 0; 0.125,0.2665; 0.25,0.4; 0.375,0.465; 0.5,0.5;  0.625,0.535; 0.75,0.6; 0.875,0.7335; 1,1">
+                                          <p:stCondLst>
+                                            <p:cond delay="1656"/>
+                                          </p:stCondLst>
+                                        </p:cTn>
+                                        <p:tgtEl>
+                                          <p:spTgt spid="10">
+                                            <p:txEl>
+                                              <p:pRg st="5" end="5"/>
+                                            </p:txEl>
+                                          </p:spTgt>
+                                        </p:tgtEl>
+                                        <p:attrNameLst>
+                                          <p:attrName>ppt_y</p:attrName>
+                                        </p:attrNameLst>
+                                      </p:cBhvr>
+                                      <p:tavLst>
+                                        <p:tav tm="0" fmla="#ppt_y-sin(pi*$)/81">
+                                          <p:val>
+                                            <p:fltVal val="0"/>
+                                          </p:val>
+                                        </p:tav>
+                                        <p:tav tm="100000">
+                                          <p:val>
+                                            <p:fltVal val="1"/>
+                                          </p:val>
+                                        </p:tav>
+                                      </p:tavLst>
+                                    </p:anim>
+                                    <p:animScale>
+                                      <p:cBhvr>
+                                        <p:cTn id="103" dur="26">
+                                          <p:stCondLst>
+                                            <p:cond delay="650"/>
+                                          </p:stCondLst>
+                                        </p:cTn>
+                                        <p:tgtEl>
+                                          <p:spTgt spid="10">
+                                            <p:txEl>
+                                              <p:pRg st="5" end="5"/>
+                                            </p:txEl>
+                                          </p:spTgt>
+                                        </p:tgtEl>
+                                      </p:cBhvr>
+                                      <p:to x="100000" y="60000"/>
+                                    </p:animScale>
+                                    <p:animScale>
+                                      <p:cBhvr>
+                                        <p:cTn id="104" dur="166" decel="50000">
+                                          <p:stCondLst>
+                                            <p:cond delay="676"/>
+                                          </p:stCondLst>
+                                        </p:cTn>
+                                        <p:tgtEl>
+                                          <p:spTgt spid="10">
+                                            <p:txEl>
+                                              <p:pRg st="5" end="5"/>
+                                            </p:txEl>
+                                          </p:spTgt>
+                                        </p:tgtEl>
+                                      </p:cBhvr>
+                                      <p:to x="100000" y="100000"/>
+                                    </p:animScale>
+                                    <p:animScale>
+                                      <p:cBhvr>
+                                        <p:cTn id="105" dur="26">
+                                          <p:stCondLst>
+                                            <p:cond delay="1312"/>
+                                          </p:stCondLst>
+                                        </p:cTn>
+                                        <p:tgtEl>
+                                          <p:spTgt spid="10">
+                                            <p:txEl>
+                                              <p:pRg st="5" end="5"/>
+                                            </p:txEl>
+                                          </p:spTgt>
+                                        </p:tgtEl>
+                                      </p:cBhvr>
+                                      <p:to x="100000" y="80000"/>
+                                    </p:animScale>
+                                    <p:animScale>
+                                      <p:cBhvr>
+                                        <p:cTn id="106" dur="166" decel="50000">
+                                          <p:stCondLst>
+                                            <p:cond delay="1338"/>
+                                          </p:stCondLst>
+                                        </p:cTn>
+                                        <p:tgtEl>
+                                          <p:spTgt spid="10">
+                                            <p:txEl>
+                                              <p:pRg st="5" end="5"/>
+                                            </p:txEl>
+                                          </p:spTgt>
+                                        </p:tgtEl>
+                                      </p:cBhvr>
+                                      <p:to x="100000" y="100000"/>
+                                    </p:animScale>
+                                    <p:animScale>
+                                      <p:cBhvr>
+                                        <p:cTn id="107" dur="26">
+                                          <p:stCondLst>
+                                            <p:cond delay="1642"/>
+                                          </p:stCondLst>
+                                        </p:cTn>
+                                        <p:tgtEl>
+                                          <p:spTgt spid="10">
+                                            <p:txEl>
+                                              <p:pRg st="5" end="5"/>
+                                            </p:txEl>
+                                          </p:spTgt>
+                                        </p:tgtEl>
+                                      </p:cBhvr>
+                                      <p:to x="100000" y="90000"/>
+                                    </p:animScale>
+                                    <p:animScale>
+                                      <p:cBhvr>
+                                        <p:cTn id="108" dur="166" decel="50000">
+                                          <p:stCondLst>
+                                            <p:cond delay="1668"/>
+                                          </p:stCondLst>
+                                        </p:cTn>
+                                        <p:tgtEl>
+                                          <p:spTgt spid="10">
+                                            <p:txEl>
+                                              <p:pRg st="5" end="5"/>
+                                            </p:txEl>
+                                          </p:spTgt>
+                                        </p:tgtEl>
+                                      </p:cBhvr>
+                                      <p:to x="100000" y="100000"/>
+                                    </p:animScale>
+                                    <p:animScale>
+                                      <p:cBhvr>
+                                        <p:cTn id="109" dur="26">
+                                          <p:stCondLst>
+                                            <p:cond delay="1808"/>
+                                          </p:stCondLst>
+                                        </p:cTn>
+                                        <p:tgtEl>
+                                          <p:spTgt spid="10">
+                                            <p:txEl>
+                                              <p:pRg st="5" end="5"/>
+                                            </p:txEl>
+                                          </p:spTgt>
+                                        </p:tgtEl>
+                                      </p:cBhvr>
+                                      <p:to x="100000" y="95000"/>
+                                    </p:animScale>
+                                    <p:animScale>
+                                      <p:cBhvr>
+                                        <p:cTn id="110" dur="166" decel="50000">
+                                          <p:stCondLst>
+                                            <p:cond delay="1834"/>
+                                          </p:stCondLst>
+                                        </p:cTn>
+                                        <p:tgtEl>
+                                          <p:spTgt spid="10">
+                                            <p:txEl>
+                                              <p:pRg st="5" end="5"/>
+                                            </p:txEl>
+                                          </p:spTgt>
+                                        </p:tgtEl>
+                                      </p:cBhvr>
+                                      <p:to x="100000" y="100000"/>
+                                    </p:animScale>
+                                  </p:childTnLst>
+                                </p:cTn>
+                              </p:par>
+                            </p:childTnLst>
+                          </p:cTn>
+                        </p:par>
+                      </p:childTnLst>
+                    </p:cTn>
+                  </p:par>
+                  <p:par>
+                    <p:cTn id="111" fill="hold">
+                      <p:stCondLst>
+                        <p:cond delay="indefinite"/>
+                      </p:stCondLst>
+                      <p:childTnLst>
+                        <p:par>
+                          <p:cTn id="112" fill="hold">
+                            <p:stCondLst>
+                              <p:cond delay="0"/>
+                            </p:stCondLst>
+                            <p:childTnLst>
+                              <p:par>
+                                <p:cTn id="113" presetID="26" presetClass="entr" presetSubtype="0" fill="hold" grpId="0" nodeType="clickEffect">
+                                  <p:stCondLst>
+                                    <p:cond delay="0"/>
+                                  </p:stCondLst>
+                                  <p:childTnLst>
+                                    <p:set>
+                                      <p:cBhvr>
+                                        <p:cTn id="114" dur="1" fill="hold">
+                                          <p:stCondLst>
+                                            <p:cond delay="0"/>
+                                          </p:stCondLst>
+                                        </p:cTn>
+                                        <p:tgtEl>
+                                          <p:spTgt spid="10">
+                                            <p:txEl>
+                                              <p:pRg st="6" end="6"/>
+                                            </p:txEl>
+                                          </p:spTgt>
+                                        </p:tgtEl>
+                                        <p:attrNameLst>
+                                          <p:attrName>style.visibility</p:attrName>
+                                        </p:attrNameLst>
+                                      </p:cBhvr>
+                                      <p:to>
+                                        <p:strVal val="visible"/>
+                                      </p:to>
+                                    </p:set>
+                                    <p:animEffect transition="in" filter="wipe(down)">
+                                      <p:cBhvr>
+                                        <p:cTn id="115" dur="580">
+                                          <p:stCondLst>
+                                            <p:cond delay="0"/>
+                                          </p:stCondLst>
+                                        </p:cTn>
+                                        <p:tgtEl>
+                                          <p:spTgt spid="10">
+                                            <p:txEl>
+                                              <p:pRg st="6" end="6"/>
+                                            </p:txEl>
+                                          </p:spTgt>
+                                        </p:tgtEl>
+                                      </p:cBhvr>
+                                    </p:animEffect>
+                                    <p:anim calcmode="lin" valueType="num">
+                                      <p:cBhvr>
+                                        <p:cTn id="116" dur="1822" tmFilter="0,0; 0.14,0.36; 0.43,0.73; 0.71,0.91; 1.0,1.0">
+                                          <p:stCondLst>
+                                            <p:cond delay="0"/>
+                                          </p:stCondLst>
+                                        </p:cTn>
+                                        <p:tgtEl>
+                                          <p:spTgt spid="10">
+                                            <p:txEl>
+                                              <p:pRg st="6" end="6"/>
+                                            </p:txEl>
+                                          </p:spTgt>
+                                        </p:tgtEl>
+                                        <p:attrNameLst>
+                                          <p:attrName>ppt_x</p:attrName>
+                                        </p:attrNameLst>
+                                      </p:cBhvr>
+                                      <p:tavLst>
+                                        <p:tav tm="0">
+                                          <p:val>
+                                            <p:strVal val="#ppt_x-0.25"/>
+                                          </p:val>
+                                        </p:tav>
+                                        <p:tav tm="100000">
+                                          <p:val>
+                                            <p:strVal val="#ppt_x"/>
+                                          </p:val>
+                                        </p:tav>
+                                      </p:tavLst>
+                                    </p:anim>
+                                    <p:anim calcmode="lin" valueType="num">
+                                      <p:cBhvr>
+                                        <p:cTn id="117" dur="664" tmFilter="0.0,0.0; 0.25,0.07; 0.50,0.2; 0.75,0.467; 1.0,1.0">
+                                          <p:stCondLst>
+                                            <p:cond delay="0"/>
+                                          </p:stCondLst>
+                                        </p:cTn>
+                                        <p:tgtEl>
+                                          <p:spTgt spid="10">
+                                            <p:txEl>
+                                              <p:pRg st="6" end="6"/>
+                                            </p:txEl>
+                                          </p:spTgt>
+                                        </p:tgtEl>
+                                        <p:attrNameLst>
+                                          <p:attrName>ppt_y</p:attrName>
+                                        </p:attrNameLst>
+                                      </p:cBhvr>
+                                      <p:tavLst>
+                                        <p:tav tm="0" fmla="#ppt_y-sin(pi*$)/3">
+                                          <p:val>
+                                            <p:fltVal val="0.5"/>
+                                          </p:val>
+                                        </p:tav>
+                                        <p:tav tm="100000">
+                                          <p:val>
+                                            <p:fltVal val="1"/>
+                                          </p:val>
+                                        </p:tav>
+                                      </p:tavLst>
+                                    </p:anim>
+                                    <p:anim calcmode="lin" valueType="num">
+                                      <p:cBhvr>
+                                        <p:cTn id="118" dur="664" tmFilter="0, 0; 0.125,0.2665; 0.25,0.4; 0.375,0.465; 0.5,0.5;  0.625,0.535; 0.75,0.6; 0.875,0.7335; 1,1">
+                                          <p:stCondLst>
+                                            <p:cond delay="664"/>
+                                          </p:stCondLst>
+                                        </p:cTn>
+                                        <p:tgtEl>
+                                          <p:spTgt spid="10">
+                                            <p:txEl>
+                                              <p:pRg st="6" end="6"/>
+                                            </p:txEl>
+                                          </p:spTgt>
+                                        </p:tgtEl>
+                                        <p:attrNameLst>
+                                          <p:attrName>ppt_y</p:attrName>
+                                        </p:attrNameLst>
+                                      </p:cBhvr>
+                                      <p:tavLst>
+                                        <p:tav tm="0" fmla="#ppt_y-sin(pi*$)/9">
+                                          <p:val>
+                                            <p:fltVal val="0"/>
+                                          </p:val>
+                                        </p:tav>
+                                        <p:tav tm="100000">
+                                          <p:val>
+                                            <p:fltVal val="1"/>
+                                          </p:val>
+                                        </p:tav>
+                                      </p:tavLst>
+                                    </p:anim>
+                                    <p:anim calcmode="lin" valueType="num">
+                                      <p:cBhvr>
+                                        <p:cTn id="119" dur="332" tmFilter="0, 0; 0.125,0.2665; 0.25,0.4; 0.375,0.465; 0.5,0.5;  0.625,0.535; 0.75,0.6; 0.875,0.7335; 1,1">
+                                          <p:stCondLst>
+                                            <p:cond delay="1324"/>
+                                          </p:stCondLst>
+                                        </p:cTn>
+                                        <p:tgtEl>
+                                          <p:spTgt spid="10">
+                                            <p:txEl>
+                                              <p:pRg st="6" end="6"/>
+                                            </p:txEl>
+                                          </p:spTgt>
+                                        </p:tgtEl>
+                                        <p:attrNameLst>
+                                          <p:attrName>ppt_y</p:attrName>
+                                        </p:attrNameLst>
+                                      </p:cBhvr>
+                                      <p:tavLst>
+                                        <p:tav tm="0" fmla="#ppt_y-sin(pi*$)/27">
+                                          <p:val>
+                                            <p:fltVal val="0"/>
+                                          </p:val>
+                                        </p:tav>
+                                        <p:tav tm="100000">
+                                          <p:val>
+                                            <p:fltVal val="1"/>
+                                          </p:val>
+                                        </p:tav>
+                                      </p:tavLst>
+                                    </p:anim>
+                                    <p:anim calcmode="lin" valueType="num">
+                                      <p:cBhvr>
+                                        <p:cTn id="120" dur="164" tmFilter="0, 0; 0.125,0.2665; 0.25,0.4; 0.375,0.465; 0.5,0.5;  0.625,0.535; 0.75,0.6; 0.875,0.7335; 1,1">
+                                          <p:stCondLst>
+                                            <p:cond delay="1656"/>
+                                          </p:stCondLst>
+                                        </p:cTn>
+                                        <p:tgtEl>
+                                          <p:spTgt spid="10">
+                                            <p:txEl>
+                                              <p:pRg st="6" end="6"/>
+                                            </p:txEl>
+                                          </p:spTgt>
+                                        </p:tgtEl>
+                                        <p:attrNameLst>
+                                          <p:attrName>ppt_y</p:attrName>
+                                        </p:attrNameLst>
+                                      </p:cBhvr>
+                                      <p:tavLst>
+                                        <p:tav tm="0" fmla="#ppt_y-sin(pi*$)/81">
+                                          <p:val>
+                                            <p:fltVal val="0"/>
+                                          </p:val>
+                                        </p:tav>
+                                        <p:tav tm="100000">
+                                          <p:val>
+                                            <p:fltVal val="1"/>
+                                          </p:val>
+                                        </p:tav>
+                                      </p:tavLst>
+                                    </p:anim>
+                                    <p:animScale>
+                                      <p:cBhvr>
+                                        <p:cTn id="121" dur="26">
+                                          <p:stCondLst>
+                                            <p:cond delay="650"/>
+                                          </p:stCondLst>
+                                        </p:cTn>
+                                        <p:tgtEl>
+                                          <p:spTgt spid="10">
+                                            <p:txEl>
+                                              <p:pRg st="6" end="6"/>
+                                            </p:txEl>
+                                          </p:spTgt>
+                                        </p:tgtEl>
+                                      </p:cBhvr>
+                                      <p:to x="100000" y="60000"/>
+                                    </p:animScale>
+                                    <p:animScale>
+                                      <p:cBhvr>
+                                        <p:cTn id="122" dur="166" decel="50000">
+                                          <p:stCondLst>
+                                            <p:cond delay="676"/>
+                                          </p:stCondLst>
+                                        </p:cTn>
+                                        <p:tgtEl>
+                                          <p:spTgt spid="10">
+                                            <p:txEl>
+                                              <p:pRg st="6" end="6"/>
+                                            </p:txEl>
+                                          </p:spTgt>
+                                        </p:tgtEl>
+                                      </p:cBhvr>
+                                      <p:to x="100000" y="100000"/>
+                                    </p:animScale>
+                                    <p:animScale>
+                                      <p:cBhvr>
+                                        <p:cTn id="123" dur="26">
+                                          <p:stCondLst>
+                                            <p:cond delay="1312"/>
+                                          </p:stCondLst>
+                                        </p:cTn>
+                                        <p:tgtEl>
+                                          <p:spTgt spid="10">
+                                            <p:txEl>
+                                              <p:pRg st="6" end="6"/>
+                                            </p:txEl>
+                                          </p:spTgt>
+                                        </p:tgtEl>
+                                      </p:cBhvr>
+                                      <p:to x="100000" y="80000"/>
+                                    </p:animScale>
+                                    <p:animScale>
+                                      <p:cBhvr>
+                                        <p:cTn id="124" dur="166" decel="50000">
+                                          <p:stCondLst>
+                                            <p:cond delay="1338"/>
+                                          </p:stCondLst>
+                                        </p:cTn>
+                                        <p:tgtEl>
+                                          <p:spTgt spid="10">
+                                            <p:txEl>
+                                              <p:pRg st="6" end="6"/>
+                                            </p:txEl>
+                                          </p:spTgt>
+                                        </p:tgtEl>
+                                      </p:cBhvr>
+                                      <p:to x="100000" y="100000"/>
+                                    </p:animScale>
+                                    <p:animScale>
+                                      <p:cBhvr>
+                                        <p:cTn id="125" dur="26">
+                                          <p:stCondLst>
+                                            <p:cond delay="1642"/>
+                                          </p:stCondLst>
+                                        </p:cTn>
+                                        <p:tgtEl>
+                                          <p:spTgt spid="10">
+                                            <p:txEl>
+                                              <p:pRg st="6" end="6"/>
+                                            </p:txEl>
+                                          </p:spTgt>
+                                        </p:tgtEl>
+                                      </p:cBhvr>
+                                      <p:to x="100000" y="90000"/>
+                                    </p:animScale>
+                                    <p:animScale>
+                                      <p:cBhvr>
+                                        <p:cTn id="126" dur="166" decel="50000">
+                                          <p:stCondLst>
+                                            <p:cond delay="1668"/>
+                                          </p:stCondLst>
+                                        </p:cTn>
+                                        <p:tgtEl>
+                                          <p:spTgt spid="10">
+                                            <p:txEl>
+                                              <p:pRg st="6" end="6"/>
+                                            </p:txEl>
+                                          </p:spTgt>
+                                        </p:tgtEl>
+                                      </p:cBhvr>
+                                      <p:to x="100000" y="100000"/>
+                                    </p:animScale>
+                                    <p:animScale>
+                                      <p:cBhvr>
+                                        <p:cTn id="127" dur="26">
+                                          <p:stCondLst>
+                                            <p:cond delay="1808"/>
+                                          </p:stCondLst>
+                                        </p:cTn>
+                                        <p:tgtEl>
+                                          <p:spTgt spid="10">
+                                            <p:txEl>
+                                              <p:pRg st="6" end="6"/>
+                                            </p:txEl>
+                                          </p:spTgt>
+                                        </p:tgtEl>
+                                      </p:cBhvr>
+                                      <p:to x="100000" y="95000"/>
+                                    </p:animScale>
+                                    <p:animScale>
+                                      <p:cBhvr>
+                                        <p:cTn id="128" dur="166" decel="50000">
+                                          <p:stCondLst>
+                                            <p:cond delay="1834"/>
+                                          </p:stCondLst>
+                                        </p:cTn>
+                                        <p:tgtEl>
+                                          <p:spTgt spid="10">
+                                            <p:txEl>
+                                              <p:pRg st="6" end="6"/>
+                                            </p:txEl>
+                                          </p:spTgt>
+                                        </p:tgtEl>
+                                      </p:cBhvr>
+                                      <p:to x="100000" y="100000"/>
+                                    </p:animScale>
+                                  </p:childTnLst>
+                                </p:cTn>
+                              </p:par>
+                            </p:childTnLst>
+                          </p:cTn>
+                        </p:par>
+                      </p:childTnLst>
+                    </p:cTn>
+                  </p:par>
+                </p:childTnLst>
+              </p:cTn>
+              <p:prevCondLst>
+                <p:cond evt="onPrev" delay="0">
+                  <p:tgtEl>
+                    <p:sldTgt/>
+                  </p:tgtEl>
+                </p:cond>
+              </p:prevCondLst>
+              <p:nextCondLst>
+                <p:cond evt="onNext" delay="0">
+                  <p:tgtEl>
+                    <p:sldTgt/>
+                  </p:tgtEl>
+                </p:cond>
+              </p:nextCondLst>
+            </p:seq>
+          </p:childTnLst>
+        </p:cTn>
+      </p:par>
+    </p:tnLst>
+    <p:bldLst>
+      <p:bldP spid="10" grpId="0" build="p"/>
+    </p:bldLst>
+  </p:timing>
+</p:sld>
+</file>
+
+<file path=ppt/slides/slide7.xml><?xml version="1.0" encoding="utf-8"?>
+<p:sld xmlns:a="http://schemas.openxmlformats.org/drawingml/2006/main" xmlns:r="http://schemas.openxmlformats.org/officeDocument/2006/relationships" xmlns:p="http://schemas.openxmlformats.org/presentationml/2006/main">
+  <p:cSld>
+    <p:spTree>
+      <p:nvGrpSpPr>
+        <p:cNvPr id="1" name=""/>
+        <p:cNvGrpSpPr/>
+        <p:nvPr/>
+      </p:nvGrpSpPr>
+      <p:grpSpPr>
+        <a:xfrm>
+          <a:off x="0" y="0"/>
+          <a:ext cx="0" cy="0"/>
+          <a:chOff x="0" y="0"/>
+          <a:chExt cx="0" cy="0"/>
+        </a:xfrm>
+      </p:grpSpPr>
+      <p:sp>
+        <p:nvSpPr>
           <p:cNvPr id="3" name="Titre 2"/>
           <p:cNvSpPr>
             <a:spLocks noGrp="1"/>
